--- a/doc/regression-highlights.pptx
+++ b/doc/regression-highlights.pptx
@@ -12,10 +12,9 @@
     <p:sldId id="266" r:id="rId6"/>
     <p:sldId id="267" r:id="rId7"/>
     <p:sldId id="262" r:id="rId8"/>
-    <p:sldId id="268" r:id="rId9"/>
-    <p:sldId id="263" r:id="rId10"/>
-    <p:sldId id="264" r:id="rId11"/>
-    <p:sldId id="265" r:id="rId12"/>
+    <p:sldId id="263" r:id="rId9"/>
+    <p:sldId id="264" r:id="rId10"/>
+    <p:sldId id="269" r:id="rId11"/>
   </p:sldIdLst>
   <p:sldSz cx="12192000" cy="6858000"/>
   <p:notesSz cx="6858000" cy="9144000"/>
@@ -10441,7 +10440,7 @@
                   <a:schemeClr val="tx2"/>
                 </a:solidFill>
               </a:rPr>
-              <a:t>Trading in Trade-Offs</a:t>
+              <a:t>Trading Trade-Offs</a:t>
             </a:r>
           </a:p>
         </p:txBody>
@@ -10475,7 +10474,7 @@
           <a:lstStyle/>
           <a:p>
             <a:r>
-              <a:rPr lang="en-SG" sz="2000">
+              <a:rPr lang="en-SG" sz="2000" dirty="0">
                 <a:solidFill>
                   <a:schemeClr val="tx2"/>
                 </a:solidFill>
@@ -10640,1429 +10639,6 @@
 <file path=ppt/slides/slide10.xml><?xml version="1.0" encoding="utf-8"?>
 <p:sld xmlns:a="http://schemas.openxmlformats.org/drawingml/2006/main" xmlns:r="http://schemas.openxmlformats.org/officeDocument/2006/relationships" xmlns:p="http://schemas.openxmlformats.org/presentationml/2006/main">
   <p:cSld>
-    <p:bg>
-      <p:bgPr>
-        <a:solidFill>
-          <a:schemeClr val="bg1"/>
-        </a:solidFill>
-        <a:effectLst/>
-      </p:bgPr>
-    </p:bg>
-    <p:spTree>
-      <p:nvGrpSpPr>
-        <p:cNvPr id="1" name=""/>
-        <p:cNvGrpSpPr/>
-        <p:nvPr/>
-      </p:nvGrpSpPr>
-      <p:grpSpPr>
-        <a:xfrm>
-          <a:off x="0" y="0"/>
-          <a:ext cx="0" cy="0"/>
-          <a:chOff x="0" y="0"/>
-          <a:chExt cx="0" cy="0"/>
-        </a:xfrm>
-      </p:grpSpPr>
-      <p:sp useBgFill="1">
-        <p:nvSpPr>
-          <p:cNvPr id="14" name="Rectangle 13">
-            <a:extLst>
-              <a:ext uri="{FF2B5EF4-FFF2-40B4-BE49-F238E27FC236}">
-                <a16:creationId xmlns:a16="http://schemas.microsoft.com/office/drawing/2014/main" id="{AE6CA01B-0DEB-4E9A-9768-B728DA42C1D4}"/>
-              </a:ext>
-              <a:ext uri="{C183D7F6-B498-43B3-948B-1728B52AA6E4}">
-                <adec:decorative xmlns:adec="http://schemas.microsoft.com/office/drawing/2017/decorative" val="1"/>
-              </a:ext>
-            </a:extLst>
-          </p:cNvPr>
-          <p:cNvSpPr>
-            <a:spLocks noGrp="1" noRot="1" noChangeAspect="1" noMove="1" noResize="1" noEditPoints="1" noAdjustHandles="1" noChangeArrowheads="1" noChangeShapeType="1" noTextEdit="1"/>
-          </p:cNvSpPr>
-          <p:nvPr>
-            <p:extLst>
-              <p:ext uri="{386F3935-93C4-4BCD-93E2-E3B085C9AB24}">
-                <p16:designElem xmlns:p16="http://schemas.microsoft.com/office/powerpoint/2015/main" val="1"/>
-              </p:ext>
-            </p:extLst>
-          </p:nvPr>
-        </p:nvSpPr>
-        <p:spPr>
-          <a:xfrm>
-            <a:off x="0" y="0"/>
-            <a:ext cx="12191695" cy="6858000"/>
-          </a:xfrm>
-          <a:prstGeom prst="rect">
-            <a:avLst/>
-          </a:prstGeom>
-          <a:ln>
-            <a:noFill/>
-          </a:ln>
-        </p:spPr>
-        <p:style>
-          <a:lnRef idx="2">
-            <a:schemeClr val="accent1">
-              <a:shade val="50000"/>
-            </a:schemeClr>
-          </a:lnRef>
-          <a:fillRef idx="1">
-            <a:schemeClr val="accent1"/>
-          </a:fillRef>
-          <a:effectRef idx="0">
-            <a:schemeClr val="accent1"/>
-          </a:effectRef>
-          <a:fontRef idx="minor">
-            <a:schemeClr val="lt1"/>
-          </a:fontRef>
-        </p:style>
-        <p:txBody>
-          <a:bodyPr rtlCol="0" anchor="ctr"/>
-          <a:lstStyle/>
-          <a:p>
-            <a:pPr algn="ctr"/>
-            <a:endParaRPr lang="en-US"/>
-          </a:p>
-        </p:txBody>
-      </p:sp>
-      <p:sp>
-        <p:nvSpPr>
-          <p:cNvPr id="2" name="Title 1">
-            <a:extLst>
-              <a:ext uri="{FF2B5EF4-FFF2-40B4-BE49-F238E27FC236}">
-                <a16:creationId xmlns:a16="http://schemas.microsoft.com/office/drawing/2014/main" id="{3314C58D-A3CB-4FB8-B64E-EA45832C235C}"/>
-              </a:ext>
-            </a:extLst>
-          </p:cNvPr>
-          <p:cNvSpPr>
-            <a:spLocks noGrp="1"/>
-          </p:cNvSpPr>
-          <p:nvPr>
-            <p:ph type="title"/>
-          </p:nvPr>
-        </p:nvSpPr>
-        <p:spPr>
-          <a:xfrm>
-            <a:off x="804672" y="802955"/>
-            <a:ext cx="6318649" cy="1454051"/>
-          </a:xfrm>
-        </p:spPr>
-        <p:txBody>
-          <a:bodyPr anchor="b">
-            <a:normAutofit/>
-          </a:bodyPr>
-          <a:lstStyle/>
-          <a:p>
-            <a:r>
-              <a:rPr lang="en-SG" sz="3600">
-                <a:solidFill>
-                  <a:schemeClr val="tx2"/>
-                </a:solidFill>
-              </a:rPr>
-              <a:t>Model Evaluation</a:t>
-            </a:r>
-          </a:p>
-        </p:txBody>
-      </p:sp>
-      <p:grpSp>
-        <p:nvGrpSpPr>
-          <p:cNvPr id="16" name="Group 15">
-            <a:extLst>
-              <a:ext uri="{FF2B5EF4-FFF2-40B4-BE49-F238E27FC236}">
-                <a16:creationId xmlns:a16="http://schemas.microsoft.com/office/drawing/2014/main" id="{A57D8C8E-634E-4E83-9657-225A4DFE47ED}"/>
-              </a:ext>
-              <a:ext uri="{C183D7F6-B498-43B3-948B-1728B52AA6E4}">
-                <adec:decorative xmlns:adec="http://schemas.microsoft.com/office/drawing/2017/decorative" val="1"/>
-              </a:ext>
-            </a:extLst>
-          </p:cNvPr>
-          <p:cNvGrpSpPr>
-            <a:grpSpLocks noGrp="1" noUngrp="1" noRot="1" noChangeAspect="1" noMove="1" noResize="1"/>
-          </p:cNvGrpSpPr>
-          <p:nvPr>
-            <p:extLst>
-              <p:ext uri="{386F3935-93C4-4BCD-93E2-E3B085C9AB24}">
-                <p16:designElem xmlns:p16="http://schemas.microsoft.com/office/powerpoint/2015/main" val="1"/>
-              </p:ext>
-            </p:extLst>
-          </p:nvPr>
-        </p:nvGrpSpPr>
-        <p:grpSpPr>
-          <a:xfrm>
-            <a:off x="0" y="-4155"/>
-            <a:ext cx="2514948" cy="2174333"/>
-            <a:chOff x="-305" y="-4155"/>
-            <a:chExt cx="2514948" cy="2174333"/>
-          </a:xfrm>
-        </p:grpSpPr>
-        <p:sp>
-          <p:nvSpPr>
-            <p:cNvPr id="17" name="Freeform: Shape 16">
-              <a:extLst>
-                <a:ext uri="{FF2B5EF4-FFF2-40B4-BE49-F238E27FC236}">
-                  <a16:creationId xmlns:a16="http://schemas.microsoft.com/office/drawing/2014/main" id="{9D5D1578-BE90-4A7E-9856-BB4025E5AE7C}"/>
-                </a:ext>
-                <a:ext uri="{C183D7F6-B498-43B3-948B-1728B52AA6E4}">
-                  <adec:decorative xmlns:adec="http://schemas.microsoft.com/office/drawing/2017/decorative" val="1"/>
-                </a:ext>
-              </a:extLst>
-            </p:cNvPr>
-            <p:cNvSpPr/>
-            <p:nvPr>
-              <p:extLst>
-                <p:ext uri="{386F3935-93C4-4BCD-93E2-E3B085C9AB24}">
-                  <p16:designElem xmlns:p16="http://schemas.microsoft.com/office/powerpoint/2015/main" val="1"/>
-                </p:ext>
-              </p:extLst>
-            </p:nvPr>
-          </p:nvSpPr>
-          <p:spPr>
-            <a:xfrm>
-              <a:off x="-305" y="0"/>
-              <a:ext cx="2514948" cy="2170178"/>
-            </a:xfrm>
-            <a:custGeom>
-              <a:avLst/>
-              <a:gdLst>
-                <a:gd name="connsiteX0" fmla="*/ 2466091 w 2514948"/>
-                <a:gd name="connsiteY0" fmla="*/ 0 h 2170178"/>
-                <a:gd name="connsiteX1" fmla="*/ 2514948 w 2514948"/>
-                <a:gd name="connsiteY1" fmla="*/ 0 h 2170178"/>
-                <a:gd name="connsiteX2" fmla="*/ 2512286 w 2514948"/>
-                <a:gd name="connsiteY2" fmla="*/ 12375 h 2170178"/>
-                <a:gd name="connsiteX3" fmla="*/ 2394961 w 2514948"/>
-                <a:gd name="connsiteY3" fmla="*/ 368660 h 2170178"/>
-                <a:gd name="connsiteX4" fmla="*/ 2289734 w 2514948"/>
-                <a:gd name="connsiteY4" fmla="*/ 598078 h 2170178"/>
-                <a:gd name="connsiteX5" fmla="*/ 2163747 w 2514948"/>
-                <a:gd name="connsiteY5" fmla="*/ 819078 h 2170178"/>
-                <a:gd name="connsiteX6" fmla="*/ 1852241 w 2514948"/>
-                <a:gd name="connsiteY6" fmla="*/ 1228932 h 2170178"/>
-                <a:gd name="connsiteX7" fmla="*/ 1668235 w 2514948"/>
-                <a:gd name="connsiteY7" fmla="*/ 1413844 h 2170178"/>
-                <a:gd name="connsiteX8" fmla="*/ 1619510 w 2514948"/>
-                <a:gd name="connsiteY8" fmla="*/ 1457722 h 2170178"/>
-                <a:gd name="connsiteX9" fmla="*/ 1569835 w 2514948"/>
-                <a:gd name="connsiteY9" fmla="*/ 1500704 h 2170178"/>
-                <a:gd name="connsiteX10" fmla="*/ 1467169 w 2514948"/>
-                <a:gd name="connsiteY10" fmla="*/ 1583266 h 2170178"/>
-                <a:gd name="connsiteX11" fmla="*/ 1018393 w 2514948"/>
-                <a:gd name="connsiteY11" fmla="*/ 1867576 h 2170178"/>
-                <a:gd name="connsiteX12" fmla="*/ 255857 w 2514948"/>
-                <a:gd name="connsiteY12" fmla="*/ 2133049 h 2170178"/>
-                <a:gd name="connsiteX13" fmla="*/ 0 w 2514948"/>
-                <a:gd name="connsiteY13" fmla="*/ 2170178 h 2170178"/>
-                <a:gd name="connsiteX14" fmla="*/ 0 w 2514948"/>
-                <a:gd name="connsiteY14" fmla="*/ 1940056 h 2170178"/>
-                <a:gd name="connsiteX15" fmla="*/ 201609 w 2514948"/>
-                <a:gd name="connsiteY15" fmla="*/ 1902856 h 2170178"/>
-                <a:gd name="connsiteX16" fmla="*/ 440974 w 2514948"/>
-                <a:gd name="connsiteY16" fmla="*/ 1838472 h 2170178"/>
-                <a:gd name="connsiteX17" fmla="*/ 674558 w 2514948"/>
-                <a:gd name="connsiteY17" fmla="*/ 1756359 h 2170178"/>
-                <a:gd name="connsiteX18" fmla="*/ 901222 w 2514948"/>
-                <a:gd name="connsiteY18" fmla="*/ 1657142 h 2170178"/>
-                <a:gd name="connsiteX19" fmla="*/ 1330943 w 2514948"/>
-                <a:gd name="connsiteY19" fmla="*/ 1413396 h 2170178"/>
-                <a:gd name="connsiteX20" fmla="*/ 1432566 w 2514948"/>
-                <a:gd name="connsiteY20" fmla="*/ 1343193 h 2170178"/>
-                <a:gd name="connsiteX21" fmla="*/ 1482527 w 2514948"/>
-                <a:gd name="connsiteY21" fmla="*/ 1306926 h 2170178"/>
-                <a:gd name="connsiteX22" fmla="*/ 1531821 w 2514948"/>
-                <a:gd name="connsiteY22" fmla="*/ 1269765 h 2170178"/>
-                <a:gd name="connsiteX23" fmla="*/ 1721986 w 2514948"/>
-                <a:gd name="connsiteY23" fmla="*/ 1112073 h 2170178"/>
-                <a:gd name="connsiteX24" fmla="*/ 2061460 w 2514948"/>
-                <a:gd name="connsiteY24" fmla="*/ 754336 h 2170178"/>
-                <a:gd name="connsiteX25" fmla="*/ 2206218 w 2514948"/>
-                <a:gd name="connsiteY25" fmla="*/ 554827 h 2170178"/>
-                <a:gd name="connsiteX26" fmla="*/ 2329455 w 2514948"/>
-                <a:gd name="connsiteY26" fmla="*/ 341886 h 2170178"/>
-                <a:gd name="connsiteX27" fmla="*/ 2356757 w 2514948"/>
-                <a:gd name="connsiteY27" fmla="*/ 286815 h 2170178"/>
-                <a:gd name="connsiteX28" fmla="*/ 2370030 w 2514948"/>
-                <a:gd name="connsiteY28" fmla="*/ 259056 h 2170178"/>
-                <a:gd name="connsiteX29" fmla="*/ 2382637 w 2514948"/>
-                <a:gd name="connsiteY29" fmla="*/ 231028 h 2170178"/>
-                <a:gd name="connsiteX30" fmla="*/ 2406716 w 2514948"/>
-                <a:gd name="connsiteY30" fmla="*/ 174525 h 2170178"/>
-                <a:gd name="connsiteX31" fmla="*/ 2429278 w 2514948"/>
-                <a:gd name="connsiteY31" fmla="*/ 117393 h 2170178"/>
-              </a:gdLst>
-              <a:ahLst/>
-              <a:cxnLst>
-                <a:cxn ang="0">
-                  <a:pos x="connsiteX0" y="connsiteY0"/>
-                </a:cxn>
-                <a:cxn ang="0">
-                  <a:pos x="connsiteX1" y="connsiteY1"/>
-                </a:cxn>
-                <a:cxn ang="0">
-                  <a:pos x="connsiteX2" y="connsiteY2"/>
-                </a:cxn>
-                <a:cxn ang="0">
-                  <a:pos x="connsiteX3" y="connsiteY3"/>
-                </a:cxn>
-                <a:cxn ang="0">
-                  <a:pos x="connsiteX4" y="connsiteY4"/>
-                </a:cxn>
-                <a:cxn ang="0">
-                  <a:pos x="connsiteX5" y="connsiteY5"/>
-                </a:cxn>
-                <a:cxn ang="0">
-                  <a:pos x="connsiteX6" y="connsiteY6"/>
-                </a:cxn>
-                <a:cxn ang="0">
-                  <a:pos x="connsiteX7" y="connsiteY7"/>
-                </a:cxn>
-                <a:cxn ang="0">
-                  <a:pos x="connsiteX8" y="connsiteY8"/>
-                </a:cxn>
-                <a:cxn ang="0">
-                  <a:pos x="connsiteX9" y="connsiteY9"/>
-                </a:cxn>
-                <a:cxn ang="0">
-                  <a:pos x="connsiteX10" y="connsiteY10"/>
-                </a:cxn>
-                <a:cxn ang="0">
-                  <a:pos x="connsiteX11" y="connsiteY11"/>
-                </a:cxn>
-                <a:cxn ang="0">
-                  <a:pos x="connsiteX12" y="connsiteY12"/>
-                </a:cxn>
-                <a:cxn ang="0">
-                  <a:pos x="connsiteX13" y="connsiteY13"/>
-                </a:cxn>
-                <a:cxn ang="0">
-                  <a:pos x="connsiteX14" y="connsiteY14"/>
-                </a:cxn>
-                <a:cxn ang="0">
-                  <a:pos x="connsiteX15" y="connsiteY15"/>
-                </a:cxn>
-                <a:cxn ang="0">
-                  <a:pos x="connsiteX16" y="connsiteY16"/>
-                </a:cxn>
-                <a:cxn ang="0">
-                  <a:pos x="connsiteX17" y="connsiteY17"/>
-                </a:cxn>
-                <a:cxn ang="0">
-                  <a:pos x="connsiteX18" y="connsiteY18"/>
-                </a:cxn>
-                <a:cxn ang="0">
-                  <a:pos x="connsiteX19" y="connsiteY19"/>
-                </a:cxn>
-                <a:cxn ang="0">
-                  <a:pos x="connsiteX20" y="connsiteY20"/>
-                </a:cxn>
-                <a:cxn ang="0">
-                  <a:pos x="connsiteX21" y="connsiteY21"/>
-                </a:cxn>
-                <a:cxn ang="0">
-                  <a:pos x="connsiteX22" y="connsiteY22"/>
-                </a:cxn>
-                <a:cxn ang="0">
-                  <a:pos x="connsiteX23" y="connsiteY23"/>
-                </a:cxn>
-                <a:cxn ang="0">
-                  <a:pos x="connsiteX24" y="connsiteY24"/>
-                </a:cxn>
-                <a:cxn ang="0">
-                  <a:pos x="connsiteX25" y="connsiteY25"/>
-                </a:cxn>
-                <a:cxn ang="0">
-                  <a:pos x="connsiteX26" y="connsiteY26"/>
-                </a:cxn>
-                <a:cxn ang="0">
-                  <a:pos x="connsiteX27" y="connsiteY27"/>
-                </a:cxn>
-                <a:cxn ang="0">
-                  <a:pos x="connsiteX28" y="connsiteY28"/>
-                </a:cxn>
-                <a:cxn ang="0">
-                  <a:pos x="connsiteX29" y="connsiteY29"/>
-                </a:cxn>
-                <a:cxn ang="0">
-                  <a:pos x="connsiteX30" y="connsiteY30"/>
-                </a:cxn>
-                <a:cxn ang="0">
-                  <a:pos x="connsiteX31" y="connsiteY31"/>
-                </a:cxn>
-              </a:cxnLst>
-              <a:rect l="l" t="t" r="r" b="b"/>
-              <a:pathLst>
-                <a:path w="2514948" h="2170178">
-                  <a:moveTo>
-                    <a:pt x="2466091" y="0"/>
-                  </a:moveTo>
-                  <a:lnTo>
-                    <a:pt x="2514948" y="0"/>
-                  </a:lnTo>
-                  <a:lnTo>
-                    <a:pt x="2512286" y="12375"/>
-                  </a:lnTo>
-                  <a:cubicBezTo>
-                    <a:pt x="2481760" y="133161"/>
-                    <a:pt x="2442526" y="252239"/>
-                    <a:pt x="2394961" y="368660"/>
-                  </a:cubicBezTo>
-                  <a:cubicBezTo>
-                    <a:pt x="2363109" y="446208"/>
-                    <a:pt x="2328603" y="523039"/>
-                    <a:pt x="2289734" y="598078"/>
-                  </a:cubicBezTo>
-                  <a:cubicBezTo>
-                    <a:pt x="2251436" y="673387"/>
-                    <a:pt x="2209251" y="747083"/>
-                    <a:pt x="2163747" y="819078"/>
-                  </a:cubicBezTo>
-                  <a:cubicBezTo>
-                    <a:pt x="2072646" y="962979"/>
-                    <a:pt x="1968652" y="1100611"/>
-                    <a:pt x="1852241" y="1228932"/>
-                  </a:cubicBezTo>
-                  <a:cubicBezTo>
-                    <a:pt x="1793748" y="1292868"/>
-                    <a:pt x="1732698" y="1354923"/>
-                    <a:pt x="1668235" y="1413844"/>
-                  </a:cubicBezTo>
-                  <a:cubicBezTo>
-                    <a:pt x="1652214" y="1428709"/>
-                    <a:pt x="1636100" y="1443395"/>
-                    <a:pt x="1619510" y="1457722"/>
-                  </a:cubicBezTo>
-                  <a:cubicBezTo>
-                    <a:pt x="1603015" y="1472140"/>
-                    <a:pt x="1586805" y="1486825"/>
-                    <a:pt x="1569835" y="1500704"/>
-                  </a:cubicBezTo>
-                  <a:cubicBezTo>
-                    <a:pt x="1536276" y="1528911"/>
-                    <a:pt x="1501865" y="1556223"/>
-                    <a:pt x="1467169" y="1583266"/>
-                  </a:cubicBezTo>
-                  <a:cubicBezTo>
-                    <a:pt x="1327719" y="1690722"/>
-                    <a:pt x="1177085" y="1785910"/>
-                    <a:pt x="1018393" y="1867576"/>
-                  </a:cubicBezTo>
-                  <a:cubicBezTo>
-                    <a:pt x="780425" y="1990142"/>
-                    <a:pt x="522567" y="2080875"/>
-                    <a:pt x="255857" y="2133049"/>
-                  </a:cubicBezTo>
-                  <a:lnTo>
-                    <a:pt x="0" y="2170178"/>
-                  </a:lnTo>
-                  <a:lnTo>
-                    <a:pt x="0" y="1940056"/>
-                  </a:lnTo>
-                  <a:lnTo>
-                    <a:pt x="201609" y="1902856"/>
-                  </a:lnTo>
-                  <a:cubicBezTo>
-                    <a:pt x="282186" y="1884231"/>
-                    <a:pt x="362102" y="1863008"/>
-                    <a:pt x="440974" y="1838472"/>
-                  </a:cubicBezTo>
-                  <a:cubicBezTo>
-                    <a:pt x="519848" y="1814027"/>
-                    <a:pt x="597771" y="1786627"/>
-                    <a:pt x="674558" y="1756359"/>
-                  </a:cubicBezTo>
-                  <a:cubicBezTo>
-                    <a:pt x="751250" y="1726003"/>
-                    <a:pt x="826900" y="1692870"/>
-                    <a:pt x="901222" y="1657142"/>
-                  </a:cubicBezTo>
-                  <a:cubicBezTo>
-                    <a:pt x="1049865" y="1585774"/>
-                    <a:pt x="1193581" y="1504376"/>
-                    <a:pt x="1330943" y="1413396"/>
-                  </a:cubicBezTo>
-                  <a:cubicBezTo>
-                    <a:pt x="1365165" y="1390563"/>
-                    <a:pt x="1399293" y="1367370"/>
-                    <a:pt x="1432566" y="1343193"/>
-                  </a:cubicBezTo>
-                  <a:cubicBezTo>
-                    <a:pt x="1449441" y="1331373"/>
-                    <a:pt x="1465936" y="1319104"/>
-                    <a:pt x="1482527" y="1306926"/>
-                  </a:cubicBezTo>
-                  <a:cubicBezTo>
-                    <a:pt x="1499210" y="1294837"/>
-                    <a:pt x="1515611" y="1282391"/>
-                    <a:pt x="1531821" y="1269765"/>
-                  </a:cubicBezTo>
-                  <a:cubicBezTo>
-                    <a:pt x="1596947" y="1219350"/>
-                    <a:pt x="1660652" y="1167055"/>
-                    <a:pt x="1721986" y="1112073"/>
-                  </a:cubicBezTo>
-                  <a:cubicBezTo>
-                    <a:pt x="1844940" y="1002469"/>
-                    <a:pt x="1958983" y="882926"/>
-                    <a:pt x="2061460" y="754336"/>
-                  </a:cubicBezTo>
-                  <a:cubicBezTo>
-                    <a:pt x="2112652" y="690042"/>
-                    <a:pt x="2161094" y="623510"/>
-                    <a:pt x="2206218" y="554827"/>
-                  </a:cubicBezTo>
-                  <a:cubicBezTo>
-                    <a:pt x="2250583" y="485787"/>
-                    <a:pt x="2292484" y="415046"/>
-                    <a:pt x="2329455" y="341886"/>
-                  </a:cubicBezTo>
-                  <a:cubicBezTo>
-                    <a:pt x="2339030" y="323709"/>
-                    <a:pt x="2347941" y="305261"/>
-                    <a:pt x="2356757" y="286815"/>
-                  </a:cubicBezTo>
-                  <a:lnTo>
-                    <a:pt x="2370030" y="259056"/>
-                  </a:lnTo>
-                  <a:lnTo>
-                    <a:pt x="2382637" y="231028"/>
-                  </a:lnTo>
-                  <a:cubicBezTo>
-                    <a:pt x="2390885" y="212312"/>
-                    <a:pt x="2399227" y="193598"/>
-                    <a:pt x="2406716" y="174525"/>
-                  </a:cubicBezTo>
-                  <a:cubicBezTo>
-                    <a:pt x="2414206" y="155452"/>
-                    <a:pt x="2422453" y="136646"/>
-                    <a:pt x="2429278" y="117393"/>
-                  </a:cubicBezTo>
-                  <a:close/>
-                </a:path>
-              </a:pathLst>
-            </a:custGeom>
-            <a:gradFill>
-              <a:gsLst>
-                <a:gs pos="2000">
-                  <a:schemeClr val="bg1">
-                    <a:alpha val="10000"/>
-                  </a:schemeClr>
-                </a:gs>
-                <a:gs pos="16000">
-                  <a:schemeClr val="accent6">
-                    <a:alpha val="10000"/>
-                  </a:schemeClr>
-                </a:gs>
-                <a:gs pos="100000">
-                  <a:schemeClr val="bg1">
-                    <a:alpha val="10000"/>
-                  </a:schemeClr>
-                </a:gs>
-                <a:gs pos="85000">
-                  <a:schemeClr val="accent1">
-                    <a:alpha val="10000"/>
-                  </a:schemeClr>
-                </a:gs>
-              </a:gsLst>
-              <a:lin ang="12000000" scaled="0"/>
-            </a:gradFill>
-            <a:ln>
-              <a:noFill/>
-            </a:ln>
-          </p:spPr>
-          <p:style>
-            <a:lnRef idx="2">
-              <a:schemeClr val="accent1">
-                <a:shade val="50000"/>
-              </a:schemeClr>
-            </a:lnRef>
-            <a:fillRef idx="1">
-              <a:schemeClr val="accent1"/>
-            </a:fillRef>
-            <a:effectRef idx="0">
-              <a:schemeClr val="accent1"/>
-            </a:effectRef>
-            <a:fontRef idx="minor">
-              <a:schemeClr val="lt1"/>
-            </a:fontRef>
-          </p:style>
-          <p:txBody>
-            <a:bodyPr rtlCol="0" anchor="ctr"/>
-            <a:lstStyle/>
-            <a:p>
-              <a:pPr algn="ctr"/>
-              <a:endParaRPr lang="en-US"/>
-            </a:p>
-          </p:txBody>
-        </p:sp>
-        <p:sp>
-          <p:nvSpPr>
-            <p:cNvPr id="18" name="Freeform: Shape 17">
-              <a:extLst>
-                <a:ext uri="{FF2B5EF4-FFF2-40B4-BE49-F238E27FC236}">
-                  <a16:creationId xmlns:a16="http://schemas.microsoft.com/office/drawing/2014/main" id="{18ADDDE1-EC05-4BE5-9866-89714E0B73B1}"/>
-                </a:ext>
-                <a:ext uri="{C183D7F6-B498-43B3-948B-1728B52AA6E4}">
-                  <adec:decorative xmlns:adec="http://schemas.microsoft.com/office/drawing/2017/decorative" val="1"/>
-                </a:ext>
-              </a:extLst>
-            </p:cNvPr>
-            <p:cNvSpPr/>
-            <p:nvPr>
-              <p:extLst>
-                <p:ext uri="{386F3935-93C4-4BCD-93E2-E3B085C9AB24}">
-                  <p16:designElem xmlns:p16="http://schemas.microsoft.com/office/powerpoint/2015/main" val="1"/>
-                </p:ext>
-              </p:extLst>
-            </p:nvPr>
-          </p:nvSpPr>
-          <p:spPr>
-            <a:xfrm>
-              <a:off x="-305" y="-4155"/>
-              <a:ext cx="2493062" cy="1947896"/>
-            </a:xfrm>
-            <a:custGeom>
-              <a:avLst/>
-              <a:gdLst>
-                <a:gd name="connsiteX0" fmla="*/ 1896911 w 2493062"/>
-                <a:gd name="connsiteY0" fmla="*/ 0 h 1947896"/>
-                <a:gd name="connsiteX1" fmla="*/ 2493062 w 2493062"/>
-                <a:gd name="connsiteY1" fmla="*/ 0 h 1947896"/>
-                <a:gd name="connsiteX2" fmla="*/ 2435315 w 2493062"/>
-                <a:gd name="connsiteY2" fmla="*/ 178165 h 1947896"/>
-                <a:gd name="connsiteX3" fmla="*/ 93066 w 2493062"/>
-                <a:gd name="connsiteY3" fmla="*/ 1935859 h 1947896"/>
-                <a:gd name="connsiteX4" fmla="*/ 0 w 2493062"/>
-                <a:gd name="connsiteY4" fmla="*/ 1947896 h 1947896"/>
-                <a:gd name="connsiteX5" fmla="*/ 0 w 2493062"/>
-                <a:gd name="connsiteY5" fmla="*/ 1404756 h 1947896"/>
-                <a:gd name="connsiteX6" fmla="*/ 17392 w 2493062"/>
-                <a:gd name="connsiteY6" fmla="*/ 1402364 h 1947896"/>
-                <a:gd name="connsiteX7" fmla="*/ 464249 w 2493062"/>
-                <a:gd name="connsiteY7" fmla="*/ 1281208 h 1947896"/>
-                <a:gd name="connsiteX8" fmla="*/ 1260556 w 2493062"/>
-                <a:gd name="connsiteY8" fmla="*/ 833835 h 1947896"/>
-                <a:gd name="connsiteX9" fmla="*/ 1807924 w 2493062"/>
-                <a:gd name="connsiteY9" fmla="*/ 193222 h 1947896"/>
-                <a:gd name="connsiteX10" fmla="*/ 1874357 w 2493062"/>
-                <a:gd name="connsiteY10" fmla="*/ 58333 h 1947896"/>
-              </a:gdLst>
-              <a:ahLst/>
-              <a:cxnLst>
-                <a:cxn ang="0">
-                  <a:pos x="connsiteX0" y="connsiteY0"/>
-                </a:cxn>
-                <a:cxn ang="0">
-                  <a:pos x="connsiteX1" y="connsiteY1"/>
-                </a:cxn>
-                <a:cxn ang="0">
-                  <a:pos x="connsiteX2" y="connsiteY2"/>
-                </a:cxn>
-                <a:cxn ang="0">
-                  <a:pos x="connsiteX3" y="connsiteY3"/>
-                </a:cxn>
-                <a:cxn ang="0">
-                  <a:pos x="connsiteX4" y="connsiteY4"/>
-                </a:cxn>
-                <a:cxn ang="0">
-                  <a:pos x="connsiteX5" y="connsiteY5"/>
-                </a:cxn>
-                <a:cxn ang="0">
-                  <a:pos x="connsiteX6" y="connsiteY6"/>
-                </a:cxn>
-                <a:cxn ang="0">
-                  <a:pos x="connsiteX7" y="connsiteY7"/>
-                </a:cxn>
-                <a:cxn ang="0">
-                  <a:pos x="connsiteX8" y="connsiteY8"/>
-                </a:cxn>
-                <a:cxn ang="0">
-                  <a:pos x="connsiteX9" y="connsiteY9"/>
-                </a:cxn>
-                <a:cxn ang="0">
-                  <a:pos x="connsiteX10" y="connsiteY10"/>
-                </a:cxn>
-              </a:cxnLst>
-              <a:rect l="l" t="t" r="r" b="b"/>
-              <a:pathLst>
-                <a:path w="2493062" h="1947896">
-                  <a:moveTo>
-                    <a:pt x="1896911" y="0"/>
-                  </a:moveTo>
-                  <a:lnTo>
-                    <a:pt x="2493062" y="0"/>
-                  </a:lnTo>
-                  <a:lnTo>
-                    <a:pt x="2435315" y="178165"/>
-                  </a:lnTo>
-                  <a:cubicBezTo>
-                    <a:pt x="2088122" y="1071812"/>
-                    <a:pt x="1129732" y="1758033"/>
-                    <a:pt x="93066" y="1935859"/>
-                  </a:cubicBezTo>
-                  <a:lnTo>
-                    <a:pt x="0" y="1947896"/>
-                  </a:lnTo>
-                  <a:lnTo>
-                    <a:pt x="0" y="1404756"/>
-                  </a:lnTo>
-                  <a:lnTo>
-                    <a:pt x="17392" y="1402364"/>
-                  </a:lnTo>
-                  <a:cubicBezTo>
-                    <a:pt x="167719" y="1375030"/>
-                    <a:pt x="318070" y="1334398"/>
-                    <a:pt x="464249" y="1281208"/>
-                  </a:cubicBezTo>
-                  <a:cubicBezTo>
-                    <a:pt x="753480" y="1176081"/>
-                    <a:pt x="1028869" y="1021346"/>
-                    <a:pt x="1260556" y="833835"/>
-                  </a:cubicBezTo>
-                  <a:cubicBezTo>
-                    <a:pt x="1491960" y="646594"/>
-                    <a:pt x="1681177" y="425056"/>
-                    <a:pt x="1807924" y="193222"/>
-                  </a:cubicBezTo>
-                  <a:cubicBezTo>
-                    <a:pt x="1832328" y="148578"/>
-                    <a:pt x="1854477" y="103599"/>
-                    <a:pt x="1874357" y="58333"/>
-                  </a:cubicBezTo>
-                  <a:close/>
-                </a:path>
-              </a:pathLst>
-            </a:custGeom>
-            <a:gradFill>
-              <a:gsLst>
-                <a:gs pos="2000">
-                  <a:schemeClr val="bg1">
-                    <a:alpha val="10000"/>
-                  </a:schemeClr>
-                </a:gs>
-                <a:gs pos="16000">
-                  <a:schemeClr val="accent6">
-                    <a:alpha val="10000"/>
-                  </a:schemeClr>
-                </a:gs>
-                <a:gs pos="100000">
-                  <a:schemeClr val="bg1">
-                    <a:alpha val="10000"/>
-                  </a:schemeClr>
-                </a:gs>
-                <a:gs pos="85000">
-                  <a:schemeClr val="accent1">
-                    <a:alpha val="10000"/>
-                  </a:schemeClr>
-                </a:gs>
-              </a:gsLst>
-              <a:lin ang="12000000" scaled="0"/>
-            </a:gradFill>
-            <a:ln>
-              <a:noFill/>
-            </a:ln>
-          </p:spPr>
-          <p:style>
-            <a:lnRef idx="2">
-              <a:schemeClr val="accent1">
-                <a:shade val="50000"/>
-              </a:schemeClr>
-            </a:lnRef>
-            <a:fillRef idx="1">
-              <a:schemeClr val="accent1"/>
-            </a:fillRef>
-            <a:effectRef idx="0">
-              <a:schemeClr val="accent1"/>
-            </a:effectRef>
-            <a:fontRef idx="minor">
-              <a:schemeClr val="lt1"/>
-            </a:fontRef>
-          </p:style>
-          <p:txBody>
-            <a:bodyPr rtlCol="0" anchor="ctr"/>
-            <a:lstStyle/>
-            <a:p>
-              <a:pPr algn="ctr"/>
-              <a:endParaRPr lang="en-US"/>
-            </a:p>
-          </p:txBody>
-        </p:sp>
-        <p:sp>
-          <p:nvSpPr>
-            <p:cNvPr id="19" name="Freeform: Shape 18">
-              <a:extLst>
-                <a:ext uri="{FF2B5EF4-FFF2-40B4-BE49-F238E27FC236}">
-                  <a16:creationId xmlns:a16="http://schemas.microsoft.com/office/drawing/2014/main" id="{0A118A52-E1FF-455C-B1A1-1CF50EE05908}"/>
-                </a:ext>
-                <a:ext uri="{C183D7F6-B498-43B3-948B-1728B52AA6E4}">
-                  <adec:decorative xmlns:adec="http://schemas.microsoft.com/office/drawing/2017/decorative" val="1"/>
-                </a:ext>
-              </a:extLst>
-            </p:cNvPr>
-            <p:cNvSpPr/>
-            <p:nvPr>
-              <p:extLst>
-                <p:ext uri="{386F3935-93C4-4BCD-93E2-E3B085C9AB24}">
-                  <p16:designElem xmlns:p16="http://schemas.microsoft.com/office/powerpoint/2015/main" val="1"/>
-                </p:ext>
-              </p:extLst>
-            </p:nvPr>
-          </p:nvSpPr>
-          <p:spPr>
-            <a:xfrm>
-              <a:off x="-305" y="0"/>
-              <a:ext cx="2501089" cy="1972702"/>
-            </a:xfrm>
-            <a:custGeom>
-              <a:avLst/>
-              <a:gdLst>
-                <a:gd name="connsiteX0" fmla="*/ 2318728 w 2501089"/>
-                <a:gd name="connsiteY0" fmla="*/ 0 h 1972702"/>
-                <a:gd name="connsiteX1" fmla="*/ 2501089 w 2501089"/>
-                <a:gd name="connsiteY1" fmla="*/ 0 h 1972702"/>
-                <a:gd name="connsiteX2" fmla="*/ 2453909 w 2501089"/>
-                <a:gd name="connsiteY2" fmla="*/ 167837 h 1972702"/>
-                <a:gd name="connsiteX3" fmla="*/ 2361125 w 2501089"/>
-                <a:gd name="connsiteY3" fmla="*/ 392084 h 1972702"/>
-                <a:gd name="connsiteX4" fmla="*/ 1768255 w 2501089"/>
-                <a:gd name="connsiteY4" fmla="*/ 1167644 h 1972702"/>
-                <a:gd name="connsiteX5" fmla="*/ 1375125 w 2501089"/>
-                <a:gd name="connsiteY5" fmla="*/ 1471474 h 1972702"/>
-                <a:gd name="connsiteX6" fmla="*/ 935735 w 2501089"/>
-                <a:gd name="connsiteY6" fmla="*/ 1712713 h 1972702"/>
-                <a:gd name="connsiteX7" fmla="*/ 212353 w 2501089"/>
-                <a:gd name="connsiteY7" fmla="*/ 1940294 h 1972702"/>
-                <a:gd name="connsiteX8" fmla="*/ 0 w 2501089"/>
-                <a:gd name="connsiteY8" fmla="*/ 1972702 h 1972702"/>
-                <a:gd name="connsiteX9" fmla="*/ 0 w 2501089"/>
-                <a:gd name="connsiteY9" fmla="*/ 1732181 h 1972702"/>
-                <a:gd name="connsiteX10" fmla="*/ 161195 w 2501089"/>
-                <a:gd name="connsiteY10" fmla="*/ 1706590 h 1972702"/>
-                <a:gd name="connsiteX11" fmla="*/ 388463 w 2501089"/>
-                <a:gd name="connsiteY11" fmla="*/ 1652268 h 1972702"/>
-                <a:gd name="connsiteX12" fmla="*/ 826716 w 2501089"/>
-                <a:gd name="connsiteY12" fmla="*/ 1493950 h 1972702"/>
-                <a:gd name="connsiteX13" fmla="*/ 1609847 w 2501089"/>
-                <a:gd name="connsiteY13" fmla="*/ 1007535 h 1972702"/>
-                <a:gd name="connsiteX14" fmla="*/ 1929982 w 2501089"/>
-                <a:gd name="connsiteY14" fmla="*/ 682930 h 1972702"/>
-                <a:gd name="connsiteX15" fmla="*/ 2183093 w 2501089"/>
-                <a:gd name="connsiteY15" fmla="*/ 310149 h 1972702"/>
-                <a:gd name="connsiteX16" fmla="*/ 2280286 w 2501089"/>
-                <a:gd name="connsiteY16" fmla="*/ 108435 h 1972702"/>
-              </a:gdLst>
-              <a:ahLst/>
-              <a:cxnLst>
-                <a:cxn ang="0">
-                  <a:pos x="connsiteX0" y="connsiteY0"/>
-                </a:cxn>
-                <a:cxn ang="0">
-                  <a:pos x="connsiteX1" y="connsiteY1"/>
-                </a:cxn>
-                <a:cxn ang="0">
-                  <a:pos x="connsiteX2" y="connsiteY2"/>
-                </a:cxn>
-                <a:cxn ang="0">
-                  <a:pos x="connsiteX3" y="connsiteY3"/>
-                </a:cxn>
-                <a:cxn ang="0">
-                  <a:pos x="connsiteX4" y="connsiteY4"/>
-                </a:cxn>
-                <a:cxn ang="0">
-                  <a:pos x="connsiteX5" y="connsiteY5"/>
-                </a:cxn>
-                <a:cxn ang="0">
-                  <a:pos x="connsiteX6" y="connsiteY6"/>
-                </a:cxn>
-                <a:cxn ang="0">
-                  <a:pos x="connsiteX7" y="connsiteY7"/>
-                </a:cxn>
-                <a:cxn ang="0">
-                  <a:pos x="connsiteX8" y="connsiteY8"/>
-                </a:cxn>
-                <a:cxn ang="0">
-                  <a:pos x="connsiteX9" y="connsiteY9"/>
-                </a:cxn>
-                <a:cxn ang="0">
-                  <a:pos x="connsiteX10" y="connsiteY10"/>
-                </a:cxn>
-                <a:cxn ang="0">
-                  <a:pos x="connsiteX11" y="connsiteY11"/>
-                </a:cxn>
-                <a:cxn ang="0">
-                  <a:pos x="connsiteX12" y="connsiteY12"/>
-                </a:cxn>
-                <a:cxn ang="0">
-                  <a:pos x="connsiteX13" y="connsiteY13"/>
-                </a:cxn>
-                <a:cxn ang="0">
-                  <a:pos x="connsiteX14" y="connsiteY14"/>
-                </a:cxn>
-                <a:cxn ang="0">
-                  <a:pos x="connsiteX15" y="connsiteY15"/>
-                </a:cxn>
-                <a:cxn ang="0">
-                  <a:pos x="connsiteX16" y="connsiteY16"/>
-                </a:cxn>
-              </a:cxnLst>
-              <a:rect l="l" t="t" r="r" b="b"/>
-              <a:pathLst>
-                <a:path w="2501089" h="1972702">
-                  <a:moveTo>
-                    <a:pt x="2318728" y="0"/>
-                  </a:moveTo>
-                  <a:lnTo>
-                    <a:pt x="2501089" y="0"/>
-                  </a:lnTo>
-                  <a:lnTo>
-                    <a:pt x="2453909" y="167837"/>
-                  </a:lnTo>
-                  <a:cubicBezTo>
-                    <a:pt x="2427555" y="244153"/>
-                    <a:pt x="2396627" y="319103"/>
-                    <a:pt x="2361125" y="392084"/>
-                  </a:cubicBezTo>
-                  <a:cubicBezTo>
-                    <a:pt x="2218453" y="684005"/>
-                    <a:pt x="2011698" y="945211"/>
-                    <a:pt x="1768255" y="1167644"/>
-                  </a:cubicBezTo>
-                  <a:cubicBezTo>
-                    <a:pt x="1646250" y="1278860"/>
-                    <a:pt x="1514385" y="1380316"/>
-                    <a:pt x="1375125" y="1471474"/>
-                  </a:cubicBezTo>
-                  <a:cubicBezTo>
-                    <a:pt x="1235677" y="1562542"/>
-                    <a:pt x="1088928" y="1643672"/>
-                    <a:pt x="935735" y="1712713"/>
-                  </a:cubicBezTo>
-                  <a:cubicBezTo>
-                    <a:pt x="705659" y="1815533"/>
-                    <a:pt x="462359" y="1892212"/>
-                    <a:pt x="212353" y="1940294"/>
-                  </a:cubicBezTo>
-                  <a:lnTo>
-                    <a:pt x="0" y="1972702"/>
-                  </a:lnTo>
-                  <a:lnTo>
-                    <a:pt x="0" y="1732181"/>
-                  </a:lnTo>
-                  <a:lnTo>
-                    <a:pt x="161195" y="1706590"/>
-                  </a:lnTo>
-                  <a:cubicBezTo>
-                    <a:pt x="237638" y="1691378"/>
-                    <a:pt x="313477" y="1673222"/>
-                    <a:pt x="388463" y="1652268"/>
-                  </a:cubicBezTo>
-                  <a:cubicBezTo>
-                    <a:pt x="538529" y="1610539"/>
-                    <a:pt x="684898" y="1556543"/>
-                    <a:pt x="826716" y="1493950"/>
-                  </a:cubicBezTo>
-                  <a:cubicBezTo>
-                    <a:pt x="1111207" y="1370107"/>
-                    <a:pt x="1376832" y="1205881"/>
-                    <a:pt x="1609847" y="1007535"/>
-                  </a:cubicBezTo>
-                  <a:cubicBezTo>
-                    <a:pt x="1725975" y="908049"/>
-                    <a:pt x="1833571" y="799519"/>
-                    <a:pt x="1929982" y="682930"/>
-                  </a:cubicBezTo>
-                  <a:cubicBezTo>
-                    <a:pt x="2026581" y="566520"/>
-                    <a:pt x="2111806" y="441692"/>
-                    <a:pt x="2183093" y="310149"/>
-                  </a:cubicBezTo>
-                  <a:cubicBezTo>
-                    <a:pt x="2218738" y="244422"/>
-                    <a:pt x="2251396" y="177150"/>
-                    <a:pt x="2280286" y="108435"/>
-                  </a:cubicBezTo>
-                  <a:close/>
-                </a:path>
-              </a:pathLst>
-            </a:custGeom>
-            <a:gradFill>
-              <a:gsLst>
-                <a:gs pos="2000">
-                  <a:schemeClr val="bg1">
-                    <a:alpha val="10000"/>
-                  </a:schemeClr>
-                </a:gs>
-                <a:gs pos="16000">
-                  <a:schemeClr val="accent6">
-                    <a:alpha val="10000"/>
-                  </a:schemeClr>
-                </a:gs>
-                <a:gs pos="100000">
-                  <a:schemeClr val="bg1">
-                    <a:alpha val="10000"/>
-                  </a:schemeClr>
-                </a:gs>
-                <a:gs pos="85000">
-                  <a:schemeClr val="accent1">
-                    <a:alpha val="10000"/>
-                  </a:schemeClr>
-                </a:gs>
-              </a:gsLst>
-              <a:lin ang="12000000" scaled="0"/>
-            </a:gradFill>
-            <a:ln>
-              <a:noFill/>
-            </a:ln>
-          </p:spPr>
-          <p:style>
-            <a:lnRef idx="2">
-              <a:schemeClr val="accent1">
-                <a:shade val="50000"/>
-              </a:schemeClr>
-            </a:lnRef>
-            <a:fillRef idx="1">
-              <a:schemeClr val="accent1"/>
-            </a:fillRef>
-            <a:effectRef idx="0">
-              <a:schemeClr val="accent1"/>
-            </a:effectRef>
-            <a:fontRef idx="minor">
-              <a:schemeClr val="lt1"/>
-            </a:fontRef>
-          </p:style>
-          <p:txBody>
-            <a:bodyPr wrap="square" rtlCol="0" anchor="ctr">
-              <a:noAutofit/>
-            </a:bodyPr>
-            <a:lstStyle/>
-            <a:p>
-              <a:pPr algn="ctr"/>
-              <a:endParaRPr lang="en-US" sz="800"/>
-            </a:p>
-          </p:txBody>
-        </p:sp>
-        <p:sp>
-          <p:nvSpPr>
-            <p:cNvPr id="20" name="Freeform: Shape 19">
-              <a:extLst>
-                <a:ext uri="{FF2B5EF4-FFF2-40B4-BE49-F238E27FC236}">
-                  <a16:creationId xmlns:a16="http://schemas.microsoft.com/office/drawing/2014/main" id="{30E1677B-677B-48F1-971D-9E7F3CA51220}"/>
-                </a:ext>
-                <a:ext uri="{C183D7F6-B498-43B3-948B-1728B52AA6E4}">
-                  <adec:decorative xmlns:adec="http://schemas.microsoft.com/office/drawing/2017/decorative" val="1"/>
-                </a:ext>
-              </a:extLst>
-            </p:cNvPr>
-            <p:cNvSpPr/>
-            <p:nvPr>
-              <p:extLst>
-                <p:ext uri="{386F3935-93C4-4BCD-93E2-E3B085C9AB24}">
-                  <p16:designElem xmlns:p16="http://schemas.microsoft.com/office/powerpoint/2015/main" val="1"/>
-                </p:ext>
-              </p:extLst>
-            </p:nvPr>
-          </p:nvSpPr>
-          <p:spPr>
-            <a:xfrm>
-              <a:off x="305" y="1"/>
-              <a:ext cx="2491105" cy="1943661"/>
-            </a:xfrm>
-            <a:custGeom>
-              <a:avLst/>
-              <a:gdLst>
-                <a:gd name="connsiteX0" fmla="*/ 1995408 w 2491105"/>
-                <a:gd name="connsiteY0" fmla="*/ 0 h 1943661"/>
-                <a:gd name="connsiteX1" fmla="*/ 2491105 w 2491105"/>
-                <a:gd name="connsiteY1" fmla="*/ 0 h 1943661"/>
-                <a:gd name="connsiteX2" fmla="*/ 2434705 w 2491105"/>
-                <a:gd name="connsiteY2" fmla="*/ 174009 h 1943661"/>
-                <a:gd name="connsiteX3" fmla="*/ 92457 w 2491105"/>
-                <a:gd name="connsiteY3" fmla="*/ 1931703 h 1943661"/>
-                <a:gd name="connsiteX4" fmla="*/ 0 w 2491105"/>
-                <a:gd name="connsiteY4" fmla="*/ 1943661 h 1943661"/>
-                <a:gd name="connsiteX5" fmla="*/ 0 w 2491105"/>
-                <a:gd name="connsiteY5" fmla="*/ 1491489 h 1943661"/>
-                <a:gd name="connsiteX6" fmla="*/ 34107 w 2491105"/>
-                <a:gd name="connsiteY6" fmla="*/ 1486836 h 1943661"/>
-                <a:gd name="connsiteX7" fmla="*/ 497577 w 2491105"/>
-                <a:gd name="connsiteY7" fmla="*/ 1360598 h 1943661"/>
-                <a:gd name="connsiteX8" fmla="*/ 1321566 w 2491105"/>
-                <a:gd name="connsiteY8" fmla="*/ 897645 h 1943661"/>
-                <a:gd name="connsiteX9" fmla="*/ 1891495 w 2491105"/>
-                <a:gd name="connsiteY9" fmla="*/ 230078 h 1943661"/>
-                <a:gd name="connsiteX10" fmla="*/ 1961469 w 2491105"/>
-                <a:gd name="connsiteY10" fmla="*/ 87885 h 1943661"/>
-              </a:gdLst>
-              <a:ahLst/>
-              <a:cxnLst>
-                <a:cxn ang="0">
-                  <a:pos x="connsiteX0" y="connsiteY0"/>
-                </a:cxn>
-                <a:cxn ang="0">
-                  <a:pos x="connsiteX1" y="connsiteY1"/>
-                </a:cxn>
-                <a:cxn ang="0">
-                  <a:pos x="connsiteX2" y="connsiteY2"/>
-                </a:cxn>
-                <a:cxn ang="0">
-                  <a:pos x="connsiteX3" y="connsiteY3"/>
-                </a:cxn>
-                <a:cxn ang="0">
-                  <a:pos x="connsiteX4" y="connsiteY4"/>
-                </a:cxn>
-                <a:cxn ang="0">
-                  <a:pos x="connsiteX5" y="connsiteY5"/>
-                </a:cxn>
-                <a:cxn ang="0">
-                  <a:pos x="connsiteX6" y="connsiteY6"/>
-                </a:cxn>
-                <a:cxn ang="0">
-                  <a:pos x="connsiteX7" y="connsiteY7"/>
-                </a:cxn>
-                <a:cxn ang="0">
-                  <a:pos x="connsiteX8" y="connsiteY8"/>
-                </a:cxn>
-                <a:cxn ang="0">
-                  <a:pos x="connsiteX9" y="connsiteY9"/>
-                </a:cxn>
-                <a:cxn ang="0">
-                  <a:pos x="connsiteX10" y="connsiteY10"/>
-                </a:cxn>
-              </a:cxnLst>
-              <a:rect l="l" t="t" r="r" b="b"/>
-              <a:pathLst>
-                <a:path w="2491105" h="1943661">
-                  <a:moveTo>
-                    <a:pt x="1995408" y="0"/>
-                  </a:moveTo>
-                  <a:lnTo>
-                    <a:pt x="2491105" y="0"/>
-                  </a:lnTo>
-                  <a:lnTo>
-                    <a:pt x="2434705" y="174009"/>
-                  </a:lnTo>
-                  <a:cubicBezTo>
-                    <a:pt x="2087512" y="1067655"/>
-                    <a:pt x="1129122" y="1753877"/>
-                    <a:pt x="92457" y="1931703"/>
-                  </a:cubicBezTo>
-                  <a:lnTo>
-                    <a:pt x="0" y="1943661"/>
-                  </a:lnTo>
-                  <a:lnTo>
-                    <a:pt x="0" y="1491489"/>
-                  </a:lnTo>
-                  <a:lnTo>
-                    <a:pt x="34107" y="1486836"/>
-                  </a:lnTo>
-                  <a:cubicBezTo>
-                    <a:pt x="189055" y="1458696"/>
-                    <a:pt x="343908" y="1416565"/>
-                    <a:pt x="497577" y="1360598"/>
-                  </a:cubicBezTo>
-                  <a:cubicBezTo>
-                    <a:pt x="796856" y="1251889"/>
-                    <a:pt x="1081725" y="1091781"/>
-                    <a:pt x="1321566" y="897645"/>
-                  </a:cubicBezTo>
-                  <a:cubicBezTo>
-                    <a:pt x="1565577" y="700195"/>
-                    <a:pt x="1757355" y="475523"/>
-                    <a:pt x="1891495" y="230078"/>
-                  </a:cubicBezTo>
-                  <a:cubicBezTo>
-                    <a:pt x="1917197" y="183033"/>
-                    <a:pt x="1940526" y="135619"/>
-                    <a:pt x="1961469" y="87885"/>
-                  </a:cubicBezTo>
-                  <a:close/>
-                </a:path>
-              </a:pathLst>
-            </a:custGeom>
-            <a:gradFill>
-              <a:gsLst>
-                <a:gs pos="2000">
-                  <a:schemeClr val="bg1">
-                    <a:alpha val="10000"/>
-                  </a:schemeClr>
-                </a:gs>
-                <a:gs pos="16000">
-                  <a:schemeClr val="accent6">
-                    <a:alpha val="10000"/>
-                  </a:schemeClr>
-                </a:gs>
-                <a:gs pos="100000">
-                  <a:schemeClr val="bg1">
-                    <a:alpha val="10000"/>
-                  </a:schemeClr>
-                </a:gs>
-                <a:gs pos="85000">
-                  <a:schemeClr val="accent1">
-                    <a:alpha val="10000"/>
-                  </a:schemeClr>
-                </a:gs>
-              </a:gsLst>
-              <a:lin ang="12000000" scaled="0"/>
-            </a:gradFill>
-            <a:ln>
-              <a:noFill/>
-            </a:ln>
-          </p:spPr>
-          <p:style>
-            <a:lnRef idx="2">
-              <a:schemeClr val="accent1">
-                <a:shade val="50000"/>
-              </a:schemeClr>
-            </a:lnRef>
-            <a:fillRef idx="1">
-              <a:schemeClr val="accent1"/>
-            </a:fillRef>
-            <a:effectRef idx="0">
-              <a:schemeClr val="accent1"/>
-            </a:effectRef>
-            <a:fontRef idx="minor">
-              <a:schemeClr val="lt1"/>
-            </a:fontRef>
-          </p:style>
-          <p:txBody>
-            <a:bodyPr rtlCol="0" anchor="ctr"/>
-            <a:lstStyle/>
-            <a:p>
-              <a:pPr algn="ctr"/>
-              <a:endParaRPr lang="en-US" dirty="0"/>
-            </a:p>
-          </p:txBody>
-        </p:sp>
-      </p:grpSp>
-      <p:pic>
-        <p:nvPicPr>
-          <p:cNvPr id="7" name="Picture 6">
-            <a:extLst>
-              <a:ext uri="{FF2B5EF4-FFF2-40B4-BE49-F238E27FC236}">
-                <a16:creationId xmlns:a16="http://schemas.microsoft.com/office/drawing/2014/main" id="{CD36C009-B0CC-4A84-AE53-A6ACD21D28C4}"/>
-              </a:ext>
-            </a:extLst>
-          </p:cNvPr>
-          <p:cNvPicPr>
-            <a:picLocks noChangeAspect="1"/>
-          </p:cNvPicPr>
-          <p:nvPr/>
-        </p:nvPicPr>
-        <p:blipFill>
-          <a:blip r:embed="rId2"/>
-          <a:stretch>
-            <a:fillRect/>
-          </a:stretch>
-        </p:blipFill>
-        <p:spPr>
-          <a:xfrm>
-            <a:off x="8869680" y="226984"/>
-            <a:ext cx="2880092" cy="1056778"/>
-          </a:xfrm>
-          <a:prstGeom prst="rect">
-            <a:avLst/>
-          </a:prstGeom>
-        </p:spPr>
-      </p:pic>
-      <p:sp>
-        <p:nvSpPr>
-          <p:cNvPr id="3" name="Content Placeholder 2">
-            <a:extLst>
-              <a:ext uri="{FF2B5EF4-FFF2-40B4-BE49-F238E27FC236}">
-                <a16:creationId xmlns:a16="http://schemas.microsoft.com/office/drawing/2014/main" id="{F9849D3B-2CB6-45DA-9D5B-2DD00C7EA3AE}"/>
-              </a:ext>
-            </a:extLst>
-          </p:cNvPr>
-          <p:cNvSpPr>
-            <a:spLocks noGrp="1"/>
-          </p:cNvSpPr>
-          <p:nvPr>
-            <p:ph idx="1"/>
-          </p:nvPr>
-        </p:nvSpPr>
-        <p:spPr>
-          <a:xfrm>
-            <a:off x="804672" y="2421682"/>
-            <a:ext cx="4620867" cy="4236294"/>
-          </a:xfrm>
-        </p:spPr>
-        <p:txBody>
-          <a:bodyPr anchor="ctr">
-            <a:normAutofit lnSpcReduction="10000"/>
-          </a:bodyPr>
-          <a:lstStyle/>
-          <a:p>
-            <a:r>
-              <a:rPr lang="en-SG" sz="1800" dirty="0">
-                <a:solidFill>
-                  <a:schemeClr val="tx2"/>
-                </a:solidFill>
-              </a:rPr>
-              <a:t>The machine learning model was then evaluated against the data wherewith it was trained, the testing data and the entire dataset in terms of mean squared error, mean absolute error and the coefficient of determination (r</a:t>
-            </a:r>
-            <a:r>
-              <a:rPr lang="en-SG" sz="1800" baseline="30000" dirty="0">
-                <a:solidFill>
-                  <a:schemeClr val="tx2"/>
-                </a:solidFill>
-              </a:rPr>
-              <a:t>2</a:t>
-            </a:r>
-            <a:r>
-              <a:rPr lang="en-SG" sz="1800" dirty="0">
-                <a:solidFill>
-                  <a:schemeClr val="tx2"/>
-                </a:solidFill>
-              </a:rPr>
-              <a:t>)</a:t>
-            </a:r>
-          </a:p>
-          <a:p>
-            <a:r>
-              <a:rPr lang="en-SG" sz="1800" dirty="0">
-                <a:solidFill>
-                  <a:schemeClr val="tx2"/>
-                </a:solidFill>
-              </a:rPr>
-              <a:t>Since the difference in r2 between the train and test sets (build and final) was &lt; 5%, the model was not overfitted and could generalize the data comparably well.</a:t>
-            </a:r>
-          </a:p>
-          <a:p>
-            <a:r>
-              <a:rPr lang="en-SG" sz="1800" dirty="0">
-                <a:solidFill>
-                  <a:schemeClr val="tx2"/>
-                </a:solidFill>
-              </a:rPr>
-              <a:t>The model was also evaluated against random samples of the data in different sample sizes (called buffers in this case)</a:t>
-            </a:r>
-          </a:p>
-          <a:p>
-            <a:r>
-              <a:rPr lang="en-SG" sz="1800" dirty="0">
-                <a:solidFill>
-                  <a:schemeClr val="tx2"/>
-                </a:solidFill>
-              </a:rPr>
-              <a:t>It seems to perform </a:t>
-            </a:r>
-            <a:r>
-              <a:rPr lang="en-US" sz="1800" dirty="0">
-                <a:solidFill>
-                  <a:schemeClr val="tx2"/>
-                </a:solidFill>
-              </a:rPr>
-              <a:t>quite consistently within the 0.8 - 1.0 band, hovering around 0.9, especially if the sample size is at least 500</a:t>
-            </a:r>
-            <a:endParaRPr lang="en-SG" sz="1800" dirty="0">
-              <a:solidFill>
-                <a:schemeClr val="tx2"/>
-              </a:solidFill>
-            </a:endParaRPr>
-          </a:p>
-        </p:txBody>
-      </p:sp>
-      <p:pic>
-        <p:nvPicPr>
-          <p:cNvPr id="5" name="Picture 4">
-            <a:extLst>
-              <a:ext uri="{FF2B5EF4-FFF2-40B4-BE49-F238E27FC236}">
-                <a16:creationId xmlns:a16="http://schemas.microsoft.com/office/drawing/2014/main" id="{1465D337-367D-4420-B32D-A924E63EC098}"/>
-              </a:ext>
-            </a:extLst>
-          </p:cNvPr>
-          <p:cNvPicPr>
-            <a:picLocks noChangeAspect="1"/>
-          </p:cNvPicPr>
-          <p:nvPr/>
-        </p:nvPicPr>
-        <p:blipFill>
-          <a:blip r:embed="rId3"/>
-          <a:stretch>
-            <a:fillRect/>
-          </a:stretch>
-        </p:blipFill>
-        <p:spPr>
-          <a:xfrm>
-            <a:off x="5677797" y="231002"/>
-            <a:ext cx="2891045" cy="1056778"/>
-          </a:xfrm>
-          <a:prstGeom prst="rect">
-            <a:avLst/>
-          </a:prstGeom>
-        </p:spPr>
-      </p:pic>
-      <p:pic>
-        <p:nvPicPr>
-          <p:cNvPr id="9" name="Picture 8">
-            <a:extLst>
-              <a:ext uri="{FF2B5EF4-FFF2-40B4-BE49-F238E27FC236}">
-                <a16:creationId xmlns:a16="http://schemas.microsoft.com/office/drawing/2014/main" id="{A0C57553-1969-4285-A4A0-077CCC0FB72D}"/>
-              </a:ext>
-            </a:extLst>
-          </p:cNvPr>
-          <p:cNvPicPr>
-            <a:picLocks noChangeAspect="1"/>
-          </p:cNvPicPr>
-          <p:nvPr/>
-        </p:nvPicPr>
-        <p:blipFill>
-          <a:blip r:embed="rId4"/>
-          <a:stretch>
-            <a:fillRect/>
-          </a:stretch>
-        </p:blipFill>
-        <p:spPr>
-          <a:xfrm>
-            <a:off x="7257551" y="1499692"/>
-            <a:ext cx="2955156" cy="1037688"/>
-          </a:xfrm>
-          <a:prstGeom prst="rect">
-            <a:avLst/>
-          </a:prstGeom>
-        </p:spPr>
-      </p:pic>
-      <p:pic>
-        <p:nvPicPr>
-          <p:cNvPr id="13" name="Picture 12">
-            <a:extLst>
-              <a:ext uri="{FF2B5EF4-FFF2-40B4-BE49-F238E27FC236}">
-                <a16:creationId xmlns:a16="http://schemas.microsoft.com/office/drawing/2014/main" id="{49F16A27-8F01-48DC-8905-72BF95AF466B}"/>
-              </a:ext>
-            </a:extLst>
-          </p:cNvPr>
-          <p:cNvPicPr>
-            <a:picLocks noChangeAspect="1"/>
-          </p:cNvPicPr>
-          <p:nvPr/>
-        </p:nvPicPr>
-        <p:blipFill>
-          <a:blip r:embed="rId5"/>
-          <a:stretch>
-            <a:fillRect/>
-          </a:stretch>
-        </p:blipFill>
-        <p:spPr>
-          <a:xfrm>
-            <a:off x="5677797" y="2828959"/>
-            <a:ext cx="6218264" cy="3918158"/>
-          </a:xfrm>
-          <a:prstGeom prst="rect">
-            <a:avLst/>
-          </a:prstGeom>
-        </p:spPr>
-      </p:pic>
-    </p:spTree>
-    <p:extLst>
-      <p:ext uri="{BB962C8B-B14F-4D97-AF65-F5344CB8AC3E}">
-        <p14:creationId xmlns:p14="http://schemas.microsoft.com/office/powerpoint/2010/main" val="2511494435"/>
-      </p:ext>
-    </p:extLst>
-  </p:cSld>
-  <p:clrMapOvr>
-    <a:masterClrMapping/>
-  </p:clrMapOvr>
-</p:sld>
-</file>
-
-<file path=ppt/slides/slide11.xml><?xml version="1.0" encoding="utf-8"?>
-<p:sld xmlns:a="http://schemas.openxmlformats.org/drawingml/2006/main" xmlns:r="http://schemas.openxmlformats.org/officeDocument/2006/relationships" xmlns:p="http://schemas.openxmlformats.org/presentationml/2006/main">
-  <p:cSld>
     <p:spTree>
       <p:nvGrpSpPr>
         <p:cNvPr id="1" name=""/>
@@ -12082,7 +10658,7 @@
           <p:cNvPr id="2" name="Title 1">
             <a:extLst>
               <a:ext uri="{FF2B5EF4-FFF2-40B4-BE49-F238E27FC236}">
-                <a16:creationId xmlns:a16="http://schemas.microsoft.com/office/drawing/2014/main" id="{6B3878B0-E6B7-4A87-A7A1-45092373560A}"/>
+                <a16:creationId xmlns:a16="http://schemas.microsoft.com/office/drawing/2014/main" id="{0596C115-A12D-45D4-A68A-35BFB376BD8A}"/>
               </a:ext>
             </a:extLst>
           </p:cNvPr>
@@ -12093,24 +10669,58 @@
             <p:ph type="title"/>
           </p:nvPr>
         </p:nvSpPr>
-        <p:spPr/>
+        <p:spPr>
+          <a:xfrm>
+            <a:off x="838200" y="365126"/>
+            <a:ext cx="10515600" cy="863600"/>
+          </a:xfrm>
+        </p:spPr>
         <p:txBody>
           <a:bodyPr/>
           <a:lstStyle/>
           <a:p>
             <a:r>
               <a:rPr lang="en-SG" dirty="0"/>
-              <a:t>Model Evaluation (Visualization)</a:t>
+              <a:t>Feature Importances</a:t>
             </a:r>
           </a:p>
         </p:txBody>
       </p:sp>
+      <p:pic>
+        <p:nvPicPr>
+          <p:cNvPr id="6" name="Content Placeholder 5">
+            <a:extLst>
+              <a:ext uri="{FF2B5EF4-FFF2-40B4-BE49-F238E27FC236}">
+                <a16:creationId xmlns:a16="http://schemas.microsoft.com/office/drawing/2014/main" id="{DFE8A898-8A5F-40BB-B5B8-EC0ADC305A05}"/>
+              </a:ext>
+            </a:extLst>
+          </p:cNvPr>
+          <p:cNvPicPr>
+            <a:picLocks noGrp="1" noChangeAspect="1"/>
+          </p:cNvPicPr>
+          <p:nvPr>
+            <p:ph sz="half" idx="1"/>
+          </p:nvPr>
+        </p:nvPicPr>
+        <p:blipFill>
+          <a:blip r:embed="rId2"/>
+          <a:stretch>
+            <a:fillRect/>
+          </a:stretch>
+        </p:blipFill>
+        <p:spPr>
+          <a:xfrm>
+            <a:off x="833378" y="1228726"/>
+            <a:ext cx="10545011" cy="1733549"/>
+          </a:xfrm>
+        </p:spPr>
+      </p:pic>
       <p:sp>
         <p:nvSpPr>
-          <p:cNvPr id="3" name="Picture Placeholder 2">
+          <p:cNvPr id="4" name="Content Placeholder 3">
             <a:extLst>
               <a:ext uri="{FF2B5EF4-FFF2-40B4-BE49-F238E27FC236}">
-                <a16:creationId xmlns:a16="http://schemas.microsoft.com/office/drawing/2014/main" id="{A68B83DA-BEC5-46BB-95FE-14E01A64F2D2}"/>
+                <a16:creationId xmlns:a16="http://schemas.microsoft.com/office/drawing/2014/main" id="{72789C5F-5C51-4179-8A27-EA1841617F6B}"/>
               </a:ext>
             </a:extLst>
           </p:cNvPr>
@@ -12118,40 +10728,69 @@
             <a:spLocks noGrp="1"/>
           </p:cNvSpPr>
           <p:nvPr>
-            <p:ph type="pic" idx="1"/>
+            <p:ph sz="half" idx="2"/>
           </p:nvPr>
         </p:nvSpPr>
-        <p:spPr/>
-      </p:sp>
-      <p:sp>
-        <p:nvSpPr>
-          <p:cNvPr id="4" name="Text Placeholder 3">
-            <a:extLst>
-              <a:ext uri="{FF2B5EF4-FFF2-40B4-BE49-F238E27FC236}">
-                <a16:creationId xmlns:a16="http://schemas.microsoft.com/office/drawing/2014/main" id="{7A578523-67DB-48CB-98CD-E49F355D322C}"/>
-              </a:ext>
-            </a:extLst>
-          </p:cNvPr>
-          <p:cNvSpPr>
-            <a:spLocks noGrp="1"/>
-          </p:cNvSpPr>
-          <p:nvPr>
-            <p:ph type="body" sz="half" idx="2"/>
-          </p:nvPr>
-        </p:nvSpPr>
-        <p:spPr/>
+        <p:spPr>
+          <a:xfrm>
+            <a:off x="3495675" y="3110877"/>
+            <a:ext cx="7858125" cy="3585196"/>
+          </a:xfrm>
+        </p:spPr>
         <p:txBody>
           <a:bodyPr/>
           <a:lstStyle/>
           <a:p>
-            <a:endParaRPr lang="en-SG"/>
+            <a:r>
+              <a:rPr lang="en-SG" dirty="0"/>
+              <a:t>These importances are exclusive to our dataset and are in no aspect universal</a:t>
+            </a:r>
+          </a:p>
+          <a:p>
+            <a:r>
+              <a:rPr lang="en-SG" dirty="0"/>
+              <a:t>For example, in Singapore, however, the number of bedrooms could be a more important factor than the view, given that Singapore is very urbanised</a:t>
+            </a:r>
+          </a:p>
+          <a:p>
+            <a:endParaRPr lang="en-SG" dirty="0"/>
           </a:p>
         </p:txBody>
       </p:sp>
+      <p:pic>
+        <p:nvPicPr>
+          <p:cNvPr id="8" name="Picture 7">
+            <a:extLst>
+              <a:ext uri="{FF2B5EF4-FFF2-40B4-BE49-F238E27FC236}">
+                <a16:creationId xmlns:a16="http://schemas.microsoft.com/office/drawing/2014/main" id="{7ABCD68E-C770-4035-A217-CFBD341DC7ED}"/>
+              </a:ext>
+            </a:extLst>
+          </p:cNvPr>
+          <p:cNvPicPr>
+            <a:picLocks noChangeAspect="1"/>
+          </p:cNvPicPr>
+          <p:nvPr/>
+        </p:nvPicPr>
+        <p:blipFill>
+          <a:blip r:embed="rId3"/>
+          <a:stretch>
+            <a:fillRect/>
+          </a:stretch>
+        </p:blipFill>
+        <p:spPr>
+          <a:xfrm>
+            <a:off x="833378" y="3110878"/>
+            <a:ext cx="2464343" cy="3585196"/>
+          </a:xfrm>
+          <a:prstGeom prst="rect">
+            <a:avLst/>
+          </a:prstGeom>
+        </p:spPr>
+      </p:pic>
     </p:spTree>
     <p:extLst>
       <p:ext uri="{BB962C8B-B14F-4D97-AF65-F5344CB8AC3E}">
-        <p14:creationId xmlns:p14="http://schemas.microsoft.com/office/powerpoint/2010/main" val="1746186320"/>
+        <p14:creationId xmlns:p14="http://schemas.microsoft.com/office/powerpoint/2010/main" val="1393311295"/>
       </p:ext>
     </p:extLst>
   </p:cSld>
@@ -12328,7 +10967,7 @@
         <p:spPr>
           <a:xfrm>
             <a:off x="804672" y="338328"/>
-            <a:ext cx="5011473" cy="1773936"/>
+            <a:ext cx="4889945" cy="870712"/>
           </a:xfrm>
         </p:spPr>
         <p:txBody>
@@ -12338,7 +10977,7 @@
           <a:lstStyle/>
           <a:p>
             <a:r>
-              <a:rPr lang="en-US" sz="3600">
+              <a:rPr lang="en-US" sz="3600" dirty="0">
                 <a:solidFill>
                   <a:schemeClr val="tx2"/>
                 </a:solidFill>
@@ -13434,13 +12073,13 @@
         </p:nvSpPr>
         <p:spPr>
           <a:xfrm>
-            <a:off x="6355640" y="702120"/>
-            <a:ext cx="5031687" cy="2518600"/>
+            <a:off x="662994" y="1773528"/>
+            <a:ext cx="10859007" cy="1524000"/>
           </a:xfrm>
         </p:spPr>
         <p:txBody>
           <a:bodyPr vert="horz" lIns="91440" tIns="45720" rIns="91440" bIns="45720" rtlCol="0" anchor="t">
-            <a:normAutofit/>
+            <a:normAutofit lnSpcReduction="10000"/>
           </a:bodyPr>
           <a:lstStyle/>
           <a:p>
@@ -13536,6 +12175,36 @@
           </a:prstGeom>
         </p:spPr>
       </p:pic>
+      <p:pic>
+        <p:nvPicPr>
+          <p:cNvPr id="4" name="Picture 3">
+            <a:extLst>
+              <a:ext uri="{FF2B5EF4-FFF2-40B4-BE49-F238E27FC236}">
+                <a16:creationId xmlns:a16="http://schemas.microsoft.com/office/drawing/2014/main" id="{933BEE32-863D-419B-8271-9CE2AC2A95BE}"/>
+              </a:ext>
+            </a:extLst>
+          </p:cNvPr>
+          <p:cNvPicPr>
+            <a:picLocks noChangeAspect="1"/>
+          </p:cNvPicPr>
+          <p:nvPr/>
+        </p:nvPicPr>
+        <p:blipFill>
+          <a:blip r:embed="rId4"/>
+          <a:stretch>
+            <a:fillRect/>
+          </a:stretch>
+        </p:blipFill>
+        <p:spPr>
+          <a:xfrm>
+            <a:off x="5957823" y="267522"/>
+            <a:ext cx="5961055" cy="1238484"/>
+          </a:xfrm>
+          <a:prstGeom prst="rect">
+            <a:avLst/>
+          </a:prstGeom>
+        </p:spPr>
+      </p:pic>
     </p:spTree>
     <p:extLst>
       <p:ext uri="{BB962C8B-B14F-4D97-AF65-F5344CB8AC3E}">
@@ -13605,47 +12274,6 @@
             <a:r>
               <a:rPr lang="en-US" sz="3600"/>
               <a:t>Exploratory Data Analysis</a:t>
-            </a:r>
-          </a:p>
-        </p:txBody>
-      </p:sp>
-      <p:sp>
-        <p:nvSpPr>
-          <p:cNvPr id="23" name="Content Placeholder 22">
-            <a:extLst>
-              <a:ext uri="{FF2B5EF4-FFF2-40B4-BE49-F238E27FC236}">
-                <a16:creationId xmlns:a16="http://schemas.microsoft.com/office/drawing/2014/main" id="{CFA532B3-C0DC-4FAD-B358-9E570521A3B3}"/>
-              </a:ext>
-            </a:extLst>
-          </p:cNvPr>
-          <p:cNvSpPr>
-            <a:spLocks noGrp="1"/>
-          </p:cNvSpPr>
-          <p:nvPr>
-            <p:ph sz="half" idx="1"/>
-          </p:nvPr>
-        </p:nvSpPr>
-        <p:spPr>
-          <a:xfrm>
-            <a:off x="4864100" y="338328"/>
-            <a:ext cx="6675627" cy="1605083"/>
-          </a:xfrm>
-        </p:spPr>
-        <p:txBody>
-          <a:bodyPr vert="horz" lIns="91440" tIns="45720" rIns="91440" bIns="45720" rtlCol="0" anchor="ctr">
-            <a:normAutofit/>
-          </a:bodyPr>
-          <a:lstStyle/>
-          <a:p>
-            <a:r>
-              <a:rPr lang="en-US" sz="1700" dirty="0"/>
-              <a:t>The plots below show the comparison between the different transformations of the feature variables</a:t>
-            </a:r>
-          </a:p>
-          <a:p>
-            <a:r>
-              <a:rPr lang="en-US" sz="1700" dirty="0"/>
-              <a:t>The plot o</a:t>
             </a:r>
           </a:p>
         </p:txBody>
@@ -14246,16 +12874,16 @@
         </p:nvSpPr>
         <p:spPr>
           <a:xfrm>
-            <a:off x="6469287" y="4977615"/>
-            <a:ext cx="5184492" cy="1421765"/>
+            <a:off x="6475227" y="5327651"/>
+            <a:ext cx="5178551" cy="1071729"/>
           </a:xfrm>
           <a:prstGeom prst="rect">
             <a:avLst/>
           </a:prstGeom>
         </p:spPr>
         <p:txBody>
-          <a:bodyPr vert="horz" lIns="91440" tIns="45720" rIns="91440" bIns="45720" rtlCol="0" anchor="b">
-            <a:normAutofit/>
+          <a:bodyPr vert="horz" lIns="91440" tIns="45720" rIns="91440" bIns="45720" rtlCol="0" anchor="ctr">
+            <a:normAutofit fontScale="77500" lnSpcReduction="20000"/>
           </a:bodyPr>
           <a:lstStyle>
             <a:lvl1pPr marL="228600" indent="-228600" algn="l" defTabSz="914400" rtl="0" eaLnBrk="1" latinLnBrk="0" hangingPunct="1">
@@ -14422,19 +13050,79 @@
             </a:lvl9pPr>
           </a:lstStyle>
           <a:p>
+            <a:pPr>
+              <a:spcBef>
+                <a:spcPts val="0"/>
+              </a:spcBef>
+              <a:spcAft>
+                <a:spcPts val="600"/>
+              </a:spcAft>
+            </a:pPr>
             <a:r>
               <a:rPr lang="en-US" sz="1600" dirty="0"/>
-              <a:t>This plot shows the distribution of the values after no transformation, logarithmic transformation and root transformation respectively</a:t>
+              <a:t>This plot shows the correlation of the features with price after no transformation, logarithmic transformation and root transformation respectively</a:t>
             </a:r>
           </a:p>
           <a:p>
+            <a:pPr>
+              <a:spcBef>
+                <a:spcPts val="0"/>
+              </a:spcBef>
+              <a:spcAft>
+                <a:spcPts val="600"/>
+              </a:spcAft>
+            </a:pPr>
             <a:r>
               <a:rPr lang="en-US" sz="1600" dirty="0"/>
-              <a:t>As seen above, the logarithmic transformation is quite successful in producing a rather Normal distribution</a:t>
+              <a:t>As seen above, the logarithmic transformation bends the distribution</a:t>
+            </a:r>
+          </a:p>
+          <a:p>
+            <a:pPr>
+              <a:spcBef>
+                <a:spcPts val="0"/>
+              </a:spcBef>
+              <a:spcAft>
+                <a:spcPts val="600"/>
+              </a:spcAft>
+            </a:pPr>
+            <a:r>
+              <a:rPr lang="en-US" sz="1600" dirty="0"/>
+              <a:t>To counter this, perhaps price should be transformed also</a:t>
             </a:r>
           </a:p>
         </p:txBody>
       </p:sp>
+      <p:pic>
+        <p:nvPicPr>
+          <p:cNvPr id="13" name="Picture 12">
+            <a:extLst>
+              <a:ext uri="{FF2B5EF4-FFF2-40B4-BE49-F238E27FC236}">
+                <a16:creationId xmlns:a16="http://schemas.microsoft.com/office/drawing/2014/main" id="{415AA018-CECF-45CF-8445-A626B8FB6E4C}"/>
+              </a:ext>
+            </a:extLst>
+          </p:cNvPr>
+          <p:cNvPicPr>
+            <a:picLocks noChangeAspect="1"/>
+          </p:cNvPicPr>
+          <p:nvPr/>
+        </p:nvPicPr>
+        <p:blipFill>
+          <a:blip r:embed="rId4"/>
+          <a:stretch>
+            <a:fillRect/>
+          </a:stretch>
+        </p:blipFill>
+        <p:spPr>
+          <a:xfrm>
+            <a:off x="4627697" y="381327"/>
+            <a:ext cx="7240621" cy="1504330"/>
+          </a:xfrm>
+          <a:prstGeom prst="rect">
+            <a:avLst/>
+          </a:prstGeom>
+        </p:spPr>
+      </p:pic>
     </p:spTree>
     <p:extLst>
       <p:ext uri="{BB962C8B-B14F-4D97-AF65-F5344CB8AC3E}">
@@ -15100,8 +13788,8 @@
         </p:blipFill>
         <p:spPr>
           <a:xfrm>
-            <a:off x="5466565" y="1637838"/>
-            <a:ext cx="5476340" cy="1078797"/>
+            <a:off x="5426402" y="1637838"/>
+            <a:ext cx="5212665" cy="1078797"/>
           </a:xfrm>
           <a:prstGeom prst="rect">
             <a:avLst/>
@@ -20044,75 +18732,6 @@
       </p:grpSp>
       <p:sp>
         <p:nvSpPr>
-          <p:cNvPr id="2" name="Title 1">
-            <a:extLst>
-              <a:ext uri="{FF2B5EF4-FFF2-40B4-BE49-F238E27FC236}">
-                <a16:creationId xmlns:a16="http://schemas.microsoft.com/office/drawing/2014/main" id="{6868DC3B-77E2-40FB-A23E-D6AC653D2826}"/>
-              </a:ext>
-            </a:extLst>
-          </p:cNvPr>
-          <p:cNvSpPr>
-            <a:spLocks noGrp="1"/>
-          </p:cNvSpPr>
-          <p:nvPr>
-            <p:ph type="title"/>
-          </p:nvPr>
-        </p:nvSpPr>
-        <p:spPr>
-          <a:xfrm>
-            <a:off x="804672" y="802955"/>
-            <a:ext cx="5145024" cy="1454051"/>
-          </a:xfrm>
-        </p:spPr>
-        <p:txBody>
-          <a:bodyPr anchor="b">
-            <a:normAutofit/>
-          </a:bodyPr>
-          <a:lstStyle/>
-          <a:p>
-            <a:r>
-              <a:rPr lang="en-SG" sz="3600">
-                <a:solidFill>
-                  <a:schemeClr val="tx2"/>
-                </a:solidFill>
-              </a:rPr>
-              <a:t>Algorithm Selection</a:t>
-            </a:r>
-          </a:p>
-        </p:txBody>
-      </p:sp>
-      <p:pic>
-        <p:nvPicPr>
-          <p:cNvPr id="7" name="Picture 6">
-            <a:extLst>
-              <a:ext uri="{FF2B5EF4-FFF2-40B4-BE49-F238E27FC236}">
-                <a16:creationId xmlns:a16="http://schemas.microsoft.com/office/drawing/2014/main" id="{F97BF45C-03D1-4820-B715-3EB25D24DB8B}"/>
-              </a:ext>
-            </a:extLst>
-          </p:cNvPr>
-          <p:cNvPicPr>
-            <a:picLocks noChangeAspect="1"/>
-          </p:cNvPicPr>
-          <p:nvPr/>
-        </p:nvPicPr>
-        <p:blipFill>
-          <a:blip r:embed="rId2"/>
-          <a:stretch>
-            <a:fillRect/>
-          </a:stretch>
-        </p:blipFill>
-        <p:spPr>
-          <a:xfrm>
-            <a:off x="5425000" y="5315256"/>
-            <a:ext cx="6342279" cy="570804"/>
-          </a:xfrm>
-          <a:prstGeom prst="rect">
-            <a:avLst/>
-          </a:prstGeom>
-        </p:spPr>
-      </p:pic>
-      <p:sp>
-        <p:nvSpPr>
           <p:cNvPr id="3" name="Content Placeholder 2">
             <a:extLst>
               <a:ext uri="{FF2B5EF4-FFF2-40B4-BE49-F238E27FC236}">
@@ -20129,13 +18748,13 @@
         </p:nvSpPr>
         <p:spPr>
           <a:xfrm>
-            <a:off x="487181" y="2373398"/>
-            <a:ext cx="4553909" cy="3639289"/>
+            <a:off x="690392" y="1835294"/>
+            <a:ext cx="5691358" cy="2649309"/>
           </a:xfrm>
         </p:spPr>
         <p:txBody>
           <a:bodyPr anchor="ctr">
-            <a:normAutofit/>
+            <a:normAutofit lnSpcReduction="10000"/>
           </a:bodyPr>
           <a:lstStyle/>
           <a:p>
@@ -20155,7 +18774,17 @@
                   <a:schemeClr val="tx2"/>
                 </a:solidFill>
               </a:rPr>
-              <a:t>The ensemble </a:t>
+              <a:t>This was meant to level the playing field for algorithms with poor default hyper-parameters (in this scenario)</a:t>
+            </a:r>
+          </a:p>
+          <a:p>
+            <a:r>
+              <a:rPr lang="en-SG" sz="1800" dirty="0">
+                <a:solidFill>
+                  <a:schemeClr val="tx2"/>
+                </a:solidFill>
+              </a:rPr>
+              <a:t>The </a:t>
             </a:r>
             <a:r>
               <a:rPr lang="en-SG" sz="1800" dirty="0" err="1">
@@ -20171,17 +18800,108 @@
                   <a:schemeClr val="tx2"/>
                 </a:solidFill>
               </a:rPr>
-              <a:t> topped the charts</a:t>
+              <a:t> algorithm topped the charts, occupying the top 6 positions</a:t>
+            </a:r>
+          </a:p>
+          <a:p>
+            <a:r>
+              <a:rPr lang="en-SG" sz="1800" dirty="0">
+                <a:solidFill>
+                  <a:schemeClr val="tx2"/>
+                </a:solidFill>
+              </a:rPr>
+              <a:t>This isn’t particularly surprising, as it deploys ensemble learning</a:t>
             </a:r>
           </a:p>
         </p:txBody>
       </p:sp>
+      <p:grpSp>
+        <p:nvGrpSpPr>
+          <p:cNvPr id="8" name="Group 7">
+            <a:extLst>
+              <a:ext uri="{FF2B5EF4-FFF2-40B4-BE49-F238E27FC236}">
+                <a16:creationId xmlns:a16="http://schemas.microsoft.com/office/drawing/2014/main" id="{7EFD8785-1115-49DE-A2C7-9B9B94F08B71}"/>
+              </a:ext>
+            </a:extLst>
+          </p:cNvPr>
+          <p:cNvGrpSpPr/>
+          <p:nvPr/>
+        </p:nvGrpSpPr>
+        <p:grpSpPr>
+          <a:xfrm>
+            <a:off x="6606468" y="344259"/>
+            <a:ext cx="4997731" cy="3848251"/>
+            <a:chOff x="6340865" y="238318"/>
+            <a:chExt cx="4997731" cy="3848251"/>
+          </a:xfrm>
+        </p:grpSpPr>
+        <p:pic>
+          <p:nvPicPr>
+            <p:cNvPr id="7" name="Picture 6">
+              <a:extLst>
+                <a:ext uri="{FF2B5EF4-FFF2-40B4-BE49-F238E27FC236}">
+                  <a16:creationId xmlns:a16="http://schemas.microsoft.com/office/drawing/2014/main" id="{F97BF45C-03D1-4820-B715-3EB25D24DB8B}"/>
+                </a:ext>
+              </a:extLst>
+            </p:cNvPr>
+            <p:cNvPicPr>
+              <a:picLocks noChangeAspect="1"/>
+            </p:cNvPicPr>
+            <p:nvPr/>
+          </p:nvPicPr>
+          <p:blipFill>
+            <a:blip r:embed="rId2"/>
+            <a:stretch>
+              <a:fillRect/>
+            </a:stretch>
+          </p:blipFill>
+          <p:spPr>
+            <a:xfrm>
+              <a:off x="6340865" y="3636775"/>
+              <a:ext cx="4997731" cy="449794"/>
+            </a:xfrm>
+            <a:prstGeom prst="rect">
+              <a:avLst/>
+            </a:prstGeom>
+          </p:spPr>
+        </p:pic>
+        <p:pic>
+          <p:nvPicPr>
+            <p:cNvPr id="5" name="Picture 4">
+              <a:extLst>
+                <a:ext uri="{FF2B5EF4-FFF2-40B4-BE49-F238E27FC236}">
+                  <a16:creationId xmlns:a16="http://schemas.microsoft.com/office/drawing/2014/main" id="{A9497B8E-F442-45DA-9DA4-605B0A478198}"/>
+                </a:ext>
+              </a:extLst>
+            </p:cNvPr>
+            <p:cNvPicPr>
+              <a:picLocks noChangeAspect="1"/>
+            </p:cNvPicPr>
+            <p:nvPr/>
+          </p:nvPicPr>
+          <p:blipFill>
+            <a:blip r:embed="rId3"/>
+            <a:stretch>
+              <a:fillRect/>
+            </a:stretch>
+          </p:blipFill>
+          <p:spPr>
+            <a:xfrm>
+              <a:off x="6340865" y="238318"/>
+              <a:ext cx="4997731" cy="3398457"/>
+            </a:xfrm>
+            <a:prstGeom prst="rect">
+              <a:avLst/>
+            </a:prstGeom>
+          </p:spPr>
+        </p:pic>
+      </p:grpSp>
       <p:pic>
         <p:nvPicPr>
-          <p:cNvPr id="5" name="Picture 4">
+          <p:cNvPr id="6" name="Picture 5">
             <a:extLst>
               <a:ext uri="{FF2B5EF4-FFF2-40B4-BE49-F238E27FC236}">
-                <a16:creationId xmlns:a16="http://schemas.microsoft.com/office/drawing/2014/main" id="{A9497B8E-F442-45DA-9DA4-605B0A478198}"/>
+                <a16:creationId xmlns:a16="http://schemas.microsoft.com/office/drawing/2014/main" id="{33751EEC-5F40-4A53-A36C-4F47CE9BB5DC}"/>
               </a:ext>
             </a:extLst>
           </p:cNvPr>
@@ -20191,21 +18911,60 @@
           <p:nvPr/>
         </p:nvPicPr>
         <p:blipFill>
-          <a:blip r:embed="rId3"/>
+          <a:blip r:embed="rId4"/>
           <a:stretch>
             <a:fillRect/>
           </a:stretch>
         </p:blipFill>
         <p:spPr>
           <a:xfrm>
-            <a:off x="5425000" y="601372"/>
-            <a:ext cx="6342279" cy="4312749"/>
+            <a:off x="668305" y="4518826"/>
+            <a:ext cx="10939839" cy="2012858"/>
           </a:xfrm>
           <a:prstGeom prst="rect">
             <a:avLst/>
           </a:prstGeom>
         </p:spPr>
       </p:pic>
+      <p:sp>
+        <p:nvSpPr>
+          <p:cNvPr id="2" name="Title 1">
+            <a:extLst>
+              <a:ext uri="{FF2B5EF4-FFF2-40B4-BE49-F238E27FC236}">
+                <a16:creationId xmlns:a16="http://schemas.microsoft.com/office/drawing/2014/main" id="{6868DC3B-77E2-40FB-A23E-D6AC653D2826}"/>
+              </a:ext>
+            </a:extLst>
+          </p:cNvPr>
+          <p:cNvSpPr>
+            <a:spLocks noGrp="1"/>
+          </p:cNvSpPr>
+          <p:nvPr>
+            <p:ph type="title"/>
+          </p:nvPr>
+        </p:nvSpPr>
+        <p:spPr>
+          <a:xfrm>
+            <a:off x="771406" y="381243"/>
+            <a:ext cx="5172193" cy="1415097"/>
+          </a:xfrm>
+        </p:spPr>
+        <p:txBody>
+          <a:bodyPr anchor="b">
+            <a:normAutofit/>
+          </a:bodyPr>
+          <a:lstStyle/>
+          <a:p>
+            <a:r>
+              <a:rPr lang="en-SG" sz="3600" dirty="0">
+                <a:solidFill>
+                  <a:schemeClr val="tx2"/>
+                </a:solidFill>
+              </a:rPr>
+              <a:t>Algorithm Selection</a:t>
+            </a:r>
+          </a:p>
+        </p:txBody>
+      </p:sp>
     </p:spTree>
     <p:extLst>
       <p:ext uri="{BB962C8B-B14F-4D97-AF65-F5344CB8AC3E}">
@@ -20238,34 +18997,6 @@
       </p:grpSpPr>
       <p:sp>
         <p:nvSpPr>
-          <p:cNvPr id="2" name="Title 1">
-            <a:extLst>
-              <a:ext uri="{FF2B5EF4-FFF2-40B4-BE49-F238E27FC236}">
-                <a16:creationId xmlns:a16="http://schemas.microsoft.com/office/drawing/2014/main" id="{7DAE0E80-533E-41B7-BF6F-3E9122E8D20E}"/>
-              </a:ext>
-            </a:extLst>
-          </p:cNvPr>
-          <p:cNvSpPr>
-            <a:spLocks noGrp="1"/>
-          </p:cNvSpPr>
-          <p:nvPr>
-            <p:ph type="title"/>
-          </p:nvPr>
-        </p:nvSpPr>
-        <p:spPr/>
-        <p:txBody>
-          <a:bodyPr/>
-          <a:lstStyle/>
-          <a:p>
-            <a:r>
-              <a:rPr lang="en-SG" dirty="0"/>
-              <a:t>Hyper-Parameter Tuning</a:t>
-            </a:r>
-          </a:p>
-        </p:txBody>
-      </p:sp>
-      <p:sp>
-        <p:nvSpPr>
           <p:cNvPr id="3" name="Content Placeholder 2">
             <a:extLst>
               <a:ext uri="{FF2B5EF4-FFF2-40B4-BE49-F238E27FC236}">
@@ -20282,8 +19013,309 @@
         </p:nvSpPr>
         <p:spPr>
           <a:xfrm>
-            <a:off x="838200" y="1838958"/>
-            <a:ext cx="4323080" cy="4523741"/>
+            <a:off x="476249" y="1495036"/>
+            <a:ext cx="5057775" cy="2734047"/>
+          </a:xfrm>
+        </p:spPr>
+        <p:txBody>
+          <a:bodyPr>
+            <a:normAutofit lnSpcReduction="10000"/>
+          </a:bodyPr>
+          <a:lstStyle/>
+          <a:p>
+            <a:r>
+              <a:rPr lang="en-SG" sz="1600" dirty="0"/>
+              <a:t>2 sets of </a:t>
+            </a:r>
+            <a:r>
+              <a:rPr lang="en-SG" sz="1600" dirty="0" err="1"/>
+              <a:t>GridSearchCV</a:t>
+            </a:r>
+            <a:r>
+              <a:rPr lang="en-SG" sz="1600" dirty="0"/>
+              <a:t> were used to tune the hyper-parameters of the </a:t>
+            </a:r>
+            <a:r>
+              <a:rPr lang="en-SG" sz="1600" dirty="0" err="1"/>
+              <a:t>GradientBoostingRegressor</a:t>
+            </a:r>
+            <a:r>
+              <a:rPr lang="en-SG" sz="1600" dirty="0"/>
+              <a:t> algorithm, namely maximum depth, minimum samples for leaf nodes and minimum samples for splits</a:t>
+            </a:r>
+          </a:p>
+          <a:p>
+            <a:r>
+              <a:rPr lang="en-SG" sz="1600" dirty="0"/>
+              <a:t>The first was a broader search, while the second narrowed down the best hyper-parameters to {4, 7, 30}</a:t>
+            </a:r>
+          </a:p>
+          <a:p>
+            <a:r>
+              <a:rPr lang="en-SG" sz="1600" dirty="0" err="1"/>
+              <a:t>min_samples_leaf</a:t>
+            </a:r>
+            <a:r>
+              <a:rPr lang="en-SG" sz="1600" dirty="0"/>
+              <a:t> and </a:t>
+            </a:r>
+            <a:r>
+              <a:rPr lang="en-SG" sz="1600" dirty="0" err="1"/>
+              <a:t>min_samples_split</a:t>
+            </a:r>
+            <a:r>
+              <a:rPr lang="en-SG" sz="1600" dirty="0"/>
+              <a:t> could be reduced further to improve performance, but I did not want to overfit the model</a:t>
+            </a:r>
+          </a:p>
+          <a:p>
+            <a:r>
+              <a:rPr lang="en-SG" sz="1600" dirty="0"/>
+              <a:t>If the performance of the model was substandard, I would have tuned the hyper-parameters further</a:t>
+            </a:r>
+          </a:p>
+        </p:txBody>
+      </p:sp>
+      <p:grpSp>
+        <p:nvGrpSpPr>
+          <p:cNvPr id="11" name="Group 10">
+            <a:extLst>
+              <a:ext uri="{FF2B5EF4-FFF2-40B4-BE49-F238E27FC236}">
+                <a16:creationId xmlns:a16="http://schemas.microsoft.com/office/drawing/2014/main" id="{6D8AB524-409F-44A9-83CD-9F7157E72B28}"/>
+              </a:ext>
+            </a:extLst>
+          </p:cNvPr>
+          <p:cNvGrpSpPr/>
+          <p:nvPr/>
+        </p:nvGrpSpPr>
+        <p:grpSpPr>
+          <a:xfrm>
+            <a:off x="5619100" y="365125"/>
+            <a:ext cx="6220565" cy="2734046"/>
+            <a:chOff x="5619100" y="1340966"/>
+            <a:chExt cx="6220565" cy="2734046"/>
+          </a:xfrm>
+        </p:grpSpPr>
+        <p:sp>
+          <p:nvSpPr>
+            <p:cNvPr id="9" name="Rectangle 8">
+              <a:extLst>
+                <a:ext uri="{FF2B5EF4-FFF2-40B4-BE49-F238E27FC236}">
+                  <a16:creationId xmlns:a16="http://schemas.microsoft.com/office/drawing/2014/main" id="{9185BC6D-C8E3-4839-8154-BA0A65239ECD}"/>
+                </a:ext>
+              </a:extLst>
+            </p:cNvPr>
+            <p:cNvSpPr/>
+            <p:nvPr/>
+          </p:nvSpPr>
+          <p:spPr>
+            <a:xfrm>
+              <a:off x="5619100" y="1340966"/>
+              <a:ext cx="6208251" cy="2734046"/>
+            </a:xfrm>
+            <a:prstGeom prst="rect">
+              <a:avLst/>
+            </a:prstGeom>
+            <a:solidFill>
+              <a:srgbClr val="1E1E1E"/>
+            </a:solidFill>
+          </p:spPr>
+          <p:style>
+            <a:lnRef idx="2">
+              <a:schemeClr val="accent1">
+                <a:shade val="50000"/>
+              </a:schemeClr>
+            </a:lnRef>
+            <a:fillRef idx="1">
+              <a:schemeClr val="accent1"/>
+            </a:fillRef>
+            <a:effectRef idx="0">
+              <a:schemeClr val="accent1"/>
+            </a:effectRef>
+            <a:fontRef idx="minor">
+              <a:schemeClr val="lt1"/>
+            </a:fontRef>
+          </p:style>
+          <p:txBody>
+            <a:bodyPr rtlCol="0" anchor="ctr"/>
+            <a:lstStyle/>
+            <a:p>
+              <a:pPr algn="ctr"/>
+              <a:endParaRPr lang="en-SG" dirty="0"/>
+            </a:p>
+          </p:txBody>
+        </p:sp>
+        <p:pic>
+          <p:nvPicPr>
+            <p:cNvPr id="4" name="Picture 3">
+              <a:extLst>
+                <a:ext uri="{FF2B5EF4-FFF2-40B4-BE49-F238E27FC236}">
+                  <a16:creationId xmlns:a16="http://schemas.microsoft.com/office/drawing/2014/main" id="{1CD70FE4-F4D2-41C5-B9F4-5362F9FB8B84}"/>
+                </a:ext>
+              </a:extLst>
+            </p:cNvPr>
+            <p:cNvPicPr>
+              <a:picLocks noChangeAspect="1"/>
+            </p:cNvPicPr>
+            <p:nvPr/>
+          </p:nvPicPr>
+          <p:blipFill>
+            <a:blip r:embed="rId2"/>
+            <a:stretch>
+              <a:fillRect/>
+            </a:stretch>
+          </p:blipFill>
+          <p:spPr>
+            <a:xfrm>
+              <a:off x="6533500" y="1346726"/>
+              <a:ext cx="5306165" cy="933580"/>
+            </a:xfrm>
+            <a:prstGeom prst="rect">
+              <a:avLst/>
+            </a:prstGeom>
+          </p:spPr>
+        </p:pic>
+        <p:pic>
+          <p:nvPicPr>
+            <p:cNvPr id="6" name="Picture 5">
+              <a:extLst>
+                <a:ext uri="{FF2B5EF4-FFF2-40B4-BE49-F238E27FC236}">
+                  <a16:creationId xmlns:a16="http://schemas.microsoft.com/office/drawing/2014/main" id="{5AFAF640-DD63-42EA-8FCA-97437C6EBF8D}"/>
+                </a:ext>
+              </a:extLst>
+            </p:cNvPr>
+            <p:cNvPicPr>
+              <a:picLocks noChangeAspect="1"/>
+            </p:cNvPicPr>
+            <p:nvPr/>
+          </p:nvPicPr>
+          <p:blipFill>
+            <a:blip r:embed="rId3"/>
+            <a:stretch>
+              <a:fillRect/>
+            </a:stretch>
+          </p:blipFill>
+          <p:spPr>
+            <a:xfrm>
+              <a:off x="5625257" y="2319716"/>
+              <a:ext cx="6214408" cy="302323"/>
+            </a:xfrm>
+            <a:prstGeom prst="rect">
+              <a:avLst/>
+            </a:prstGeom>
+          </p:spPr>
+        </p:pic>
+        <p:pic>
+          <p:nvPicPr>
+            <p:cNvPr id="8" name="Picture 7">
+              <a:extLst>
+                <a:ext uri="{FF2B5EF4-FFF2-40B4-BE49-F238E27FC236}">
+                  <a16:creationId xmlns:a16="http://schemas.microsoft.com/office/drawing/2014/main" id="{CAE5B2D6-1D43-4F8E-A3E6-D1E6868E660A}"/>
+                </a:ext>
+              </a:extLst>
+            </p:cNvPr>
+            <p:cNvPicPr>
+              <a:picLocks noChangeAspect="1"/>
+            </p:cNvPicPr>
+            <p:nvPr/>
+          </p:nvPicPr>
+          <p:blipFill>
+            <a:blip r:embed="rId4"/>
+            <a:stretch>
+              <a:fillRect/>
+            </a:stretch>
+          </p:blipFill>
+          <p:spPr>
+            <a:xfrm>
+              <a:off x="6513497" y="2657126"/>
+              <a:ext cx="5313854" cy="1067039"/>
+            </a:xfrm>
+            <a:prstGeom prst="rect">
+              <a:avLst/>
+            </a:prstGeom>
+          </p:spPr>
+        </p:pic>
+        <p:pic>
+          <p:nvPicPr>
+            <p:cNvPr id="10" name="Picture 9">
+              <a:extLst>
+                <a:ext uri="{FF2B5EF4-FFF2-40B4-BE49-F238E27FC236}">
+                  <a16:creationId xmlns:a16="http://schemas.microsoft.com/office/drawing/2014/main" id="{B194283D-0A37-4162-8300-EA9667893F16}"/>
+                </a:ext>
+              </a:extLst>
+            </p:cNvPr>
+            <p:cNvPicPr>
+              <a:picLocks noChangeAspect="1"/>
+            </p:cNvPicPr>
+            <p:nvPr/>
+          </p:nvPicPr>
+          <p:blipFill>
+            <a:blip r:embed="rId5"/>
+            <a:stretch>
+              <a:fillRect/>
+            </a:stretch>
+          </p:blipFill>
+          <p:spPr>
+            <a:xfrm>
+              <a:off x="5625256" y="3767963"/>
+              <a:ext cx="6214409" cy="307049"/>
+            </a:xfrm>
+            <a:prstGeom prst="rect">
+              <a:avLst/>
+            </a:prstGeom>
+          </p:spPr>
+        </p:pic>
+      </p:grpSp>
+      <p:pic>
+        <p:nvPicPr>
+          <p:cNvPr id="7" name="Picture 6">
+            <a:extLst>
+              <a:ext uri="{FF2B5EF4-FFF2-40B4-BE49-F238E27FC236}">
+                <a16:creationId xmlns:a16="http://schemas.microsoft.com/office/drawing/2014/main" id="{AC012414-446A-4AB3-B495-101B01061F21}"/>
+              </a:ext>
+            </a:extLst>
+          </p:cNvPr>
+          <p:cNvPicPr>
+            <a:picLocks noChangeAspect="1"/>
+          </p:cNvPicPr>
+          <p:nvPr/>
+        </p:nvPicPr>
+        <p:blipFill>
+          <a:blip r:embed="rId6"/>
+          <a:stretch>
+            <a:fillRect/>
+          </a:stretch>
+        </p:blipFill>
+        <p:spPr>
+          <a:xfrm>
+            <a:off x="572746" y="4272881"/>
+            <a:ext cx="11046508" cy="2333642"/>
+          </a:xfrm>
+          <a:prstGeom prst="rect">
+            <a:avLst/>
+          </a:prstGeom>
+        </p:spPr>
+      </p:pic>
+      <p:sp>
+        <p:nvSpPr>
+          <p:cNvPr id="2" name="Title 1">
+            <a:extLst>
+              <a:ext uri="{FF2B5EF4-FFF2-40B4-BE49-F238E27FC236}">
+                <a16:creationId xmlns:a16="http://schemas.microsoft.com/office/drawing/2014/main" id="{7DAE0E80-533E-41B7-BF6F-3E9122E8D20E}"/>
+              </a:ext>
+            </a:extLst>
+          </p:cNvPr>
+          <p:cNvSpPr>
+            <a:spLocks noGrp="1"/>
+          </p:cNvSpPr>
+          <p:nvPr>
+            <p:ph type="title"/>
+          </p:nvPr>
+        </p:nvSpPr>
+        <p:spPr>
+          <a:xfrm>
+            <a:off x="388385" y="441672"/>
+            <a:ext cx="5218401" cy="1239613"/>
           </a:xfrm>
         </p:spPr>
         <p:txBody>
@@ -20293,178 +19325,17 @@
           <a:lstStyle/>
           <a:p>
             <a:r>
-              <a:rPr lang="en-SG" sz="1800" dirty="0"/>
-              <a:t>2 sets of </a:t>
+              <a:rPr lang="en-SG" sz="4000" dirty="0"/>
+              <a:t>Hyper-Parameter Tuning</a:t>
             </a:r>
-            <a:r>
-              <a:rPr lang="en-SG" sz="1800" dirty="0" err="1"/>
-              <a:t>GridSearchCV</a:t>
-            </a:r>
-            <a:r>
-              <a:rPr lang="en-SG" sz="1800" dirty="0"/>
-              <a:t> were used to tune the hyper-parameters of the </a:t>
-            </a:r>
-            <a:r>
-              <a:rPr lang="en-SG" sz="1800" dirty="0" err="1"/>
-              <a:t>GradientBoostingRegressor</a:t>
-            </a:r>
-            <a:r>
-              <a:rPr lang="en-SG" sz="1800" dirty="0"/>
-              <a:t> algorithm, namely maximum depth, minimum samples for leaf nodes and minimum samples for splits</a:t>
-            </a:r>
-          </a:p>
-          <a:p>
-            <a:r>
-              <a:rPr lang="en-SG" sz="1800" dirty="0"/>
-              <a:t>The first was a broader search, while the second narrowed down the best hyper-parameters to {4, 7, 30}</a:t>
-            </a:r>
-          </a:p>
-          <a:p>
-            <a:r>
-              <a:rPr lang="en-SG" sz="1800" dirty="0" err="1"/>
-              <a:t>min_samples_leaf</a:t>
-            </a:r>
-            <a:r>
-              <a:rPr lang="en-SG" sz="1800" dirty="0"/>
-              <a:t> and </a:t>
-            </a:r>
-            <a:r>
-              <a:rPr lang="en-SG" sz="1800" dirty="0" err="1"/>
-              <a:t>min_samples_split</a:t>
-            </a:r>
-            <a:r>
-              <a:rPr lang="en-SG" sz="1800" dirty="0"/>
-              <a:t> could be reduced further to improve performance, but I did not want to overfit the model</a:t>
-            </a:r>
-          </a:p>
-          <a:p>
-            <a:r>
-              <a:rPr lang="en-SG" sz="1800" dirty="0"/>
-              <a:t>If the performance of the model was substandard, I would have tuned the hyper-parameters further</a:t>
-            </a:r>
+            <a:endParaRPr lang="en-SG" sz="4000" dirty="0">
+              <a:solidFill>
+                <a:schemeClr val="bg1"/>
+              </a:solidFill>
+            </a:endParaRPr>
           </a:p>
         </p:txBody>
       </p:sp>
-      <p:pic>
-        <p:nvPicPr>
-          <p:cNvPr id="4" name="Picture 3">
-            <a:extLst>
-              <a:ext uri="{FF2B5EF4-FFF2-40B4-BE49-F238E27FC236}">
-                <a16:creationId xmlns:a16="http://schemas.microsoft.com/office/drawing/2014/main" id="{1CD70FE4-F4D2-41C5-B9F4-5362F9FB8B84}"/>
-              </a:ext>
-            </a:extLst>
-          </p:cNvPr>
-          <p:cNvPicPr>
-            <a:picLocks noChangeAspect="1"/>
-          </p:cNvPicPr>
-          <p:nvPr/>
-        </p:nvPicPr>
-        <p:blipFill>
-          <a:blip r:embed="rId2"/>
-          <a:stretch>
-            <a:fillRect/>
-          </a:stretch>
-        </p:blipFill>
-        <p:spPr>
-          <a:xfrm>
-            <a:off x="6276870" y="1959507"/>
-            <a:ext cx="5306165" cy="933580"/>
-          </a:xfrm>
-          <a:prstGeom prst="rect">
-            <a:avLst/>
-          </a:prstGeom>
-        </p:spPr>
-      </p:pic>
-      <p:pic>
-        <p:nvPicPr>
-          <p:cNvPr id="6" name="Picture 5">
-            <a:extLst>
-              <a:ext uri="{FF2B5EF4-FFF2-40B4-BE49-F238E27FC236}">
-                <a16:creationId xmlns:a16="http://schemas.microsoft.com/office/drawing/2014/main" id="{5AFAF640-DD63-42EA-8FCA-97437C6EBF8D}"/>
-              </a:ext>
-            </a:extLst>
-          </p:cNvPr>
-          <p:cNvPicPr>
-            <a:picLocks noChangeAspect="1"/>
-          </p:cNvPicPr>
-          <p:nvPr/>
-        </p:nvPicPr>
-        <p:blipFill>
-          <a:blip r:embed="rId3"/>
-          <a:stretch>
-            <a:fillRect/>
-          </a:stretch>
-        </p:blipFill>
-        <p:spPr>
-          <a:xfrm>
-            <a:off x="5368627" y="3285070"/>
-            <a:ext cx="6214408" cy="302323"/>
-          </a:xfrm>
-          <a:prstGeom prst="rect">
-            <a:avLst/>
-          </a:prstGeom>
-        </p:spPr>
-      </p:pic>
-      <p:pic>
-        <p:nvPicPr>
-          <p:cNvPr id="8" name="Picture 7">
-            <a:extLst>
-              <a:ext uri="{FF2B5EF4-FFF2-40B4-BE49-F238E27FC236}">
-                <a16:creationId xmlns:a16="http://schemas.microsoft.com/office/drawing/2014/main" id="{CAE5B2D6-1D43-4F8E-A3E6-D1E6868E660A}"/>
-              </a:ext>
-            </a:extLst>
-          </p:cNvPr>
-          <p:cNvPicPr>
-            <a:picLocks noChangeAspect="1"/>
-          </p:cNvPicPr>
-          <p:nvPr/>
-        </p:nvPicPr>
-        <p:blipFill>
-          <a:blip r:embed="rId4"/>
-          <a:stretch>
-            <a:fillRect/>
-          </a:stretch>
-        </p:blipFill>
-        <p:spPr>
-          <a:xfrm>
-            <a:off x="6276870" y="3985656"/>
-            <a:ext cx="5313854" cy="1067039"/>
-          </a:xfrm>
-          <a:prstGeom prst="rect">
-            <a:avLst/>
-          </a:prstGeom>
-        </p:spPr>
-      </p:pic>
-      <p:pic>
-        <p:nvPicPr>
-          <p:cNvPr id="10" name="Picture 9">
-            <a:extLst>
-              <a:ext uri="{FF2B5EF4-FFF2-40B4-BE49-F238E27FC236}">
-                <a16:creationId xmlns:a16="http://schemas.microsoft.com/office/drawing/2014/main" id="{B194283D-0A37-4162-8300-EA9667893F16}"/>
-              </a:ext>
-            </a:extLst>
-          </p:cNvPr>
-          <p:cNvPicPr>
-            <a:picLocks noChangeAspect="1"/>
-          </p:cNvPicPr>
-          <p:nvPr/>
-        </p:nvPicPr>
-        <p:blipFill>
-          <a:blip r:embed="rId5"/>
-          <a:stretch>
-            <a:fillRect/>
-          </a:stretch>
-        </p:blipFill>
-        <p:spPr>
-          <a:xfrm>
-            <a:off x="5376315" y="5450958"/>
-            <a:ext cx="6214409" cy="307049"/>
-          </a:xfrm>
-          <a:prstGeom prst="rect">
-            <a:avLst/>
-          </a:prstGeom>
-        </p:spPr>
-      </p:pic>
     </p:spTree>
     <p:extLst>
       <p:ext uri="{BB962C8B-B14F-4D97-AF65-F5344CB8AC3E}">
@@ -20518,7 +19389,7 @@
           <a:p>
             <a:r>
               <a:rPr lang="en-SG" dirty="0"/>
-              <a:t>X Transformations</a:t>
+              <a:t>Transformations</a:t>
             </a:r>
           </a:p>
         </p:txBody>
@@ -20539,14 +19410,25 @@
             <p:ph type="body" idx="1"/>
           </p:nvPr>
         </p:nvSpPr>
-        <p:spPr/>
+        <p:spPr>
+          <a:xfrm>
+            <a:off x="839789" y="1438275"/>
+            <a:ext cx="4989512" cy="1255448"/>
+          </a:xfrm>
+        </p:spPr>
         <p:txBody>
-          <a:bodyPr/>
+          <a:bodyPr>
+            <a:normAutofit fontScale="92500" lnSpcReduction="20000"/>
+          </a:bodyPr>
           <a:lstStyle/>
           <a:p>
+            <a:pPr marL="342900" indent="-342900">
+              <a:buFont typeface="Arial" panose="020B0604020202020204" pitchFamily="34" charset="0"/>
+              <a:buChar char="•"/>
+            </a:pPr>
             <a:r>
               <a:rPr lang="en-SG" b="0" dirty="0"/>
-              <a:t>I defined two custom transformer classes: log and sqrt</a:t>
+              <a:t>For the target transformation, a loop was used to compare</a:t>
             </a:r>
           </a:p>
         </p:txBody>
@@ -20575,7 +19457,7 @@
         </p:blipFill>
         <p:spPr>
           <a:xfrm>
-            <a:off x="839788" y="2882372"/>
+            <a:off x="232137" y="2931284"/>
             <a:ext cx="3804500" cy="3684588"/>
           </a:xfrm>
         </p:spPr>
@@ -20598,12 +19480,14 @@
         </p:nvSpPr>
         <p:spPr>
           <a:xfrm>
-            <a:off x="6172200" y="291040"/>
+            <a:off x="6529630" y="308238"/>
             <a:ext cx="5183188" cy="2385485"/>
           </a:xfrm>
         </p:spPr>
         <p:txBody>
-          <a:bodyPr anchor="ctr"/>
+          <a:bodyPr anchor="ctr">
+            <a:normAutofit fontScale="92500" lnSpcReduction="20000"/>
+          </a:bodyPr>
           <a:lstStyle/>
           <a:p>
             <a:pPr marL="342900" indent="-342900">
@@ -20612,15 +19496,21 @@
             </a:pPr>
             <a:r>
               <a:rPr lang="en-SG" b="0" dirty="0"/>
-              <a:t>Then </a:t>
+              <a:t>I defined two custom transformer classes: log and sqrt, which were used to transform the feature variables.</a:t>
             </a:r>
+          </a:p>
+          <a:p>
+            <a:pPr marL="342900" indent="-342900">
+              <a:buFont typeface="Arial" panose="020B0604020202020204" pitchFamily="34" charset="0"/>
+              <a:buChar char="•"/>
+            </a:pPr>
             <a:r>
               <a:rPr lang="en-SG" b="0" dirty="0" err="1"/>
               <a:t>GridSearchCV</a:t>
             </a:r>
             <a:r>
               <a:rPr lang="en-SG" b="0" dirty="0"/>
-              <a:t> was performed, testing out different scalers and transformers in the parameter grid</a:t>
+              <a:t> was used to compare the different scalers and transformers for the feature variables</a:t>
             </a:r>
           </a:p>
           <a:p>
@@ -20642,26 +19532,31 @@
             </a:r>
             <a:r>
               <a:rPr lang="en-SG" b="0" dirty="0"/>
-              <a:t> performed the best</a:t>
+              <a:t> performed the best as the X transformer</a:t>
             </a:r>
+          </a:p>
+          <a:p>
+            <a:pPr marL="342900" indent="-342900">
+              <a:buFont typeface="Arial" panose="020B0604020202020204" pitchFamily="34" charset="0"/>
+              <a:buChar char="•"/>
+            </a:pPr>
+            <a:endParaRPr lang="en-SG" b="0" dirty="0"/>
           </a:p>
         </p:txBody>
       </p:sp>
       <p:pic>
         <p:nvPicPr>
-          <p:cNvPr id="11" name="Content Placeholder 10">
+          <p:cNvPr id="9" name="Picture 8">
             <a:extLst>
               <a:ext uri="{FF2B5EF4-FFF2-40B4-BE49-F238E27FC236}">
-                <a16:creationId xmlns:a16="http://schemas.microsoft.com/office/drawing/2014/main" id="{7DBD04A3-29DE-49E1-AB09-B1BD06B82EA9}"/>
+                <a16:creationId xmlns:a16="http://schemas.microsoft.com/office/drawing/2014/main" id="{94E10BF3-A3C4-400E-B721-776A51FB0ABF}"/>
               </a:ext>
             </a:extLst>
           </p:cNvPr>
           <p:cNvPicPr>
-            <a:picLocks noGrp="1" noChangeAspect="1"/>
+            <a:picLocks noChangeAspect="1"/>
           </p:cNvPicPr>
-          <p:nvPr>
-            <p:ph sz="quarter" idx="4"/>
-          </p:nvPr>
+          <p:nvPr/>
         </p:nvPicPr>
         <p:blipFill>
           <a:blip r:embed="rId3"/>
@@ -20671,8 +19566,8 @@
         </p:blipFill>
         <p:spPr>
           <a:xfrm>
-            <a:off x="4867275" y="2882372"/>
-            <a:ext cx="6875706" cy="3684588"/>
+            <a:off x="4345928" y="2931284"/>
+            <a:ext cx="7613935" cy="3684588"/>
           </a:xfrm>
           <a:prstGeom prst="rect">
             <a:avLst/>
@@ -20693,220 +19588,6 @@
 </file>
 
 <file path=ppt/slides/slide8.xml><?xml version="1.0" encoding="utf-8"?>
-<p:sld xmlns:a="http://schemas.openxmlformats.org/drawingml/2006/main" xmlns:r="http://schemas.openxmlformats.org/officeDocument/2006/relationships" xmlns:p="http://schemas.openxmlformats.org/presentationml/2006/main">
-  <p:cSld>
-    <p:spTree>
-      <p:nvGrpSpPr>
-        <p:cNvPr id="1" name=""/>
-        <p:cNvGrpSpPr/>
-        <p:nvPr/>
-      </p:nvGrpSpPr>
-      <p:grpSpPr>
-        <a:xfrm>
-          <a:off x="0" y="0"/>
-          <a:ext cx="0" cy="0"/>
-          <a:chOff x="0" y="0"/>
-          <a:chExt cx="0" cy="0"/>
-        </a:xfrm>
-      </p:grpSpPr>
-      <p:sp>
-        <p:nvSpPr>
-          <p:cNvPr id="2" name="Title 1">
-            <a:extLst>
-              <a:ext uri="{FF2B5EF4-FFF2-40B4-BE49-F238E27FC236}">
-                <a16:creationId xmlns:a16="http://schemas.microsoft.com/office/drawing/2014/main" id="{415E6EAC-0B38-4D38-826C-7397EE4337DE}"/>
-              </a:ext>
-            </a:extLst>
-          </p:cNvPr>
-          <p:cNvSpPr>
-            <a:spLocks noGrp="1"/>
-          </p:cNvSpPr>
-          <p:nvPr>
-            <p:ph type="title"/>
-          </p:nvPr>
-        </p:nvSpPr>
-        <p:spPr/>
-        <p:txBody>
-          <a:bodyPr/>
-          <a:lstStyle/>
-          <a:p>
-            <a:r>
-              <a:rPr lang="en-SG" dirty="0"/>
-              <a:t>y Transformation</a:t>
-            </a:r>
-          </a:p>
-        </p:txBody>
-      </p:sp>
-      <p:sp>
-        <p:nvSpPr>
-          <p:cNvPr id="3" name="Text Placeholder 2">
-            <a:extLst>
-              <a:ext uri="{FF2B5EF4-FFF2-40B4-BE49-F238E27FC236}">
-                <a16:creationId xmlns:a16="http://schemas.microsoft.com/office/drawing/2014/main" id="{F07C81AB-F817-468F-B9C3-DE053256B7B3}"/>
-              </a:ext>
-            </a:extLst>
-          </p:cNvPr>
-          <p:cNvSpPr>
-            <a:spLocks noGrp="1"/>
-          </p:cNvSpPr>
-          <p:nvPr>
-            <p:ph type="body" idx="1"/>
-          </p:nvPr>
-        </p:nvSpPr>
-        <p:spPr/>
-        <p:txBody>
-          <a:bodyPr/>
-          <a:lstStyle/>
-          <a:p>
-            <a:r>
-              <a:rPr lang="en-SG" b="0" dirty="0"/>
-              <a:t>I defined two custom transformer classes: log and sqrt</a:t>
-            </a:r>
-          </a:p>
-        </p:txBody>
-      </p:sp>
-      <p:pic>
-        <p:nvPicPr>
-          <p:cNvPr id="8" name="Content Placeholder 7">
-            <a:extLst>
-              <a:ext uri="{FF2B5EF4-FFF2-40B4-BE49-F238E27FC236}">
-                <a16:creationId xmlns:a16="http://schemas.microsoft.com/office/drawing/2014/main" id="{7F367D40-EF5F-4DDC-BD4B-DBFDFCD32CE8}"/>
-              </a:ext>
-            </a:extLst>
-          </p:cNvPr>
-          <p:cNvPicPr>
-            <a:picLocks noGrp="1" noChangeAspect="1"/>
-          </p:cNvPicPr>
-          <p:nvPr>
-            <p:ph sz="half" idx="2"/>
-          </p:nvPr>
-        </p:nvPicPr>
-        <p:blipFill>
-          <a:blip r:embed="rId2"/>
-          <a:stretch>
-            <a:fillRect/>
-          </a:stretch>
-        </p:blipFill>
-        <p:spPr>
-          <a:xfrm>
-            <a:off x="839788" y="2882372"/>
-            <a:ext cx="3804500" cy="3684588"/>
-          </a:xfrm>
-        </p:spPr>
-      </p:pic>
-      <p:sp>
-        <p:nvSpPr>
-          <p:cNvPr id="5" name="Text Placeholder 4">
-            <a:extLst>
-              <a:ext uri="{FF2B5EF4-FFF2-40B4-BE49-F238E27FC236}">
-                <a16:creationId xmlns:a16="http://schemas.microsoft.com/office/drawing/2014/main" id="{2561F449-BFDC-4676-B88D-967B0ED82F01}"/>
-              </a:ext>
-            </a:extLst>
-          </p:cNvPr>
-          <p:cNvSpPr>
-            <a:spLocks noGrp="1"/>
-          </p:cNvSpPr>
-          <p:nvPr>
-            <p:ph type="body" sz="quarter" idx="3"/>
-          </p:nvPr>
-        </p:nvSpPr>
-        <p:spPr>
-          <a:xfrm>
-            <a:off x="6172200" y="291040"/>
-            <a:ext cx="5183188" cy="2385485"/>
-          </a:xfrm>
-        </p:spPr>
-        <p:txBody>
-          <a:bodyPr anchor="ctr"/>
-          <a:lstStyle/>
-          <a:p>
-            <a:pPr marL="342900" indent="-342900">
-              <a:buFont typeface="Arial" panose="020B0604020202020204" pitchFamily="34" charset="0"/>
-              <a:buChar char="•"/>
-            </a:pPr>
-            <a:r>
-              <a:rPr lang="en-SG" b="0" dirty="0"/>
-              <a:t>Then </a:t>
-            </a:r>
-            <a:r>
-              <a:rPr lang="en-SG" b="0" dirty="0" err="1"/>
-              <a:t>GridSearchCV</a:t>
-            </a:r>
-            <a:r>
-              <a:rPr lang="en-SG" b="0" dirty="0"/>
-              <a:t> was performed, testing out different scalers and transformers in the parameter grid</a:t>
-            </a:r>
-          </a:p>
-          <a:p>
-            <a:pPr marL="342900" indent="-342900">
-              <a:buFont typeface="Arial" panose="020B0604020202020204" pitchFamily="34" charset="0"/>
-              <a:buChar char="•"/>
-            </a:pPr>
-            <a:r>
-              <a:rPr lang="en-SG" b="0" dirty="0" err="1"/>
-              <a:t>LogTransformer</a:t>
-            </a:r>
-            <a:r>
-              <a:rPr lang="en-SG" b="0" dirty="0"/>
-              <a:t> with </a:t>
-            </a:r>
-            <a:r>
-              <a:rPr lang="en-SG" b="0" dirty="0" err="1"/>
-              <a:t>RobustScaler</a:t>
-            </a:r>
-            <a:r>
-              <a:rPr lang="en-SG" b="0" dirty="0"/>
-              <a:t> performed the best</a:t>
-            </a:r>
-          </a:p>
-        </p:txBody>
-      </p:sp>
-      <p:pic>
-        <p:nvPicPr>
-          <p:cNvPr id="11" name="Content Placeholder 10">
-            <a:extLst>
-              <a:ext uri="{FF2B5EF4-FFF2-40B4-BE49-F238E27FC236}">
-                <a16:creationId xmlns:a16="http://schemas.microsoft.com/office/drawing/2014/main" id="{7DBD04A3-29DE-49E1-AB09-B1BD06B82EA9}"/>
-              </a:ext>
-            </a:extLst>
-          </p:cNvPr>
-          <p:cNvPicPr>
-            <a:picLocks noGrp="1" noChangeAspect="1"/>
-          </p:cNvPicPr>
-          <p:nvPr>
-            <p:ph sz="quarter" idx="4"/>
-          </p:nvPr>
-        </p:nvPicPr>
-        <p:blipFill>
-          <a:blip r:embed="rId3"/>
-          <a:stretch>
-            <a:fillRect/>
-          </a:stretch>
-        </p:blipFill>
-        <p:spPr>
-          <a:xfrm>
-            <a:off x="4867275" y="2882372"/>
-            <a:ext cx="6875706" cy="3684588"/>
-          </a:xfrm>
-          <a:prstGeom prst="rect">
-            <a:avLst/>
-          </a:prstGeom>
-        </p:spPr>
-      </p:pic>
-    </p:spTree>
-    <p:extLst>
-      <p:ext uri="{BB962C8B-B14F-4D97-AF65-F5344CB8AC3E}">
-        <p14:creationId xmlns:p14="http://schemas.microsoft.com/office/powerpoint/2010/main" val="1238812841"/>
-      </p:ext>
-    </p:extLst>
-  </p:cSld>
-  <p:clrMapOvr>
-    <a:masterClrMapping/>
-  </p:clrMapOvr>
-</p:sld>
-</file>
-
-<file path=ppt/slides/slide9.xml><?xml version="1.0" encoding="utf-8"?>
 <p:sld xmlns:a="http://schemas.openxmlformats.org/drawingml/2006/main" xmlns:r="http://schemas.openxmlformats.org/officeDocument/2006/relationships" xmlns:p="http://schemas.openxmlformats.org/presentationml/2006/main">
   <p:cSld>
     <p:spTree>
@@ -21038,6 +19719,1429 @@
     <p:extLst>
       <p:ext uri="{BB962C8B-B14F-4D97-AF65-F5344CB8AC3E}">
         <p14:creationId xmlns:p14="http://schemas.microsoft.com/office/powerpoint/2010/main" val="3981084065"/>
+      </p:ext>
+    </p:extLst>
+  </p:cSld>
+  <p:clrMapOvr>
+    <a:masterClrMapping/>
+  </p:clrMapOvr>
+</p:sld>
+</file>
+
+<file path=ppt/slides/slide9.xml><?xml version="1.0" encoding="utf-8"?>
+<p:sld xmlns:a="http://schemas.openxmlformats.org/drawingml/2006/main" xmlns:r="http://schemas.openxmlformats.org/officeDocument/2006/relationships" xmlns:p="http://schemas.openxmlformats.org/presentationml/2006/main">
+  <p:cSld>
+    <p:bg>
+      <p:bgPr>
+        <a:solidFill>
+          <a:schemeClr val="bg1"/>
+        </a:solidFill>
+        <a:effectLst/>
+      </p:bgPr>
+    </p:bg>
+    <p:spTree>
+      <p:nvGrpSpPr>
+        <p:cNvPr id="1" name=""/>
+        <p:cNvGrpSpPr/>
+        <p:nvPr/>
+      </p:nvGrpSpPr>
+      <p:grpSpPr>
+        <a:xfrm>
+          <a:off x="0" y="0"/>
+          <a:ext cx="0" cy="0"/>
+          <a:chOff x="0" y="0"/>
+          <a:chExt cx="0" cy="0"/>
+        </a:xfrm>
+      </p:grpSpPr>
+      <p:sp useBgFill="1">
+        <p:nvSpPr>
+          <p:cNvPr id="14" name="Rectangle 13">
+            <a:extLst>
+              <a:ext uri="{FF2B5EF4-FFF2-40B4-BE49-F238E27FC236}">
+                <a16:creationId xmlns:a16="http://schemas.microsoft.com/office/drawing/2014/main" id="{AE6CA01B-0DEB-4E9A-9768-B728DA42C1D4}"/>
+              </a:ext>
+              <a:ext uri="{C183D7F6-B498-43B3-948B-1728B52AA6E4}">
+                <adec:decorative xmlns:adec="http://schemas.microsoft.com/office/drawing/2017/decorative" val="1"/>
+              </a:ext>
+            </a:extLst>
+          </p:cNvPr>
+          <p:cNvSpPr>
+            <a:spLocks noGrp="1" noRot="1" noChangeAspect="1" noMove="1" noResize="1" noEditPoints="1" noAdjustHandles="1" noChangeArrowheads="1" noChangeShapeType="1" noTextEdit="1"/>
+          </p:cNvSpPr>
+          <p:nvPr>
+            <p:extLst>
+              <p:ext uri="{386F3935-93C4-4BCD-93E2-E3B085C9AB24}">
+                <p16:designElem xmlns:p16="http://schemas.microsoft.com/office/powerpoint/2015/main" val="1"/>
+              </p:ext>
+            </p:extLst>
+          </p:nvPr>
+        </p:nvSpPr>
+        <p:spPr>
+          <a:xfrm>
+            <a:off x="0" y="0"/>
+            <a:ext cx="12191695" cy="6858000"/>
+          </a:xfrm>
+          <a:prstGeom prst="rect">
+            <a:avLst/>
+          </a:prstGeom>
+          <a:ln>
+            <a:noFill/>
+          </a:ln>
+        </p:spPr>
+        <p:style>
+          <a:lnRef idx="2">
+            <a:schemeClr val="accent1">
+              <a:shade val="50000"/>
+            </a:schemeClr>
+          </a:lnRef>
+          <a:fillRef idx="1">
+            <a:schemeClr val="accent1"/>
+          </a:fillRef>
+          <a:effectRef idx="0">
+            <a:schemeClr val="accent1"/>
+          </a:effectRef>
+          <a:fontRef idx="minor">
+            <a:schemeClr val="lt1"/>
+          </a:fontRef>
+        </p:style>
+        <p:txBody>
+          <a:bodyPr rtlCol="0" anchor="ctr"/>
+          <a:lstStyle/>
+          <a:p>
+            <a:pPr algn="ctr"/>
+            <a:endParaRPr lang="en-US"/>
+          </a:p>
+        </p:txBody>
+      </p:sp>
+      <p:sp>
+        <p:nvSpPr>
+          <p:cNvPr id="2" name="Title 1">
+            <a:extLst>
+              <a:ext uri="{FF2B5EF4-FFF2-40B4-BE49-F238E27FC236}">
+                <a16:creationId xmlns:a16="http://schemas.microsoft.com/office/drawing/2014/main" id="{3314C58D-A3CB-4FB8-B64E-EA45832C235C}"/>
+              </a:ext>
+            </a:extLst>
+          </p:cNvPr>
+          <p:cNvSpPr>
+            <a:spLocks noGrp="1"/>
+          </p:cNvSpPr>
+          <p:nvPr>
+            <p:ph type="title"/>
+          </p:nvPr>
+        </p:nvSpPr>
+        <p:spPr>
+          <a:xfrm>
+            <a:off x="828961" y="1060766"/>
+            <a:ext cx="4572287" cy="1037688"/>
+          </a:xfrm>
+        </p:spPr>
+        <p:txBody>
+          <a:bodyPr anchor="t">
+            <a:normAutofit/>
+          </a:bodyPr>
+          <a:lstStyle/>
+          <a:p>
+            <a:r>
+              <a:rPr lang="en-SG" dirty="0">
+                <a:solidFill>
+                  <a:schemeClr val="tx2"/>
+                </a:solidFill>
+              </a:rPr>
+              <a:t>Model Evaluation</a:t>
+            </a:r>
+          </a:p>
+        </p:txBody>
+      </p:sp>
+      <p:grpSp>
+        <p:nvGrpSpPr>
+          <p:cNvPr id="16" name="Group 15">
+            <a:extLst>
+              <a:ext uri="{FF2B5EF4-FFF2-40B4-BE49-F238E27FC236}">
+                <a16:creationId xmlns:a16="http://schemas.microsoft.com/office/drawing/2014/main" id="{A57D8C8E-634E-4E83-9657-225A4DFE47ED}"/>
+              </a:ext>
+              <a:ext uri="{C183D7F6-B498-43B3-948B-1728B52AA6E4}">
+                <adec:decorative xmlns:adec="http://schemas.microsoft.com/office/drawing/2017/decorative" val="1"/>
+              </a:ext>
+            </a:extLst>
+          </p:cNvPr>
+          <p:cNvGrpSpPr>
+            <a:grpSpLocks noGrp="1" noUngrp="1" noRot="1" noChangeAspect="1" noMove="1" noResize="1"/>
+          </p:cNvGrpSpPr>
+          <p:nvPr>
+            <p:extLst>
+              <p:ext uri="{386F3935-93C4-4BCD-93E2-E3B085C9AB24}">
+                <p16:designElem xmlns:p16="http://schemas.microsoft.com/office/powerpoint/2015/main" val="1"/>
+              </p:ext>
+            </p:extLst>
+          </p:nvPr>
+        </p:nvGrpSpPr>
+        <p:grpSpPr>
+          <a:xfrm>
+            <a:off x="0" y="-4155"/>
+            <a:ext cx="2514948" cy="2174333"/>
+            <a:chOff x="-305" y="-4155"/>
+            <a:chExt cx="2514948" cy="2174333"/>
+          </a:xfrm>
+        </p:grpSpPr>
+        <p:sp>
+          <p:nvSpPr>
+            <p:cNvPr id="17" name="Freeform: Shape 16">
+              <a:extLst>
+                <a:ext uri="{FF2B5EF4-FFF2-40B4-BE49-F238E27FC236}">
+                  <a16:creationId xmlns:a16="http://schemas.microsoft.com/office/drawing/2014/main" id="{9D5D1578-BE90-4A7E-9856-BB4025E5AE7C}"/>
+                </a:ext>
+                <a:ext uri="{C183D7F6-B498-43B3-948B-1728B52AA6E4}">
+                  <adec:decorative xmlns:adec="http://schemas.microsoft.com/office/drawing/2017/decorative" val="1"/>
+                </a:ext>
+              </a:extLst>
+            </p:cNvPr>
+            <p:cNvSpPr/>
+            <p:nvPr>
+              <p:extLst>
+                <p:ext uri="{386F3935-93C4-4BCD-93E2-E3B085C9AB24}">
+                  <p16:designElem xmlns:p16="http://schemas.microsoft.com/office/powerpoint/2015/main" val="1"/>
+                </p:ext>
+              </p:extLst>
+            </p:nvPr>
+          </p:nvSpPr>
+          <p:spPr>
+            <a:xfrm>
+              <a:off x="-305" y="0"/>
+              <a:ext cx="2514948" cy="2170178"/>
+            </a:xfrm>
+            <a:custGeom>
+              <a:avLst/>
+              <a:gdLst>
+                <a:gd name="connsiteX0" fmla="*/ 2466091 w 2514948"/>
+                <a:gd name="connsiteY0" fmla="*/ 0 h 2170178"/>
+                <a:gd name="connsiteX1" fmla="*/ 2514948 w 2514948"/>
+                <a:gd name="connsiteY1" fmla="*/ 0 h 2170178"/>
+                <a:gd name="connsiteX2" fmla="*/ 2512286 w 2514948"/>
+                <a:gd name="connsiteY2" fmla="*/ 12375 h 2170178"/>
+                <a:gd name="connsiteX3" fmla="*/ 2394961 w 2514948"/>
+                <a:gd name="connsiteY3" fmla="*/ 368660 h 2170178"/>
+                <a:gd name="connsiteX4" fmla="*/ 2289734 w 2514948"/>
+                <a:gd name="connsiteY4" fmla="*/ 598078 h 2170178"/>
+                <a:gd name="connsiteX5" fmla="*/ 2163747 w 2514948"/>
+                <a:gd name="connsiteY5" fmla="*/ 819078 h 2170178"/>
+                <a:gd name="connsiteX6" fmla="*/ 1852241 w 2514948"/>
+                <a:gd name="connsiteY6" fmla="*/ 1228932 h 2170178"/>
+                <a:gd name="connsiteX7" fmla="*/ 1668235 w 2514948"/>
+                <a:gd name="connsiteY7" fmla="*/ 1413844 h 2170178"/>
+                <a:gd name="connsiteX8" fmla="*/ 1619510 w 2514948"/>
+                <a:gd name="connsiteY8" fmla="*/ 1457722 h 2170178"/>
+                <a:gd name="connsiteX9" fmla="*/ 1569835 w 2514948"/>
+                <a:gd name="connsiteY9" fmla="*/ 1500704 h 2170178"/>
+                <a:gd name="connsiteX10" fmla="*/ 1467169 w 2514948"/>
+                <a:gd name="connsiteY10" fmla="*/ 1583266 h 2170178"/>
+                <a:gd name="connsiteX11" fmla="*/ 1018393 w 2514948"/>
+                <a:gd name="connsiteY11" fmla="*/ 1867576 h 2170178"/>
+                <a:gd name="connsiteX12" fmla="*/ 255857 w 2514948"/>
+                <a:gd name="connsiteY12" fmla="*/ 2133049 h 2170178"/>
+                <a:gd name="connsiteX13" fmla="*/ 0 w 2514948"/>
+                <a:gd name="connsiteY13" fmla="*/ 2170178 h 2170178"/>
+                <a:gd name="connsiteX14" fmla="*/ 0 w 2514948"/>
+                <a:gd name="connsiteY14" fmla="*/ 1940056 h 2170178"/>
+                <a:gd name="connsiteX15" fmla="*/ 201609 w 2514948"/>
+                <a:gd name="connsiteY15" fmla="*/ 1902856 h 2170178"/>
+                <a:gd name="connsiteX16" fmla="*/ 440974 w 2514948"/>
+                <a:gd name="connsiteY16" fmla="*/ 1838472 h 2170178"/>
+                <a:gd name="connsiteX17" fmla="*/ 674558 w 2514948"/>
+                <a:gd name="connsiteY17" fmla="*/ 1756359 h 2170178"/>
+                <a:gd name="connsiteX18" fmla="*/ 901222 w 2514948"/>
+                <a:gd name="connsiteY18" fmla="*/ 1657142 h 2170178"/>
+                <a:gd name="connsiteX19" fmla="*/ 1330943 w 2514948"/>
+                <a:gd name="connsiteY19" fmla="*/ 1413396 h 2170178"/>
+                <a:gd name="connsiteX20" fmla="*/ 1432566 w 2514948"/>
+                <a:gd name="connsiteY20" fmla="*/ 1343193 h 2170178"/>
+                <a:gd name="connsiteX21" fmla="*/ 1482527 w 2514948"/>
+                <a:gd name="connsiteY21" fmla="*/ 1306926 h 2170178"/>
+                <a:gd name="connsiteX22" fmla="*/ 1531821 w 2514948"/>
+                <a:gd name="connsiteY22" fmla="*/ 1269765 h 2170178"/>
+                <a:gd name="connsiteX23" fmla="*/ 1721986 w 2514948"/>
+                <a:gd name="connsiteY23" fmla="*/ 1112073 h 2170178"/>
+                <a:gd name="connsiteX24" fmla="*/ 2061460 w 2514948"/>
+                <a:gd name="connsiteY24" fmla="*/ 754336 h 2170178"/>
+                <a:gd name="connsiteX25" fmla="*/ 2206218 w 2514948"/>
+                <a:gd name="connsiteY25" fmla="*/ 554827 h 2170178"/>
+                <a:gd name="connsiteX26" fmla="*/ 2329455 w 2514948"/>
+                <a:gd name="connsiteY26" fmla="*/ 341886 h 2170178"/>
+                <a:gd name="connsiteX27" fmla="*/ 2356757 w 2514948"/>
+                <a:gd name="connsiteY27" fmla="*/ 286815 h 2170178"/>
+                <a:gd name="connsiteX28" fmla="*/ 2370030 w 2514948"/>
+                <a:gd name="connsiteY28" fmla="*/ 259056 h 2170178"/>
+                <a:gd name="connsiteX29" fmla="*/ 2382637 w 2514948"/>
+                <a:gd name="connsiteY29" fmla="*/ 231028 h 2170178"/>
+                <a:gd name="connsiteX30" fmla="*/ 2406716 w 2514948"/>
+                <a:gd name="connsiteY30" fmla="*/ 174525 h 2170178"/>
+                <a:gd name="connsiteX31" fmla="*/ 2429278 w 2514948"/>
+                <a:gd name="connsiteY31" fmla="*/ 117393 h 2170178"/>
+              </a:gdLst>
+              <a:ahLst/>
+              <a:cxnLst>
+                <a:cxn ang="0">
+                  <a:pos x="connsiteX0" y="connsiteY0"/>
+                </a:cxn>
+                <a:cxn ang="0">
+                  <a:pos x="connsiteX1" y="connsiteY1"/>
+                </a:cxn>
+                <a:cxn ang="0">
+                  <a:pos x="connsiteX2" y="connsiteY2"/>
+                </a:cxn>
+                <a:cxn ang="0">
+                  <a:pos x="connsiteX3" y="connsiteY3"/>
+                </a:cxn>
+                <a:cxn ang="0">
+                  <a:pos x="connsiteX4" y="connsiteY4"/>
+                </a:cxn>
+                <a:cxn ang="0">
+                  <a:pos x="connsiteX5" y="connsiteY5"/>
+                </a:cxn>
+                <a:cxn ang="0">
+                  <a:pos x="connsiteX6" y="connsiteY6"/>
+                </a:cxn>
+                <a:cxn ang="0">
+                  <a:pos x="connsiteX7" y="connsiteY7"/>
+                </a:cxn>
+                <a:cxn ang="0">
+                  <a:pos x="connsiteX8" y="connsiteY8"/>
+                </a:cxn>
+                <a:cxn ang="0">
+                  <a:pos x="connsiteX9" y="connsiteY9"/>
+                </a:cxn>
+                <a:cxn ang="0">
+                  <a:pos x="connsiteX10" y="connsiteY10"/>
+                </a:cxn>
+                <a:cxn ang="0">
+                  <a:pos x="connsiteX11" y="connsiteY11"/>
+                </a:cxn>
+                <a:cxn ang="0">
+                  <a:pos x="connsiteX12" y="connsiteY12"/>
+                </a:cxn>
+                <a:cxn ang="0">
+                  <a:pos x="connsiteX13" y="connsiteY13"/>
+                </a:cxn>
+                <a:cxn ang="0">
+                  <a:pos x="connsiteX14" y="connsiteY14"/>
+                </a:cxn>
+                <a:cxn ang="0">
+                  <a:pos x="connsiteX15" y="connsiteY15"/>
+                </a:cxn>
+                <a:cxn ang="0">
+                  <a:pos x="connsiteX16" y="connsiteY16"/>
+                </a:cxn>
+                <a:cxn ang="0">
+                  <a:pos x="connsiteX17" y="connsiteY17"/>
+                </a:cxn>
+                <a:cxn ang="0">
+                  <a:pos x="connsiteX18" y="connsiteY18"/>
+                </a:cxn>
+                <a:cxn ang="0">
+                  <a:pos x="connsiteX19" y="connsiteY19"/>
+                </a:cxn>
+                <a:cxn ang="0">
+                  <a:pos x="connsiteX20" y="connsiteY20"/>
+                </a:cxn>
+                <a:cxn ang="0">
+                  <a:pos x="connsiteX21" y="connsiteY21"/>
+                </a:cxn>
+                <a:cxn ang="0">
+                  <a:pos x="connsiteX22" y="connsiteY22"/>
+                </a:cxn>
+                <a:cxn ang="0">
+                  <a:pos x="connsiteX23" y="connsiteY23"/>
+                </a:cxn>
+                <a:cxn ang="0">
+                  <a:pos x="connsiteX24" y="connsiteY24"/>
+                </a:cxn>
+                <a:cxn ang="0">
+                  <a:pos x="connsiteX25" y="connsiteY25"/>
+                </a:cxn>
+                <a:cxn ang="0">
+                  <a:pos x="connsiteX26" y="connsiteY26"/>
+                </a:cxn>
+                <a:cxn ang="0">
+                  <a:pos x="connsiteX27" y="connsiteY27"/>
+                </a:cxn>
+                <a:cxn ang="0">
+                  <a:pos x="connsiteX28" y="connsiteY28"/>
+                </a:cxn>
+                <a:cxn ang="0">
+                  <a:pos x="connsiteX29" y="connsiteY29"/>
+                </a:cxn>
+                <a:cxn ang="0">
+                  <a:pos x="connsiteX30" y="connsiteY30"/>
+                </a:cxn>
+                <a:cxn ang="0">
+                  <a:pos x="connsiteX31" y="connsiteY31"/>
+                </a:cxn>
+              </a:cxnLst>
+              <a:rect l="l" t="t" r="r" b="b"/>
+              <a:pathLst>
+                <a:path w="2514948" h="2170178">
+                  <a:moveTo>
+                    <a:pt x="2466091" y="0"/>
+                  </a:moveTo>
+                  <a:lnTo>
+                    <a:pt x="2514948" y="0"/>
+                  </a:lnTo>
+                  <a:lnTo>
+                    <a:pt x="2512286" y="12375"/>
+                  </a:lnTo>
+                  <a:cubicBezTo>
+                    <a:pt x="2481760" y="133161"/>
+                    <a:pt x="2442526" y="252239"/>
+                    <a:pt x="2394961" y="368660"/>
+                  </a:cubicBezTo>
+                  <a:cubicBezTo>
+                    <a:pt x="2363109" y="446208"/>
+                    <a:pt x="2328603" y="523039"/>
+                    <a:pt x="2289734" y="598078"/>
+                  </a:cubicBezTo>
+                  <a:cubicBezTo>
+                    <a:pt x="2251436" y="673387"/>
+                    <a:pt x="2209251" y="747083"/>
+                    <a:pt x="2163747" y="819078"/>
+                  </a:cubicBezTo>
+                  <a:cubicBezTo>
+                    <a:pt x="2072646" y="962979"/>
+                    <a:pt x="1968652" y="1100611"/>
+                    <a:pt x="1852241" y="1228932"/>
+                  </a:cubicBezTo>
+                  <a:cubicBezTo>
+                    <a:pt x="1793748" y="1292868"/>
+                    <a:pt x="1732698" y="1354923"/>
+                    <a:pt x="1668235" y="1413844"/>
+                  </a:cubicBezTo>
+                  <a:cubicBezTo>
+                    <a:pt x="1652214" y="1428709"/>
+                    <a:pt x="1636100" y="1443395"/>
+                    <a:pt x="1619510" y="1457722"/>
+                  </a:cubicBezTo>
+                  <a:cubicBezTo>
+                    <a:pt x="1603015" y="1472140"/>
+                    <a:pt x="1586805" y="1486825"/>
+                    <a:pt x="1569835" y="1500704"/>
+                  </a:cubicBezTo>
+                  <a:cubicBezTo>
+                    <a:pt x="1536276" y="1528911"/>
+                    <a:pt x="1501865" y="1556223"/>
+                    <a:pt x="1467169" y="1583266"/>
+                  </a:cubicBezTo>
+                  <a:cubicBezTo>
+                    <a:pt x="1327719" y="1690722"/>
+                    <a:pt x="1177085" y="1785910"/>
+                    <a:pt x="1018393" y="1867576"/>
+                  </a:cubicBezTo>
+                  <a:cubicBezTo>
+                    <a:pt x="780425" y="1990142"/>
+                    <a:pt x="522567" y="2080875"/>
+                    <a:pt x="255857" y="2133049"/>
+                  </a:cubicBezTo>
+                  <a:lnTo>
+                    <a:pt x="0" y="2170178"/>
+                  </a:lnTo>
+                  <a:lnTo>
+                    <a:pt x="0" y="1940056"/>
+                  </a:lnTo>
+                  <a:lnTo>
+                    <a:pt x="201609" y="1902856"/>
+                  </a:lnTo>
+                  <a:cubicBezTo>
+                    <a:pt x="282186" y="1884231"/>
+                    <a:pt x="362102" y="1863008"/>
+                    <a:pt x="440974" y="1838472"/>
+                  </a:cubicBezTo>
+                  <a:cubicBezTo>
+                    <a:pt x="519848" y="1814027"/>
+                    <a:pt x="597771" y="1786627"/>
+                    <a:pt x="674558" y="1756359"/>
+                  </a:cubicBezTo>
+                  <a:cubicBezTo>
+                    <a:pt x="751250" y="1726003"/>
+                    <a:pt x="826900" y="1692870"/>
+                    <a:pt x="901222" y="1657142"/>
+                  </a:cubicBezTo>
+                  <a:cubicBezTo>
+                    <a:pt x="1049865" y="1585774"/>
+                    <a:pt x="1193581" y="1504376"/>
+                    <a:pt x="1330943" y="1413396"/>
+                  </a:cubicBezTo>
+                  <a:cubicBezTo>
+                    <a:pt x="1365165" y="1390563"/>
+                    <a:pt x="1399293" y="1367370"/>
+                    <a:pt x="1432566" y="1343193"/>
+                  </a:cubicBezTo>
+                  <a:cubicBezTo>
+                    <a:pt x="1449441" y="1331373"/>
+                    <a:pt x="1465936" y="1319104"/>
+                    <a:pt x="1482527" y="1306926"/>
+                  </a:cubicBezTo>
+                  <a:cubicBezTo>
+                    <a:pt x="1499210" y="1294837"/>
+                    <a:pt x="1515611" y="1282391"/>
+                    <a:pt x="1531821" y="1269765"/>
+                  </a:cubicBezTo>
+                  <a:cubicBezTo>
+                    <a:pt x="1596947" y="1219350"/>
+                    <a:pt x="1660652" y="1167055"/>
+                    <a:pt x="1721986" y="1112073"/>
+                  </a:cubicBezTo>
+                  <a:cubicBezTo>
+                    <a:pt x="1844940" y="1002469"/>
+                    <a:pt x="1958983" y="882926"/>
+                    <a:pt x="2061460" y="754336"/>
+                  </a:cubicBezTo>
+                  <a:cubicBezTo>
+                    <a:pt x="2112652" y="690042"/>
+                    <a:pt x="2161094" y="623510"/>
+                    <a:pt x="2206218" y="554827"/>
+                  </a:cubicBezTo>
+                  <a:cubicBezTo>
+                    <a:pt x="2250583" y="485787"/>
+                    <a:pt x="2292484" y="415046"/>
+                    <a:pt x="2329455" y="341886"/>
+                  </a:cubicBezTo>
+                  <a:cubicBezTo>
+                    <a:pt x="2339030" y="323709"/>
+                    <a:pt x="2347941" y="305261"/>
+                    <a:pt x="2356757" y="286815"/>
+                  </a:cubicBezTo>
+                  <a:lnTo>
+                    <a:pt x="2370030" y="259056"/>
+                  </a:lnTo>
+                  <a:lnTo>
+                    <a:pt x="2382637" y="231028"/>
+                  </a:lnTo>
+                  <a:cubicBezTo>
+                    <a:pt x="2390885" y="212312"/>
+                    <a:pt x="2399227" y="193598"/>
+                    <a:pt x="2406716" y="174525"/>
+                  </a:cubicBezTo>
+                  <a:cubicBezTo>
+                    <a:pt x="2414206" y="155452"/>
+                    <a:pt x="2422453" y="136646"/>
+                    <a:pt x="2429278" y="117393"/>
+                  </a:cubicBezTo>
+                  <a:close/>
+                </a:path>
+              </a:pathLst>
+            </a:custGeom>
+            <a:gradFill>
+              <a:gsLst>
+                <a:gs pos="2000">
+                  <a:schemeClr val="bg1">
+                    <a:alpha val="10000"/>
+                  </a:schemeClr>
+                </a:gs>
+                <a:gs pos="16000">
+                  <a:schemeClr val="accent6">
+                    <a:alpha val="10000"/>
+                  </a:schemeClr>
+                </a:gs>
+                <a:gs pos="100000">
+                  <a:schemeClr val="bg1">
+                    <a:alpha val="10000"/>
+                  </a:schemeClr>
+                </a:gs>
+                <a:gs pos="85000">
+                  <a:schemeClr val="accent1">
+                    <a:alpha val="10000"/>
+                  </a:schemeClr>
+                </a:gs>
+              </a:gsLst>
+              <a:lin ang="12000000" scaled="0"/>
+            </a:gradFill>
+            <a:ln>
+              <a:noFill/>
+            </a:ln>
+          </p:spPr>
+          <p:style>
+            <a:lnRef idx="2">
+              <a:schemeClr val="accent1">
+                <a:shade val="50000"/>
+              </a:schemeClr>
+            </a:lnRef>
+            <a:fillRef idx="1">
+              <a:schemeClr val="accent1"/>
+            </a:fillRef>
+            <a:effectRef idx="0">
+              <a:schemeClr val="accent1"/>
+            </a:effectRef>
+            <a:fontRef idx="minor">
+              <a:schemeClr val="lt1"/>
+            </a:fontRef>
+          </p:style>
+          <p:txBody>
+            <a:bodyPr rtlCol="0" anchor="ctr"/>
+            <a:lstStyle/>
+            <a:p>
+              <a:pPr algn="ctr"/>
+              <a:endParaRPr lang="en-US"/>
+            </a:p>
+          </p:txBody>
+        </p:sp>
+        <p:sp>
+          <p:nvSpPr>
+            <p:cNvPr id="18" name="Freeform: Shape 17">
+              <a:extLst>
+                <a:ext uri="{FF2B5EF4-FFF2-40B4-BE49-F238E27FC236}">
+                  <a16:creationId xmlns:a16="http://schemas.microsoft.com/office/drawing/2014/main" id="{18ADDDE1-EC05-4BE5-9866-89714E0B73B1}"/>
+                </a:ext>
+                <a:ext uri="{C183D7F6-B498-43B3-948B-1728B52AA6E4}">
+                  <adec:decorative xmlns:adec="http://schemas.microsoft.com/office/drawing/2017/decorative" val="1"/>
+                </a:ext>
+              </a:extLst>
+            </p:cNvPr>
+            <p:cNvSpPr/>
+            <p:nvPr>
+              <p:extLst>
+                <p:ext uri="{386F3935-93C4-4BCD-93E2-E3B085C9AB24}">
+                  <p16:designElem xmlns:p16="http://schemas.microsoft.com/office/powerpoint/2015/main" val="1"/>
+                </p:ext>
+              </p:extLst>
+            </p:nvPr>
+          </p:nvSpPr>
+          <p:spPr>
+            <a:xfrm>
+              <a:off x="-305" y="-4155"/>
+              <a:ext cx="2493062" cy="1947896"/>
+            </a:xfrm>
+            <a:custGeom>
+              <a:avLst/>
+              <a:gdLst>
+                <a:gd name="connsiteX0" fmla="*/ 1896911 w 2493062"/>
+                <a:gd name="connsiteY0" fmla="*/ 0 h 1947896"/>
+                <a:gd name="connsiteX1" fmla="*/ 2493062 w 2493062"/>
+                <a:gd name="connsiteY1" fmla="*/ 0 h 1947896"/>
+                <a:gd name="connsiteX2" fmla="*/ 2435315 w 2493062"/>
+                <a:gd name="connsiteY2" fmla="*/ 178165 h 1947896"/>
+                <a:gd name="connsiteX3" fmla="*/ 93066 w 2493062"/>
+                <a:gd name="connsiteY3" fmla="*/ 1935859 h 1947896"/>
+                <a:gd name="connsiteX4" fmla="*/ 0 w 2493062"/>
+                <a:gd name="connsiteY4" fmla="*/ 1947896 h 1947896"/>
+                <a:gd name="connsiteX5" fmla="*/ 0 w 2493062"/>
+                <a:gd name="connsiteY5" fmla="*/ 1404756 h 1947896"/>
+                <a:gd name="connsiteX6" fmla="*/ 17392 w 2493062"/>
+                <a:gd name="connsiteY6" fmla="*/ 1402364 h 1947896"/>
+                <a:gd name="connsiteX7" fmla="*/ 464249 w 2493062"/>
+                <a:gd name="connsiteY7" fmla="*/ 1281208 h 1947896"/>
+                <a:gd name="connsiteX8" fmla="*/ 1260556 w 2493062"/>
+                <a:gd name="connsiteY8" fmla="*/ 833835 h 1947896"/>
+                <a:gd name="connsiteX9" fmla="*/ 1807924 w 2493062"/>
+                <a:gd name="connsiteY9" fmla="*/ 193222 h 1947896"/>
+                <a:gd name="connsiteX10" fmla="*/ 1874357 w 2493062"/>
+                <a:gd name="connsiteY10" fmla="*/ 58333 h 1947896"/>
+              </a:gdLst>
+              <a:ahLst/>
+              <a:cxnLst>
+                <a:cxn ang="0">
+                  <a:pos x="connsiteX0" y="connsiteY0"/>
+                </a:cxn>
+                <a:cxn ang="0">
+                  <a:pos x="connsiteX1" y="connsiteY1"/>
+                </a:cxn>
+                <a:cxn ang="0">
+                  <a:pos x="connsiteX2" y="connsiteY2"/>
+                </a:cxn>
+                <a:cxn ang="0">
+                  <a:pos x="connsiteX3" y="connsiteY3"/>
+                </a:cxn>
+                <a:cxn ang="0">
+                  <a:pos x="connsiteX4" y="connsiteY4"/>
+                </a:cxn>
+                <a:cxn ang="0">
+                  <a:pos x="connsiteX5" y="connsiteY5"/>
+                </a:cxn>
+                <a:cxn ang="0">
+                  <a:pos x="connsiteX6" y="connsiteY6"/>
+                </a:cxn>
+                <a:cxn ang="0">
+                  <a:pos x="connsiteX7" y="connsiteY7"/>
+                </a:cxn>
+                <a:cxn ang="0">
+                  <a:pos x="connsiteX8" y="connsiteY8"/>
+                </a:cxn>
+                <a:cxn ang="0">
+                  <a:pos x="connsiteX9" y="connsiteY9"/>
+                </a:cxn>
+                <a:cxn ang="0">
+                  <a:pos x="connsiteX10" y="connsiteY10"/>
+                </a:cxn>
+              </a:cxnLst>
+              <a:rect l="l" t="t" r="r" b="b"/>
+              <a:pathLst>
+                <a:path w="2493062" h="1947896">
+                  <a:moveTo>
+                    <a:pt x="1896911" y="0"/>
+                  </a:moveTo>
+                  <a:lnTo>
+                    <a:pt x="2493062" y="0"/>
+                  </a:lnTo>
+                  <a:lnTo>
+                    <a:pt x="2435315" y="178165"/>
+                  </a:lnTo>
+                  <a:cubicBezTo>
+                    <a:pt x="2088122" y="1071812"/>
+                    <a:pt x="1129732" y="1758033"/>
+                    <a:pt x="93066" y="1935859"/>
+                  </a:cubicBezTo>
+                  <a:lnTo>
+                    <a:pt x="0" y="1947896"/>
+                  </a:lnTo>
+                  <a:lnTo>
+                    <a:pt x="0" y="1404756"/>
+                  </a:lnTo>
+                  <a:lnTo>
+                    <a:pt x="17392" y="1402364"/>
+                  </a:lnTo>
+                  <a:cubicBezTo>
+                    <a:pt x="167719" y="1375030"/>
+                    <a:pt x="318070" y="1334398"/>
+                    <a:pt x="464249" y="1281208"/>
+                  </a:cubicBezTo>
+                  <a:cubicBezTo>
+                    <a:pt x="753480" y="1176081"/>
+                    <a:pt x="1028869" y="1021346"/>
+                    <a:pt x="1260556" y="833835"/>
+                  </a:cubicBezTo>
+                  <a:cubicBezTo>
+                    <a:pt x="1491960" y="646594"/>
+                    <a:pt x="1681177" y="425056"/>
+                    <a:pt x="1807924" y="193222"/>
+                  </a:cubicBezTo>
+                  <a:cubicBezTo>
+                    <a:pt x="1832328" y="148578"/>
+                    <a:pt x="1854477" y="103599"/>
+                    <a:pt x="1874357" y="58333"/>
+                  </a:cubicBezTo>
+                  <a:close/>
+                </a:path>
+              </a:pathLst>
+            </a:custGeom>
+            <a:gradFill>
+              <a:gsLst>
+                <a:gs pos="2000">
+                  <a:schemeClr val="bg1">
+                    <a:alpha val="10000"/>
+                  </a:schemeClr>
+                </a:gs>
+                <a:gs pos="16000">
+                  <a:schemeClr val="accent6">
+                    <a:alpha val="10000"/>
+                  </a:schemeClr>
+                </a:gs>
+                <a:gs pos="100000">
+                  <a:schemeClr val="bg1">
+                    <a:alpha val="10000"/>
+                  </a:schemeClr>
+                </a:gs>
+                <a:gs pos="85000">
+                  <a:schemeClr val="accent1">
+                    <a:alpha val="10000"/>
+                  </a:schemeClr>
+                </a:gs>
+              </a:gsLst>
+              <a:lin ang="12000000" scaled="0"/>
+            </a:gradFill>
+            <a:ln>
+              <a:noFill/>
+            </a:ln>
+          </p:spPr>
+          <p:style>
+            <a:lnRef idx="2">
+              <a:schemeClr val="accent1">
+                <a:shade val="50000"/>
+              </a:schemeClr>
+            </a:lnRef>
+            <a:fillRef idx="1">
+              <a:schemeClr val="accent1"/>
+            </a:fillRef>
+            <a:effectRef idx="0">
+              <a:schemeClr val="accent1"/>
+            </a:effectRef>
+            <a:fontRef idx="minor">
+              <a:schemeClr val="lt1"/>
+            </a:fontRef>
+          </p:style>
+          <p:txBody>
+            <a:bodyPr rtlCol="0" anchor="ctr"/>
+            <a:lstStyle/>
+            <a:p>
+              <a:pPr algn="ctr"/>
+              <a:endParaRPr lang="en-US"/>
+            </a:p>
+          </p:txBody>
+        </p:sp>
+        <p:sp>
+          <p:nvSpPr>
+            <p:cNvPr id="19" name="Freeform: Shape 18">
+              <a:extLst>
+                <a:ext uri="{FF2B5EF4-FFF2-40B4-BE49-F238E27FC236}">
+                  <a16:creationId xmlns:a16="http://schemas.microsoft.com/office/drawing/2014/main" id="{0A118A52-E1FF-455C-B1A1-1CF50EE05908}"/>
+                </a:ext>
+                <a:ext uri="{C183D7F6-B498-43B3-948B-1728B52AA6E4}">
+                  <adec:decorative xmlns:adec="http://schemas.microsoft.com/office/drawing/2017/decorative" val="1"/>
+                </a:ext>
+              </a:extLst>
+            </p:cNvPr>
+            <p:cNvSpPr/>
+            <p:nvPr>
+              <p:extLst>
+                <p:ext uri="{386F3935-93C4-4BCD-93E2-E3B085C9AB24}">
+                  <p16:designElem xmlns:p16="http://schemas.microsoft.com/office/powerpoint/2015/main" val="1"/>
+                </p:ext>
+              </p:extLst>
+            </p:nvPr>
+          </p:nvSpPr>
+          <p:spPr>
+            <a:xfrm>
+              <a:off x="-305" y="0"/>
+              <a:ext cx="2501089" cy="1972702"/>
+            </a:xfrm>
+            <a:custGeom>
+              <a:avLst/>
+              <a:gdLst>
+                <a:gd name="connsiteX0" fmla="*/ 2318728 w 2501089"/>
+                <a:gd name="connsiteY0" fmla="*/ 0 h 1972702"/>
+                <a:gd name="connsiteX1" fmla="*/ 2501089 w 2501089"/>
+                <a:gd name="connsiteY1" fmla="*/ 0 h 1972702"/>
+                <a:gd name="connsiteX2" fmla="*/ 2453909 w 2501089"/>
+                <a:gd name="connsiteY2" fmla="*/ 167837 h 1972702"/>
+                <a:gd name="connsiteX3" fmla="*/ 2361125 w 2501089"/>
+                <a:gd name="connsiteY3" fmla="*/ 392084 h 1972702"/>
+                <a:gd name="connsiteX4" fmla="*/ 1768255 w 2501089"/>
+                <a:gd name="connsiteY4" fmla="*/ 1167644 h 1972702"/>
+                <a:gd name="connsiteX5" fmla="*/ 1375125 w 2501089"/>
+                <a:gd name="connsiteY5" fmla="*/ 1471474 h 1972702"/>
+                <a:gd name="connsiteX6" fmla="*/ 935735 w 2501089"/>
+                <a:gd name="connsiteY6" fmla="*/ 1712713 h 1972702"/>
+                <a:gd name="connsiteX7" fmla="*/ 212353 w 2501089"/>
+                <a:gd name="connsiteY7" fmla="*/ 1940294 h 1972702"/>
+                <a:gd name="connsiteX8" fmla="*/ 0 w 2501089"/>
+                <a:gd name="connsiteY8" fmla="*/ 1972702 h 1972702"/>
+                <a:gd name="connsiteX9" fmla="*/ 0 w 2501089"/>
+                <a:gd name="connsiteY9" fmla="*/ 1732181 h 1972702"/>
+                <a:gd name="connsiteX10" fmla="*/ 161195 w 2501089"/>
+                <a:gd name="connsiteY10" fmla="*/ 1706590 h 1972702"/>
+                <a:gd name="connsiteX11" fmla="*/ 388463 w 2501089"/>
+                <a:gd name="connsiteY11" fmla="*/ 1652268 h 1972702"/>
+                <a:gd name="connsiteX12" fmla="*/ 826716 w 2501089"/>
+                <a:gd name="connsiteY12" fmla="*/ 1493950 h 1972702"/>
+                <a:gd name="connsiteX13" fmla="*/ 1609847 w 2501089"/>
+                <a:gd name="connsiteY13" fmla="*/ 1007535 h 1972702"/>
+                <a:gd name="connsiteX14" fmla="*/ 1929982 w 2501089"/>
+                <a:gd name="connsiteY14" fmla="*/ 682930 h 1972702"/>
+                <a:gd name="connsiteX15" fmla="*/ 2183093 w 2501089"/>
+                <a:gd name="connsiteY15" fmla="*/ 310149 h 1972702"/>
+                <a:gd name="connsiteX16" fmla="*/ 2280286 w 2501089"/>
+                <a:gd name="connsiteY16" fmla="*/ 108435 h 1972702"/>
+              </a:gdLst>
+              <a:ahLst/>
+              <a:cxnLst>
+                <a:cxn ang="0">
+                  <a:pos x="connsiteX0" y="connsiteY0"/>
+                </a:cxn>
+                <a:cxn ang="0">
+                  <a:pos x="connsiteX1" y="connsiteY1"/>
+                </a:cxn>
+                <a:cxn ang="0">
+                  <a:pos x="connsiteX2" y="connsiteY2"/>
+                </a:cxn>
+                <a:cxn ang="0">
+                  <a:pos x="connsiteX3" y="connsiteY3"/>
+                </a:cxn>
+                <a:cxn ang="0">
+                  <a:pos x="connsiteX4" y="connsiteY4"/>
+                </a:cxn>
+                <a:cxn ang="0">
+                  <a:pos x="connsiteX5" y="connsiteY5"/>
+                </a:cxn>
+                <a:cxn ang="0">
+                  <a:pos x="connsiteX6" y="connsiteY6"/>
+                </a:cxn>
+                <a:cxn ang="0">
+                  <a:pos x="connsiteX7" y="connsiteY7"/>
+                </a:cxn>
+                <a:cxn ang="0">
+                  <a:pos x="connsiteX8" y="connsiteY8"/>
+                </a:cxn>
+                <a:cxn ang="0">
+                  <a:pos x="connsiteX9" y="connsiteY9"/>
+                </a:cxn>
+                <a:cxn ang="0">
+                  <a:pos x="connsiteX10" y="connsiteY10"/>
+                </a:cxn>
+                <a:cxn ang="0">
+                  <a:pos x="connsiteX11" y="connsiteY11"/>
+                </a:cxn>
+                <a:cxn ang="0">
+                  <a:pos x="connsiteX12" y="connsiteY12"/>
+                </a:cxn>
+                <a:cxn ang="0">
+                  <a:pos x="connsiteX13" y="connsiteY13"/>
+                </a:cxn>
+                <a:cxn ang="0">
+                  <a:pos x="connsiteX14" y="connsiteY14"/>
+                </a:cxn>
+                <a:cxn ang="0">
+                  <a:pos x="connsiteX15" y="connsiteY15"/>
+                </a:cxn>
+                <a:cxn ang="0">
+                  <a:pos x="connsiteX16" y="connsiteY16"/>
+                </a:cxn>
+              </a:cxnLst>
+              <a:rect l="l" t="t" r="r" b="b"/>
+              <a:pathLst>
+                <a:path w="2501089" h="1972702">
+                  <a:moveTo>
+                    <a:pt x="2318728" y="0"/>
+                  </a:moveTo>
+                  <a:lnTo>
+                    <a:pt x="2501089" y="0"/>
+                  </a:lnTo>
+                  <a:lnTo>
+                    <a:pt x="2453909" y="167837"/>
+                  </a:lnTo>
+                  <a:cubicBezTo>
+                    <a:pt x="2427555" y="244153"/>
+                    <a:pt x="2396627" y="319103"/>
+                    <a:pt x="2361125" y="392084"/>
+                  </a:cubicBezTo>
+                  <a:cubicBezTo>
+                    <a:pt x="2218453" y="684005"/>
+                    <a:pt x="2011698" y="945211"/>
+                    <a:pt x="1768255" y="1167644"/>
+                  </a:cubicBezTo>
+                  <a:cubicBezTo>
+                    <a:pt x="1646250" y="1278860"/>
+                    <a:pt x="1514385" y="1380316"/>
+                    <a:pt x="1375125" y="1471474"/>
+                  </a:cubicBezTo>
+                  <a:cubicBezTo>
+                    <a:pt x="1235677" y="1562542"/>
+                    <a:pt x="1088928" y="1643672"/>
+                    <a:pt x="935735" y="1712713"/>
+                  </a:cubicBezTo>
+                  <a:cubicBezTo>
+                    <a:pt x="705659" y="1815533"/>
+                    <a:pt x="462359" y="1892212"/>
+                    <a:pt x="212353" y="1940294"/>
+                  </a:cubicBezTo>
+                  <a:lnTo>
+                    <a:pt x="0" y="1972702"/>
+                  </a:lnTo>
+                  <a:lnTo>
+                    <a:pt x="0" y="1732181"/>
+                  </a:lnTo>
+                  <a:lnTo>
+                    <a:pt x="161195" y="1706590"/>
+                  </a:lnTo>
+                  <a:cubicBezTo>
+                    <a:pt x="237638" y="1691378"/>
+                    <a:pt x="313477" y="1673222"/>
+                    <a:pt x="388463" y="1652268"/>
+                  </a:cubicBezTo>
+                  <a:cubicBezTo>
+                    <a:pt x="538529" y="1610539"/>
+                    <a:pt x="684898" y="1556543"/>
+                    <a:pt x="826716" y="1493950"/>
+                  </a:cubicBezTo>
+                  <a:cubicBezTo>
+                    <a:pt x="1111207" y="1370107"/>
+                    <a:pt x="1376832" y="1205881"/>
+                    <a:pt x="1609847" y="1007535"/>
+                  </a:cubicBezTo>
+                  <a:cubicBezTo>
+                    <a:pt x="1725975" y="908049"/>
+                    <a:pt x="1833571" y="799519"/>
+                    <a:pt x="1929982" y="682930"/>
+                  </a:cubicBezTo>
+                  <a:cubicBezTo>
+                    <a:pt x="2026581" y="566520"/>
+                    <a:pt x="2111806" y="441692"/>
+                    <a:pt x="2183093" y="310149"/>
+                  </a:cubicBezTo>
+                  <a:cubicBezTo>
+                    <a:pt x="2218738" y="244422"/>
+                    <a:pt x="2251396" y="177150"/>
+                    <a:pt x="2280286" y="108435"/>
+                  </a:cubicBezTo>
+                  <a:close/>
+                </a:path>
+              </a:pathLst>
+            </a:custGeom>
+            <a:gradFill>
+              <a:gsLst>
+                <a:gs pos="2000">
+                  <a:schemeClr val="bg1">
+                    <a:alpha val="10000"/>
+                  </a:schemeClr>
+                </a:gs>
+                <a:gs pos="16000">
+                  <a:schemeClr val="accent6">
+                    <a:alpha val="10000"/>
+                  </a:schemeClr>
+                </a:gs>
+                <a:gs pos="100000">
+                  <a:schemeClr val="bg1">
+                    <a:alpha val="10000"/>
+                  </a:schemeClr>
+                </a:gs>
+                <a:gs pos="85000">
+                  <a:schemeClr val="accent1">
+                    <a:alpha val="10000"/>
+                  </a:schemeClr>
+                </a:gs>
+              </a:gsLst>
+              <a:lin ang="12000000" scaled="0"/>
+            </a:gradFill>
+            <a:ln>
+              <a:noFill/>
+            </a:ln>
+          </p:spPr>
+          <p:style>
+            <a:lnRef idx="2">
+              <a:schemeClr val="accent1">
+                <a:shade val="50000"/>
+              </a:schemeClr>
+            </a:lnRef>
+            <a:fillRef idx="1">
+              <a:schemeClr val="accent1"/>
+            </a:fillRef>
+            <a:effectRef idx="0">
+              <a:schemeClr val="accent1"/>
+            </a:effectRef>
+            <a:fontRef idx="minor">
+              <a:schemeClr val="lt1"/>
+            </a:fontRef>
+          </p:style>
+          <p:txBody>
+            <a:bodyPr wrap="square" rtlCol="0" anchor="ctr">
+              <a:noAutofit/>
+            </a:bodyPr>
+            <a:lstStyle/>
+            <a:p>
+              <a:pPr algn="ctr"/>
+              <a:endParaRPr lang="en-US" sz="800"/>
+            </a:p>
+          </p:txBody>
+        </p:sp>
+        <p:sp>
+          <p:nvSpPr>
+            <p:cNvPr id="20" name="Freeform: Shape 19">
+              <a:extLst>
+                <a:ext uri="{FF2B5EF4-FFF2-40B4-BE49-F238E27FC236}">
+                  <a16:creationId xmlns:a16="http://schemas.microsoft.com/office/drawing/2014/main" id="{30E1677B-677B-48F1-971D-9E7F3CA51220}"/>
+                </a:ext>
+                <a:ext uri="{C183D7F6-B498-43B3-948B-1728B52AA6E4}">
+                  <adec:decorative xmlns:adec="http://schemas.microsoft.com/office/drawing/2017/decorative" val="1"/>
+                </a:ext>
+              </a:extLst>
+            </p:cNvPr>
+            <p:cNvSpPr/>
+            <p:nvPr>
+              <p:extLst>
+                <p:ext uri="{386F3935-93C4-4BCD-93E2-E3B085C9AB24}">
+                  <p16:designElem xmlns:p16="http://schemas.microsoft.com/office/powerpoint/2015/main" val="1"/>
+                </p:ext>
+              </p:extLst>
+            </p:nvPr>
+          </p:nvSpPr>
+          <p:spPr>
+            <a:xfrm>
+              <a:off x="305" y="1"/>
+              <a:ext cx="2491105" cy="1943661"/>
+            </a:xfrm>
+            <a:custGeom>
+              <a:avLst/>
+              <a:gdLst>
+                <a:gd name="connsiteX0" fmla="*/ 1995408 w 2491105"/>
+                <a:gd name="connsiteY0" fmla="*/ 0 h 1943661"/>
+                <a:gd name="connsiteX1" fmla="*/ 2491105 w 2491105"/>
+                <a:gd name="connsiteY1" fmla="*/ 0 h 1943661"/>
+                <a:gd name="connsiteX2" fmla="*/ 2434705 w 2491105"/>
+                <a:gd name="connsiteY2" fmla="*/ 174009 h 1943661"/>
+                <a:gd name="connsiteX3" fmla="*/ 92457 w 2491105"/>
+                <a:gd name="connsiteY3" fmla="*/ 1931703 h 1943661"/>
+                <a:gd name="connsiteX4" fmla="*/ 0 w 2491105"/>
+                <a:gd name="connsiteY4" fmla="*/ 1943661 h 1943661"/>
+                <a:gd name="connsiteX5" fmla="*/ 0 w 2491105"/>
+                <a:gd name="connsiteY5" fmla="*/ 1491489 h 1943661"/>
+                <a:gd name="connsiteX6" fmla="*/ 34107 w 2491105"/>
+                <a:gd name="connsiteY6" fmla="*/ 1486836 h 1943661"/>
+                <a:gd name="connsiteX7" fmla="*/ 497577 w 2491105"/>
+                <a:gd name="connsiteY7" fmla="*/ 1360598 h 1943661"/>
+                <a:gd name="connsiteX8" fmla="*/ 1321566 w 2491105"/>
+                <a:gd name="connsiteY8" fmla="*/ 897645 h 1943661"/>
+                <a:gd name="connsiteX9" fmla="*/ 1891495 w 2491105"/>
+                <a:gd name="connsiteY9" fmla="*/ 230078 h 1943661"/>
+                <a:gd name="connsiteX10" fmla="*/ 1961469 w 2491105"/>
+                <a:gd name="connsiteY10" fmla="*/ 87885 h 1943661"/>
+              </a:gdLst>
+              <a:ahLst/>
+              <a:cxnLst>
+                <a:cxn ang="0">
+                  <a:pos x="connsiteX0" y="connsiteY0"/>
+                </a:cxn>
+                <a:cxn ang="0">
+                  <a:pos x="connsiteX1" y="connsiteY1"/>
+                </a:cxn>
+                <a:cxn ang="0">
+                  <a:pos x="connsiteX2" y="connsiteY2"/>
+                </a:cxn>
+                <a:cxn ang="0">
+                  <a:pos x="connsiteX3" y="connsiteY3"/>
+                </a:cxn>
+                <a:cxn ang="0">
+                  <a:pos x="connsiteX4" y="connsiteY4"/>
+                </a:cxn>
+                <a:cxn ang="0">
+                  <a:pos x="connsiteX5" y="connsiteY5"/>
+                </a:cxn>
+                <a:cxn ang="0">
+                  <a:pos x="connsiteX6" y="connsiteY6"/>
+                </a:cxn>
+                <a:cxn ang="0">
+                  <a:pos x="connsiteX7" y="connsiteY7"/>
+                </a:cxn>
+                <a:cxn ang="0">
+                  <a:pos x="connsiteX8" y="connsiteY8"/>
+                </a:cxn>
+                <a:cxn ang="0">
+                  <a:pos x="connsiteX9" y="connsiteY9"/>
+                </a:cxn>
+                <a:cxn ang="0">
+                  <a:pos x="connsiteX10" y="connsiteY10"/>
+                </a:cxn>
+              </a:cxnLst>
+              <a:rect l="l" t="t" r="r" b="b"/>
+              <a:pathLst>
+                <a:path w="2491105" h="1943661">
+                  <a:moveTo>
+                    <a:pt x="1995408" y="0"/>
+                  </a:moveTo>
+                  <a:lnTo>
+                    <a:pt x="2491105" y="0"/>
+                  </a:lnTo>
+                  <a:lnTo>
+                    <a:pt x="2434705" y="174009"/>
+                  </a:lnTo>
+                  <a:cubicBezTo>
+                    <a:pt x="2087512" y="1067655"/>
+                    <a:pt x="1129122" y="1753877"/>
+                    <a:pt x="92457" y="1931703"/>
+                  </a:cubicBezTo>
+                  <a:lnTo>
+                    <a:pt x="0" y="1943661"/>
+                  </a:lnTo>
+                  <a:lnTo>
+                    <a:pt x="0" y="1491489"/>
+                  </a:lnTo>
+                  <a:lnTo>
+                    <a:pt x="34107" y="1486836"/>
+                  </a:lnTo>
+                  <a:cubicBezTo>
+                    <a:pt x="189055" y="1458696"/>
+                    <a:pt x="343908" y="1416565"/>
+                    <a:pt x="497577" y="1360598"/>
+                  </a:cubicBezTo>
+                  <a:cubicBezTo>
+                    <a:pt x="796856" y="1251889"/>
+                    <a:pt x="1081725" y="1091781"/>
+                    <a:pt x="1321566" y="897645"/>
+                  </a:cubicBezTo>
+                  <a:cubicBezTo>
+                    <a:pt x="1565577" y="700195"/>
+                    <a:pt x="1757355" y="475523"/>
+                    <a:pt x="1891495" y="230078"/>
+                  </a:cubicBezTo>
+                  <a:cubicBezTo>
+                    <a:pt x="1917197" y="183033"/>
+                    <a:pt x="1940526" y="135619"/>
+                    <a:pt x="1961469" y="87885"/>
+                  </a:cubicBezTo>
+                  <a:close/>
+                </a:path>
+              </a:pathLst>
+            </a:custGeom>
+            <a:gradFill>
+              <a:gsLst>
+                <a:gs pos="2000">
+                  <a:schemeClr val="bg1">
+                    <a:alpha val="10000"/>
+                  </a:schemeClr>
+                </a:gs>
+                <a:gs pos="16000">
+                  <a:schemeClr val="accent6">
+                    <a:alpha val="10000"/>
+                  </a:schemeClr>
+                </a:gs>
+                <a:gs pos="100000">
+                  <a:schemeClr val="bg1">
+                    <a:alpha val="10000"/>
+                  </a:schemeClr>
+                </a:gs>
+                <a:gs pos="85000">
+                  <a:schemeClr val="accent1">
+                    <a:alpha val="10000"/>
+                  </a:schemeClr>
+                </a:gs>
+              </a:gsLst>
+              <a:lin ang="12000000" scaled="0"/>
+            </a:gradFill>
+            <a:ln>
+              <a:noFill/>
+            </a:ln>
+          </p:spPr>
+          <p:style>
+            <a:lnRef idx="2">
+              <a:schemeClr val="accent1">
+                <a:shade val="50000"/>
+              </a:schemeClr>
+            </a:lnRef>
+            <a:fillRef idx="1">
+              <a:schemeClr val="accent1"/>
+            </a:fillRef>
+            <a:effectRef idx="0">
+              <a:schemeClr val="accent1"/>
+            </a:effectRef>
+            <a:fontRef idx="minor">
+              <a:schemeClr val="lt1"/>
+            </a:fontRef>
+          </p:style>
+          <p:txBody>
+            <a:bodyPr rtlCol="0" anchor="ctr"/>
+            <a:lstStyle/>
+            <a:p>
+              <a:pPr algn="ctr"/>
+              <a:endParaRPr lang="en-US" dirty="0"/>
+            </a:p>
+          </p:txBody>
+        </p:sp>
+      </p:grpSp>
+      <p:pic>
+        <p:nvPicPr>
+          <p:cNvPr id="7" name="Picture 6">
+            <a:extLst>
+              <a:ext uri="{FF2B5EF4-FFF2-40B4-BE49-F238E27FC236}">
+                <a16:creationId xmlns:a16="http://schemas.microsoft.com/office/drawing/2014/main" id="{CD36C009-B0CC-4A84-AE53-A6ACD21D28C4}"/>
+              </a:ext>
+            </a:extLst>
+          </p:cNvPr>
+          <p:cNvPicPr>
+            <a:picLocks noChangeAspect="1"/>
+          </p:cNvPicPr>
+          <p:nvPr/>
+        </p:nvPicPr>
+        <p:blipFill>
+          <a:blip r:embed="rId2"/>
+          <a:stretch>
+            <a:fillRect/>
+          </a:stretch>
+        </p:blipFill>
+        <p:spPr>
+          <a:xfrm>
+            <a:off x="8869680" y="226984"/>
+            <a:ext cx="2880092" cy="1056778"/>
+          </a:xfrm>
+          <a:prstGeom prst="rect">
+            <a:avLst/>
+          </a:prstGeom>
+        </p:spPr>
+      </p:pic>
+      <p:sp>
+        <p:nvSpPr>
+          <p:cNvPr id="3" name="Content Placeholder 2">
+            <a:extLst>
+              <a:ext uri="{FF2B5EF4-FFF2-40B4-BE49-F238E27FC236}">
+                <a16:creationId xmlns:a16="http://schemas.microsoft.com/office/drawing/2014/main" id="{F9849D3B-2CB6-45DA-9D5B-2DD00C7EA3AE}"/>
+              </a:ext>
+            </a:extLst>
+          </p:cNvPr>
+          <p:cNvSpPr>
+            <a:spLocks noGrp="1"/>
+          </p:cNvSpPr>
+          <p:nvPr>
+            <p:ph idx="1"/>
+          </p:nvPr>
+        </p:nvSpPr>
+        <p:spPr>
+          <a:xfrm>
+            <a:off x="804672" y="2421682"/>
+            <a:ext cx="4620867" cy="4236294"/>
+          </a:xfrm>
+        </p:spPr>
+        <p:txBody>
+          <a:bodyPr anchor="ctr">
+            <a:normAutofit lnSpcReduction="10000"/>
+          </a:bodyPr>
+          <a:lstStyle/>
+          <a:p>
+            <a:r>
+              <a:rPr lang="en-SG" sz="1800" dirty="0">
+                <a:solidFill>
+                  <a:schemeClr val="tx2"/>
+                </a:solidFill>
+              </a:rPr>
+              <a:t>The machine learning model was then evaluated against the data wherewith it was trained, the testing data and the entire dataset in terms of mean squared error, mean absolute error and the coefficient of determination (r</a:t>
+            </a:r>
+            <a:r>
+              <a:rPr lang="en-SG" sz="1800" baseline="30000" dirty="0">
+                <a:solidFill>
+                  <a:schemeClr val="tx2"/>
+                </a:solidFill>
+              </a:rPr>
+              <a:t>2</a:t>
+            </a:r>
+            <a:r>
+              <a:rPr lang="en-SG" sz="1800" dirty="0">
+                <a:solidFill>
+                  <a:schemeClr val="tx2"/>
+                </a:solidFill>
+              </a:rPr>
+              <a:t>)</a:t>
+            </a:r>
+          </a:p>
+          <a:p>
+            <a:r>
+              <a:rPr lang="en-SG" sz="1800" dirty="0">
+                <a:solidFill>
+                  <a:schemeClr val="tx2"/>
+                </a:solidFill>
+              </a:rPr>
+              <a:t>Since the difference in r2 between the train and test sets (build and final) was &lt; 5%, the model was not overfitted and could generalize the data comparably well.</a:t>
+            </a:r>
+          </a:p>
+          <a:p>
+            <a:r>
+              <a:rPr lang="en-SG" sz="1800" dirty="0">
+                <a:solidFill>
+                  <a:schemeClr val="tx2"/>
+                </a:solidFill>
+              </a:rPr>
+              <a:t>The model was also evaluated against random samples of the data in different sample sizes (called buffers in this case)</a:t>
+            </a:r>
+          </a:p>
+          <a:p>
+            <a:r>
+              <a:rPr lang="en-SG" sz="1800" dirty="0">
+                <a:solidFill>
+                  <a:schemeClr val="tx2"/>
+                </a:solidFill>
+              </a:rPr>
+              <a:t>It seems to perform </a:t>
+            </a:r>
+            <a:r>
+              <a:rPr lang="en-US" sz="1800" dirty="0">
+                <a:solidFill>
+                  <a:schemeClr val="tx2"/>
+                </a:solidFill>
+              </a:rPr>
+              <a:t>quite consistently within the 0.8 - 1.0 band, hovering around 0.9, especially if the sample size is at least 500</a:t>
+            </a:r>
+            <a:endParaRPr lang="en-SG" sz="1800" dirty="0">
+              <a:solidFill>
+                <a:schemeClr val="tx2"/>
+              </a:solidFill>
+            </a:endParaRPr>
+          </a:p>
+        </p:txBody>
+      </p:sp>
+      <p:pic>
+        <p:nvPicPr>
+          <p:cNvPr id="5" name="Picture 4">
+            <a:extLst>
+              <a:ext uri="{FF2B5EF4-FFF2-40B4-BE49-F238E27FC236}">
+                <a16:creationId xmlns:a16="http://schemas.microsoft.com/office/drawing/2014/main" id="{1465D337-367D-4420-B32D-A924E63EC098}"/>
+              </a:ext>
+            </a:extLst>
+          </p:cNvPr>
+          <p:cNvPicPr>
+            <a:picLocks noChangeAspect="1"/>
+          </p:cNvPicPr>
+          <p:nvPr/>
+        </p:nvPicPr>
+        <p:blipFill>
+          <a:blip r:embed="rId3"/>
+          <a:stretch>
+            <a:fillRect/>
+          </a:stretch>
+        </p:blipFill>
+        <p:spPr>
+          <a:xfrm>
+            <a:off x="5677797" y="231002"/>
+            <a:ext cx="2891045" cy="1056778"/>
+          </a:xfrm>
+          <a:prstGeom prst="rect">
+            <a:avLst/>
+          </a:prstGeom>
+        </p:spPr>
+      </p:pic>
+      <p:pic>
+        <p:nvPicPr>
+          <p:cNvPr id="9" name="Picture 8">
+            <a:extLst>
+              <a:ext uri="{FF2B5EF4-FFF2-40B4-BE49-F238E27FC236}">
+                <a16:creationId xmlns:a16="http://schemas.microsoft.com/office/drawing/2014/main" id="{A0C57553-1969-4285-A4A0-077CCC0FB72D}"/>
+              </a:ext>
+            </a:extLst>
+          </p:cNvPr>
+          <p:cNvPicPr>
+            <a:picLocks noChangeAspect="1"/>
+          </p:cNvPicPr>
+          <p:nvPr/>
+        </p:nvPicPr>
+        <p:blipFill>
+          <a:blip r:embed="rId4"/>
+          <a:stretch>
+            <a:fillRect/>
+          </a:stretch>
+        </p:blipFill>
+        <p:spPr>
+          <a:xfrm>
+            <a:off x="7257551" y="1499692"/>
+            <a:ext cx="2955156" cy="1037688"/>
+          </a:xfrm>
+          <a:prstGeom prst="rect">
+            <a:avLst/>
+          </a:prstGeom>
+        </p:spPr>
+      </p:pic>
+      <p:pic>
+        <p:nvPicPr>
+          <p:cNvPr id="13" name="Picture 12">
+            <a:extLst>
+              <a:ext uri="{FF2B5EF4-FFF2-40B4-BE49-F238E27FC236}">
+                <a16:creationId xmlns:a16="http://schemas.microsoft.com/office/drawing/2014/main" id="{49F16A27-8F01-48DC-8905-72BF95AF466B}"/>
+              </a:ext>
+            </a:extLst>
+          </p:cNvPr>
+          <p:cNvPicPr>
+            <a:picLocks noChangeAspect="1"/>
+          </p:cNvPicPr>
+          <p:nvPr/>
+        </p:nvPicPr>
+        <p:blipFill>
+          <a:blip r:embed="rId5"/>
+          <a:stretch>
+            <a:fillRect/>
+          </a:stretch>
+        </p:blipFill>
+        <p:spPr>
+          <a:xfrm>
+            <a:off x="5677797" y="2828959"/>
+            <a:ext cx="6218264" cy="3918158"/>
+          </a:xfrm>
+          <a:prstGeom prst="rect">
+            <a:avLst/>
+          </a:prstGeom>
+        </p:spPr>
+      </p:pic>
+    </p:spTree>
+    <p:extLst>
+      <p:ext uri="{BB962C8B-B14F-4D97-AF65-F5344CB8AC3E}">
+        <p14:creationId xmlns:p14="http://schemas.microsoft.com/office/powerpoint/2010/main" val="2511494435"/>
       </p:ext>
     </p:extLst>
   </p:cSld>

--- a/doc/regression-highlights.pptx
+++ b/doc/regression-highlights.pptx
@@ -10738,22 +10738,33 @@
           </a:xfrm>
         </p:spPr>
         <p:txBody>
-          <a:bodyPr/>
+          <a:bodyPr anchor="ctr">
+            <a:normAutofit/>
+          </a:bodyPr>
           <a:lstStyle/>
           <a:p>
             <a:r>
-              <a:rPr lang="en-SG" dirty="0"/>
-              <a:t>These importances are exclusive to our dataset and are in no aspect universal</a:t>
+              <a:rPr lang="en-SG" sz="2400" dirty="0"/>
+              <a:t>These importances are exclusive to our dataset and are in no way universal</a:t>
             </a:r>
           </a:p>
           <a:p>
             <a:r>
-              <a:rPr lang="en-SG" dirty="0"/>
-              <a:t>For example, in Singapore, however, the number of bedrooms could be a more important factor than the view, given that Singapore is very urbanised</a:t>
+              <a:rPr lang="en-SG" sz="2400" dirty="0"/>
+              <a:t>For example, in Singapore, however, the number of bedrooms could be a more important factor than the view</a:t>
             </a:r>
           </a:p>
           <a:p>
-            <a:endParaRPr lang="en-SG" dirty="0"/>
+            <a:r>
+              <a:rPr lang="en-SG" sz="2400" dirty="0"/>
+              <a:t>Keeping these statistics in mind, we can get a sense of how the housing market in King County works</a:t>
+            </a:r>
+          </a:p>
+          <a:p>
+            <a:r>
+              <a:rPr lang="en-SG" sz="2400" dirty="0"/>
+              <a:t>In this way, we can learn from the machine learning model after it has “learnt” from the data we provided it</a:t>
+            </a:r>
           </a:p>
         </p:txBody>
       </p:sp>
@@ -10966,7 +10977,7 @@
         </p:nvSpPr>
         <p:spPr>
           <a:xfrm>
-            <a:off x="804672" y="338328"/>
+            <a:off x="662994" y="635294"/>
             <a:ext cx="4889945" cy="870712"/>
           </a:xfrm>
         </p:spPr>
@@ -12262,7 +12273,7 @@
         <p:spPr>
           <a:xfrm>
             <a:off x="648928" y="338328"/>
-            <a:ext cx="3685032" cy="1608328"/>
+            <a:ext cx="3475397" cy="1608328"/>
           </a:xfrm>
         </p:spPr>
         <p:txBody>
@@ -12272,7 +12283,7 @@
           <a:lstStyle/>
           <a:p>
             <a:r>
-              <a:rPr lang="en-US" sz="3600"/>
+              <a:rPr lang="en-US" sz="3600" dirty="0"/>
               <a:t>Exploratory Data Analysis</a:t>
             </a:r>
           </a:p>
@@ -13074,7 +13085,7 @@
             </a:pPr>
             <a:r>
               <a:rPr lang="en-US" sz="1600" dirty="0"/>
-              <a:t>As seen above, the logarithmic transformation bends the distribution</a:t>
+              <a:t>As seen above, the logarithmic transformation bends the distribution (makes it non-linear)</a:t>
             </a:r>
           </a:p>
           <a:p>
@@ -13123,6 +13134,60 @@
           </a:prstGeom>
         </p:spPr>
       </p:pic>
+      <p:sp>
+        <p:nvSpPr>
+          <p:cNvPr id="14" name="Rectangle 13">
+            <a:extLst>
+              <a:ext uri="{FF2B5EF4-FFF2-40B4-BE49-F238E27FC236}">
+                <a16:creationId xmlns:a16="http://schemas.microsoft.com/office/drawing/2014/main" id="{E46219CF-8193-43CA-86E0-9955FA7A0FA8}"/>
+              </a:ext>
+            </a:extLst>
+          </p:cNvPr>
+          <p:cNvSpPr/>
+          <p:nvPr/>
+        </p:nvSpPr>
+        <p:spPr>
+          <a:xfrm>
+            <a:off x="8513845" y="2800351"/>
+            <a:ext cx="1268330" cy="2230588"/>
+          </a:xfrm>
+          <a:prstGeom prst="rect">
+            <a:avLst/>
+          </a:prstGeom>
+          <a:noFill/>
+          <a:ln w="38100" cmpd="dbl">
+            <a:solidFill>
+              <a:schemeClr val="accent6">
+                <a:lumMod val="75000"/>
+              </a:schemeClr>
+            </a:solidFill>
+          </a:ln>
+        </p:spPr>
+        <p:style>
+          <a:lnRef idx="2">
+            <a:schemeClr val="accent1">
+              <a:shade val="50000"/>
+            </a:schemeClr>
+          </a:lnRef>
+          <a:fillRef idx="1">
+            <a:schemeClr val="accent1"/>
+          </a:fillRef>
+          <a:effectRef idx="0">
+            <a:schemeClr val="accent1"/>
+          </a:effectRef>
+          <a:fontRef idx="minor">
+            <a:schemeClr val="lt1"/>
+          </a:fontRef>
+        </p:style>
+        <p:txBody>
+          <a:bodyPr rtlCol="0" anchor="ctr"/>
+          <a:lstStyle/>
+          <a:p>
+            <a:pPr algn="ctr"/>
+            <a:endParaRPr lang="en-SG"/>
+          </a:p>
+        </p:txBody>
+      </p:sp>
     </p:spTree>
     <p:extLst>
       <p:ext uri="{BB962C8B-B14F-4D97-AF65-F5344CB8AC3E}">
@@ -13667,7 +13732,7 @@
             </a:pPr>
             <a:r>
               <a:rPr lang="en-US" dirty="0"/>
-              <a:t>id was removed because it held little to no information for the machine learning model to learn from</a:t>
+              <a:t>id was removed because it held no information for the machine learning model to learn from</a:t>
             </a:r>
           </a:p>
           <a:p>
@@ -18748,13 +18813,13 @@
         </p:nvSpPr>
         <p:spPr>
           <a:xfrm>
-            <a:off x="690392" y="1835294"/>
-            <a:ext cx="5691358" cy="2649309"/>
+            <a:off x="690392" y="1371600"/>
+            <a:ext cx="5691358" cy="3113003"/>
           </a:xfrm>
         </p:spPr>
         <p:txBody>
           <a:bodyPr anchor="ctr">
-            <a:normAutofit lnSpcReduction="10000"/>
+            <a:normAutofit/>
           </a:bodyPr>
           <a:lstStyle/>
           <a:p>
@@ -18810,7 +18875,7 @@
                   <a:schemeClr val="tx2"/>
                 </a:solidFill>
               </a:rPr>
-              <a:t>This isn’t particularly surprising, as it deploys ensemble learning</a:t>
+              <a:t>This isn’t particularly surprising, as it deploys ensemble learning, which is typically more accurate than individual algorithms</a:t>
             </a:r>
           </a:p>
         </p:txBody>
@@ -18945,7 +19010,7 @@
         <p:spPr>
           <a:xfrm>
             <a:off x="771406" y="381243"/>
-            <a:ext cx="5172193" cy="1415097"/>
+            <a:ext cx="5143619" cy="990357"/>
           </a:xfrm>
         </p:spPr>
         <p:txBody>
@@ -19013,7 +19078,7 @@
         </p:nvSpPr>
         <p:spPr>
           <a:xfrm>
-            <a:off x="476249" y="1495036"/>
+            <a:off x="476249" y="1421087"/>
             <a:ext cx="5057775" cy="2734047"/>
           </a:xfrm>
         </p:spPr>
@@ -19090,8 +19155,8 @@
         </p:nvGrpSpPr>
         <p:grpSpPr>
           <a:xfrm>
-            <a:off x="5619100" y="365125"/>
-            <a:ext cx="6220565" cy="2734046"/>
+            <a:off x="5941704" y="1421086"/>
+            <a:ext cx="5677550" cy="2644703"/>
             <a:chOff x="5619100" y="1340966"/>
             <a:chExt cx="6220565" cy="2734046"/>
           </a:xfrm>
@@ -19314,8 +19379,8 @@
         </p:nvSpPr>
         <p:spPr>
           <a:xfrm>
-            <a:off x="388385" y="441672"/>
-            <a:ext cx="5218401" cy="1239613"/>
+            <a:off x="315623" y="476785"/>
+            <a:ext cx="5218401" cy="862793"/>
           </a:xfrm>
         </p:spPr>
         <p:txBody>
@@ -19382,14 +19447,19 @@
             <p:ph type="title"/>
           </p:nvPr>
         </p:nvSpPr>
-        <p:spPr/>
+        <p:spPr>
+          <a:xfrm>
+            <a:off x="378800" y="142876"/>
+            <a:ext cx="5303837" cy="753038"/>
+          </a:xfrm>
+        </p:spPr>
         <p:txBody>
           <a:bodyPr/>
           <a:lstStyle/>
           <a:p>
             <a:r>
               <a:rPr lang="en-SG" dirty="0"/>
-              <a:t>Transformations</a:t>
+              <a:t>X &amp; y Transformations</a:t>
             </a:r>
           </a:p>
         </p:txBody>
@@ -19412,23 +19482,53 @@
         </p:nvSpPr>
         <p:spPr>
           <a:xfrm>
-            <a:off x="839789" y="1438275"/>
-            <a:ext cx="4989512" cy="1255448"/>
+            <a:off x="232137" y="895914"/>
+            <a:ext cx="5520963" cy="1882015"/>
           </a:xfrm>
         </p:spPr>
         <p:txBody>
-          <a:bodyPr>
-            <a:normAutofit fontScale="92500" lnSpcReduction="20000"/>
+          <a:bodyPr anchor="ctr">
+            <a:normAutofit/>
           </a:bodyPr>
           <a:lstStyle/>
           <a:p>
-            <a:pPr marL="342900" indent="-342900">
+            <a:r>
+              <a:rPr lang="en-SG" sz="1800" b="0" dirty="0"/>
+              <a:t>For the y transformation:</a:t>
+            </a:r>
+          </a:p>
+          <a:p>
+            <a:pPr marL="800100" lvl="1" indent="-342900">
               <a:buFont typeface="Arial" panose="020B0604020202020204" pitchFamily="34" charset="0"/>
               <a:buChar char="•"/>
             </a:pPr>
             <a:r>
-              <a:rPr lang="en-SG" b="0" dirty="0"/>
-              <a:t>For the target transformation, a loop was used to compare</a:t>
+              <a:rPr lang="en-SG" sz="1600" b="0" dirty="0"/>
+              <a:t>A for loop was used to compare log, square root and no transformation for the target variable (price)</a:t>
+            </a:r>
+          </a:p>
+          <a:p>
+            <a:pPr marL="800100" lvl="1" indent="-342900">
+              <a:buFont typeface="Arial" panose="020B0604020202020204" pitchFamily="34" charset="0"/>
+              <a:buChar char="•"/>
+            </a:pPr>
+            <a:r>
+              <a:rPr lang="en-SG" sz="1600" b="0" dirty="0" err="1"/>
+              <a:t>TransformedTargetRegressor</a:t>
+            </a:r>
+            <a:r>
+              <a:rPr lang="en-SG" sz="1600" b="0" dirty="0"/>
+              <a:t> was used as a wrapper for the machine learning pipeline built thus far</a:t>
+            </a:r>
+          </a:p>
+          <a:p>
+            <a:pPr marL="800100" lvl="1" indent="-342900">
+              <a:buFont typeface="Arial" panose="020B0604020202020204" pitchFamily="34" charset="0"/>
+              <a:buChar char="•"/>
+            </a:pPr>
+            <a:r>
+              <a:rPr lang="en-SG" sz="1600" b="0" dirty="0"/>
+              <a:t>Square root worked the best among the three</a:t>
             </a:r>
           </a:p>
         </p:txBody>
@@ -19480,67 +19580,72 @@
         </p:nvSpPr>
         <p:spPr>
           <a:xfrm>
-            <a:off x="6529630" y="308238"/>
-            <a:ext cx="5183188" cy="2385485"/>
+            <a:off x="5829300" y="227081"/>
+            <a:ext cx="6130563" cy="2550848"/>
           </a:xfrm>
         </p:spPr>
         <p:txBody>
           <a:bodyPr anchor="ctr">
-            <a:normAutofit fontScale="92500" lnSpcReduction="20000"/>
+            <a:normAutofit/>
           </a:bodyPr>
           <a:lstStyle/>
           <a:p>
-            <a:pPr marL="342900" indent="-342900">
+            <a:r>
+              <a:rPr lang="en-SG" sz="1800" b="0" dirty="0"/>
+              <a:t>For the X transformations:</a:t>
+            </a:r>
+          </a:p>
+          <a:p>
+            <a:pPr marL="800100" lvl="1" indent="-342900">
               <a:buFont typeface="Arial" panose="020B0604020202020204" pitchFamily="34" charset="0"/>
               <a:buChar char="•"/>
             </a:pPr>
             <a:r>
-              <a:rPr lang="en-SG" b="0" dirty="0"/>
-              <a:t>I defined two custom transformer classes: log and sqrt, which were used to transform the feature variables.</a:t>
+              <a:rPr lang="en-SG" sz="1600" b="0" dirty="0"/>
+              <a:t>I defined two custom transformer classes: log and sqrt, which were used to transform the feature variables</a:t>
             </a:r>
           </a:p>
           <a:p>
-            <a:pPr marL="342900" indent="-342900">
+            <a:pPr marL="800100" lvl="1" indent="-342900">
               <a:buFont typeface="Arial" panose="020B0604020202020204" pitchFamily="34" charset="0"/>
               <a:buChar char="•"/>
             </a:pPr>
             <a:r>
-              <a:rPr lang="en-SG" b="0" dirty="0" err="1"/>
+              <a:rPr lang="en-SG" sz="1600" b="0" dirty="0" err="1"/>
               <a:t>GridSearchCV</a:t>
             </a:r>
             <a:r>
-              <a:rPr lang="en-SG" b="0" dirty="0"/>
-              <a:t> was used to compare the different scalers and transformers for the feature variables</a:t>
+              <a:rPr lang="en-SG" sz="1600" b="0" dirty="0"/>
+              <a:t> was used to compare the performance of using different scalers and transformers for the feature variables</a:t>
             </a:r>
           </a:p>
           <a:p>
-            <a:pPr marL="342900" indent="-342900">
+            <a:pPr marL="800100" lvl="1" indent="-342900">
               <a:buFont typeface="Arial" panose="020B0604020202020204" pitchFamily="34" charset="0"/>
               <a:buChar char="•"/>
             </a:pPr>
             <a:r>
-              <a:rPr lang="en-SG" b="0" dirty="0" err="1"/>
+              <a:rPr lang="en-SG" sz="1600" b="0" dirty="0" err="1"/>
               <a:t>LogTransformer</a:t>
             </a:r>
             <a:r>
-              <a:rPr lang="en-SG" b="0" dirty="0"/>
+              <a:rPr lang="en-SG" sz="1600" b="0" dirty="0"/>
               <a:t> with </a:t>
             </a:r>
             <a:r>
-              <a:rPr lang="en-SG" b="0" dirty="0" err="1"/>
+              <a:rPr lang="en-SG" sz="1600" b="0" dirty="0" err="1"/>
               <a:t>RobustScaler</a:t>
             </a:r>
             <a:r>
-              <a:rPr lang="en-SG" b="0" dirty="0"/>
-              <a:t> performed the best as the X transformer</a:t>
+              <a:rPr lang="en-SG" sz="1600" b="0" dirty="0"/>
+              <a:t> performed the best as the transformer and scaler for the feature variables respectively</a:t>
             </a:r>
           </a:p>
           <a:p>
-            <a:pPr marL="342900" indent="-342900">
-              <a:buFont typeface="Arial" panose="020B0604020202020204" pitchFamily="34" charset="0"/>
-              <a:buChar char="•"/>
-            </a:pPr>
-            <a:endParaRPr lang="en-SG" b="0" dirty="0"/>
+            <a:r>
+              <a:rPr lang="en-SG" sz="1800" b="0" dirty="0"/>
+              <a:t>After finding the best X transformer, the next thing to do was to find the best y transformer (including none)</a:t>
+            </a:r>
           </a:p>
         </p:txBody>
       </p:sp>
@@ -19655,13 +19760,13 @@
           <a:p>
             <a:r>
               <a:rPr lang="en-SG" dirty="0"/>
-              <a:t>A custom feature engineering and feature selection transformer classes were defined.</a:t>
+              <a:t>A custom feature engineering and feature selection transformer classes were defined</a:t>
             </a:r>
           </a:p>
           <a:p>
             <a:r>
               <a:rPr lang="en-SG" dirty="0"/>
-              <a:t>The machine learning pipeline was then assembled, incorporating the feature engineering and selection transformers, the robust scaler and the logarithmic X transformer, before piping the transformed to an instance of the </a:t>
+              <a:t>The machine learning pipeline was then assembled, incorporating the feature engineering and selection transformers, the logarithmic X transformer and a robust scaler, before piping the transformed data to an instance of the </a:t>
             </a:r>
             <a:r>
               <a:rPr lang="en-SG" dirty="0" err="1"/>
@@ -19831,8 +19936,8 @@
         </p:nvSpPr>
         <p:spPr>
           <a:xfrm>
-            <a:off x="828961" y="1060766"/>
-            <a:ext cx="4572287" cy="1037688"/>
+            <a:off x="771942" y="740620"/>
+            <a:ext cx="4572287" cy="799196"/>
           </a:xfrm>
         </p:spPr>
         <p:txBody>
@@ -20968,13 +21073,13 @@
         </p:nvSpPr>
         <p:spPr>
           <a:xfrm>
-            <a:off x="804672" y="2421682"/>
-            <a:ext cx="4620867" cy="4236294"/>
+            <a:off x="495300" y="1539816"/>
+            <a:ext cx="5006358" cy="5091200"/>
           </a:xfrm>
         </p:spPr>
         <p:txBody>
           <a:bodyPr anchor="ctr">
-            <a:normAutofit lnSpcReduction="10000"/>
+            <a:normAutofit fontScale="85000" lnSpcReduction="10000"/>
           </a:bodyPr>
           <a:lstStyle/>
           <a:p>
@@ -21002,6 +21107,51 @@
               </a:rPr>
               <a:t>)</a:t>
             </a:r>
+            <a:endParaRPr lang="en-US" sz="1800" dirty="0">
+              <a:solidFill>
+                <a:schemeClr val="tx2"/>
+              </a:solidFill>
+            </a:endParaRPr>
+          </a:p>
+          <a:p>
+            <a:r>
+              <a:rPr lang="en-US" sz="1800" dirty="0">
+                <a:solidFill>
+                  <a:schemeClr val="tx2"/>
+                </a:solidFill>
+              </a:rPr>
+              <a:t>Given a regression problem, it is impossible to predict an exact value with machine learning. Therefore, the metrics by which a regression machine learning model is evaluated take into account the margin of error which the model makes</a:t>
+            </a:r>
+          </a:p>
+          <a:p>
+            <a:r>
+              <a:rPr lang="en-US" sz="1800" dirty="0">
+                <a:solidFill>
+                  <a:schemeClr val="tx2"/>
+                </a:solidFill>
+              </a:rPr>
+              <a:t>For example, r2 shows the proportion of variance attributed to variance in the feature values. Hence, an r2 score close to 1 suggests success for a machine learning model</a:t>
+            </a:r>
+            <a:endParaRPr lang="en-SG" sz="1800" dirty="0">
+              <a:solidFill>
+                <a:schemeClr val="tx2"/>
+              </a:solidFill>
+            </a:endParaRPr>
+          </a:p>
+          <a:p>
+            <a:r>
+              <a:rPr lang="en-US" sz="1800" dirty="0">
+                <a:solidFill>
+                  <a:schemeClr val="tx2"/>
+                </a:solidFill>
+              </a:rPr>
+              <a:t>In this case, 0.88 for a test score is considerably good.</a:t>
+            </a:r>
+            <a:endParaRPr lang="en-SG" sz="1800" dirty="0">
+              <a:solidFill>
+                <a:schemeClr val="tx2"/>
+              </a:solidFill>
+            </a:endParaRPr>
           </a:p>
           <a:p>
             <a:r>
@@ -21010,7 +21160,7 @@
                   <a:schemeClr val="tx2"/>
                 </a:solidFill>
               </a:rPr>
-              <a:t>Since the difference in r2 between the train and test sets (build and final) was &lt; 5%, the model was not overfitted and could generalize the data comparably well.</a:t>
+              <a:t>Since the difference in r2 between the train and test sets (build and final) was &lt; 5%, the model was not overfitted and could generalize the data reasonably well</a:t>
             </a:r>
           </a:p>
           <a:p>
@@ -21132,6 +21282,36 @@
           <a:xfrm>
             <a:off x="5677797" y="2828959"/>
             <a:ext cx="6218264" cy="3918158"/>
+          </a:xfrm>
+          <a:prstGeom prst="rect">
+            <a:avLst/>
+          </a:prstGeom>
+        </p:spPr>
+      </p:pic>
+      <p:pic>
+        <p:nvPicPr>
+          <p:cNvPr id="6" name="Picture 5">
+            <a:extLst>
+              <a:ext uri="{FF2B5EF4-FFF2-40B4-BE49-F238E27FC236}">
+                <a16:creationId xmlns:a16="http://schemas.microsoft.com/office/drawing/2014/main" id="{E55A0E96-91D0-454A-ADAE-40A91ED6DDEA}"/>
+              </a:ext>
+            </a:extLst>
+          </p:cNvPr>
+          <p:cNvPicPr>
+            <a:picLocks noChangeAspect="1"/>
+          </p:cNvPicPr>
+          <p:nvPr/>
+        </p:nvPicPr>
+        <p:blipFill>
+          <a:blip r:embed="rId6"/>
+          <a:stretch>
+            <a:fillRect/>
+          </a:stretch>
+        </p:blipFill>
+        <p:spPr>
+          <a:xfrm>
+            <a:off x="636105" y="226984"/>
+            <a:ext cx="4843962" cy="335401"/>
           </a:xfrm>
           <a:prstGeom prst="rect">
             <a:avLst/>
